--- a/CYB-690/Topic 2/Security Framework RCoon.pptx
+++ b/CYB-690/Topic 2/Security Framework RCoon.pptx
@@ -5,23 +5,25 @@
     <p:sldMasterId id="2147483648" r:id="rId4"/>
   </p:sldMasterIdLst>
   <p:notesMasterIdLst>
-    <p:notesMasterId r:id="rId16"/>
+    <p:notesMasterId r:id="rId18"/>
   </p:notesMasterIdLst>
   <p:handoutMasterIdLst>
-    <p:handoutMasterId r:id="rId17"/>
+    <p:handoutMasterId r:id="rId19"/>
   </p:handoutMasterIdLst>
   <p:sldIdLst>
     <p:sldId id="273" r:id="rId5"/>
     <p:sldId id="275" r:id="rId6"/>
     <p:sldId id="277" r:id="rId7"/>
     <p:sldId id="280" r:id="rId8"/>
-    <p:sldId id="281" r:id="rId9"/>
-    <p:sldId id="282" r:id="rId10"/>
+    <p:sldId id="284" r:id="rId9"/>
+    <p:sldId id="285" r:id="rId10"/>
     <p:sldId id="279" r:id="rId11"/>
-    <p:sldId id="283" r:id="rId12"/>
-    <p:sldId id="276" r:id="rId13"/>
-    <p:sldId id="278" r:id="rId14"/>
-    <p:sldId id="274" r:id="rId15"/>
+    <p:sldId id="286" r:id="rId12"/>
+    <p:sldId id="287" r:id="rId13"/>
+    <p:sldId id="281" r:id="rId14"/>
+    <p:sldId id="288" r:id="rId15"/>
+    <p:sldId id="289" r:id="rId16"/>
+    <p:sldId id="274" r:id="rId17"/>
   </p:sldIdLst>
   <p:sldSz cx="12192000" cy="6858000"/>
   <p:notesSz cx="6858000" cy="9144000"/>
@@ -377,7 +379,7 @@
           <a:p>
             <a:fld id="{83433F7E-3633-4FA3-974D-CA21FB24834F}" type="datetimeFigureOut">
               <a:rPr lang="en-US" smtClean="0"/>
-              <a:t>9/7/2025</a:t>
+              <a:t>9/9/2025</a:t>
             </a:fld>
             <a:endParaRPr lang="en-US"/>
           </a:p>
@@ -554,7 +556,7 @@
           <a:p>
             <a:fld id="{D945F7B4-7442-4021-9F1E-8BC3C363C892}" type="datetimeFigureOut">
               <a:rPr lang="en-US" noProof="0" smtClean="0"/>
-              <a:t>9/7/2025</a:t>
+              <a:t>9/9/2025</a:t>
             </a:fld>
             <a:endParaRPr lang="en-US" noProof="0" dirty="0"/>
           </a:p>
@@ -9874,7 +9876,7 @@
           <p:cNvPr id="2" name="Title 1">
             <a:extLst>
               <a:ext uri="{FF2B5EF4-FFF2-40B4-BE49-F238E27FC236}">
-                <a16:creationId xmlns:a16="http://schemas.microsoft.com/office/drawing/2014/main" id="{A052E563-D2B2-A0AD-3574-E8C8FDCE3DAC}"/>
+                <a16:creationId xmlns:a16="http://schemas.microsoft.com/office/drawing/2014/main" id="{F7291133-2B2D-CB5C-25A3-A6BBC6AC48F6}"/>
               </a:ext>
             </a:extLst>
           </p:cNvPr>
@@ -9885,229 +9887,119 @@
             <p:ph type="title"/>
           </p:nvPr>
         </p:nvSpPr>
-        <p:spPr/>
+        <p:spPr>
+          <a:xfrm>
+            <a:off x="2156731" y="151251"/>
+            <a:ext cx="7206474" cy="575321"/>
+          </a:xfrm>
+        </p:spPr>
         <p:txBody>
           <a:bodyPr/>
           <a:lstStyle/>
           <a:p>
             <a:r>
-              <a:rPr lang="en-US" dirty="0"/>
-              <a:t>GOALS FOR</a:t>
+              <a:rPr lang="en-US" sz="2800"/>
+              <a:t>Critical Cybersecurity Needs</a:t>
             </a:r>
             <a:br>
-              <a:rPr lang="en-US" dirty="0"/>
+              <a:rPr lang="en-US" sz="2800"/>
             </a:br>
-            <a:r>
-              <a:rPr lang="en-US" dirty="0"/>
-              <a:t>NEXT REVIEW</a:t>
-            </a:r>
-          </a:p>
-        </p:txBody>
-      </p:sp>
-      <p:sp>
-        <p:nvSpPr>
-          <p:cNvPr id="13" name="Footer Placeholder 12">
-            <a:extLst>
-              <a:ext uri="{FF2B5EF4-FFF2-40B4-BE49-F238E27FC236}">
-                <a16:creationId xmlns:a16="http://schemas.microsoft.com/office/drawing/2014/main" id="{B83AAE15-CE16-991A-C05F-0BD97418193D}"/>
-              </a:ext>
-            </a:extLst>
-          </p:cNvPr>
-          <p:cNvSpPr>
-            <a:spLocks noGrp="1"/>
-          </p:cNvSpPr>
-          <p:nvPr>
-            <p:ph type="ftr" sz="quarter" idx="11"/>
-          </p:nvPr>
-        </p:nvSpPr>
-        <p:spPr/>
+            <a:endParaRPr lang="en-US" sz="2800" dirty="0"/>
+          </a:p>
+        </p:txBody>
+      </p:sp>
+      <p:sp>
+        <p:nvSpPr>
+          <p:cNvPr id="4" name="Text Placeholder 3">
+            <a:extLst>
+              <a:ext uri="{FF2B5EF4-FFF2-40B4-BE49-F238E27FC236}">
+                <a16:creationId xmlns:a16="http://schemas.microsoft.com/office/drawing/2014/main" id="{C86737C8-4322-77C9-4E34-94E5EE136DBC}"/>
+              </a:ext>
+            </a:extLst>
+          </p:cNvPr>
+          <p:cNvSpPr>
+            <a:spLocks noGrp="1"/>
+          </p:cNvSpPr>
+          <p:nvPr>
+            <p:ph type="body" sz="quarter" idx="15"/>
+          </p:nvPr>
+        </p:nvSpPr>
+        <p:spPr>
+          <a:xfrm>
+            <a:off x="365760" y="1578279"/>
+            <a:ext cx="11289708" cy="5022937"/>
+          </a:xfrm>
+        </p:spPr>
         <p:txBody>
           <a:bodyPr/>
           <a:lstStyle/>
           <a:p>
-            <a:r>
-              <a:rPr lang="en-US" dirty="0"/>
-              <a:t>Presentation title</a:t>
-            </a:r>
-            <a:endParaRPr lang="en-PK" dirty="0"/>
-          </a:p>
-        </p:txBody>
-      </p:sp>
-      <p:sp>
-        <p:nvSpPr>
-          <p:cNvPr id="3" name="Text Placeholder 2">
-            <a:extLst>
-              <a:ext uri="{FF2B5EF4-FFF2-40B4-BE49-F238E27FC236}">
-                <a16:creationId xmlns:a16="http://schemas.microsoft.com/office/drawing/2014/main" id="{0E2A819C-8720-05AC-589D-CCF280D381A0}"/>
-              </a:ext>
-            </a:extLst>
-          </p:cNvPr>
-          <p:cNvSpPr>
-            <a:spLocks noGrp="1"/>
-          </p:cNvSpPr>
-          <p:nvPr>
-            <p:ph type="body" sz="quarter" idx="13"/>
-          </p:nvPr>
-        </p:nvSpPr>
-        <p:spPr/>
-        <p:txBody>
-          <a:bodyPr/>
-          <a:lstStyle/>
-          <a:p>
-            <a:r>
-              <a:rPr lang="en-US" dirty="0"/>
-              <a:t>Next Review Date: July 20XX</a:t>
-            </a:r>
-          </a:p>
-        </p:txBody>
-      </p:sp>
-      <p:sp>
-        <p:nvSpPr>
-          <p:cNvPr id="12" name="Text Placeholder 11">
-            <a:extLst>
-              <a:ext uri="{FF2B5EF4-FFF2-40B4-BE49-F238E27FC236}">
-                <a16:creationId xmlns:a16="http://schemas.microsoft.com/office/drawing/2014/main" id="{0D775342-B398-D058-62EA-D657A2192D69}"/>
-              </a:ext>
-            </a:extLst>
-          </p:cNvPr>
-          <p:cNvSpPr>
-            <a:spLocks noGrp="1"/>
-          </p:cNvSpPr>
-          <p:nvPr>
-            <p:ph type="body" sz="quarter" idx="15"/>
-          </p:nvPr>
-        </p:nvSpPr>
-        <p:spPr/>
-        <p:txBody>
-          <a:bodyPr/>
-          <a:lstStyle/>
-          <a:p>
-            <a:r>
-              <a:rPr lang="en-US" dirty="0"/>
-              <a:t>Check on warehouse update</a:t>
-            </a:r>
-          </a:p>
-          <a:p>
-            <a:r>
-              <a:rPr lang="en-US" dirty="0"/>
-              <a:t>Fix software issues</a:t>
-            </a:r>
-          </a:p>
-          <a:p>
-            <a:r>
-              <a:rPr lang="en-US" dirty="0"/>
-              <a:t>Finish drafting solution</a:t>
-            </a:r>
-          </a:p>
-          <a:p>
-            <a:r>
-              <a:rPr lang="en-US" dirty="0"/>
-              <a:t>Resolve budget question</a:t>
-            </a:r>
-          </a:p>
-        </p:txBody>
-      </p:sp>
-      <p:sp>
-        <p:nvSpPr>
-          <p:cNvPr id="11" name="Text Placeholder 10">
-            <a:extLst>
-              <a:ext uri="{FF2B5EF4-FFF2-40B4-BE49-F238E27FC236}">
-                <a16:creationId xmlns:a16="http://schemas.microsoft.com/office/drawing/2014/main" id="{B9D3C290-A56C-B087-9C47-005A3BC3E120}"/>
-              </a:ext>
-            </a:extLst>
-          </p:cNvPr>
-          <p:cNvSpPr>
-            <a:spLocks noGrp="1"/>
-          </p:cNvSpPr>
-          <p:nvPr>
-            <p:ph type="body" sz="quarter" idx="14"/>
-          </p:nvPr>
-        </p:nvSpPr>
-        <p:spPr/>
-        <p:txBody>
-          <a:bodyPr/>
-          <a:lstStyle/>
-          <a:p>
-            <a:r>
-              <a:rPr lang="en-US" dirty="0"/>
-              <a:t>Goals </a:t>
-            </a:r>
-            <a:r>
-              <a:rPr lang="en-US" altLang="zh-CN" dirty="0"/>
-              <a:t>f</a:t>
-            </a:r>
-            <a:r>
-              <a:rPr lang="en-US" dirty="0"/>
-              <a:t>or Next Review</a:t>
-            </a:r>
-          </a:p>
-        </p:txBody>
-      </p:sp>
-      <p:sp>
-        <p:nvSpPr>
-          <p:cNvPr id="20" name="Text Placeholder 19">
-            <a:extLst>
-              <a:ext uri="{FF2B5EF4-FFF2-40B4-BE49-F238E27FC236}">
-                <a16:creationId xmlns:a16="http://schemas.microsoft.com/office/drawing/2014/main" id="{E954CCA8-9E58-39CC-C428-F4B19348692D}"/>
-              </a:ext>
-            </a:extLst>
-          </p:cNvPr>
-          <p:cNvSpPr>
-            <a:spLocks noGrp="1"/>
-          </p:cNvSpPr>
-          <p:nvPr>
-            <p:ph type="body" sz="quarter" idx="16"/>
-          </p:nvPr>
-        </p:nvSpPr>
-        <p:spPr/>
-        <p:txBody>
-          <a:bodyPr/>
-          <a:lstStyle/>
-          <a:p>
-            <a:r>
-              <a:rPr lang="en-US" dirty="0"/>
-              <a:t>Mirjam Nilsson will tackle and resolve the goals by next meeting</a:t>
-            </a:r>
-          </a:p>
-          <a:p>
-            <a:endParaRPr lang="en-US" dirty="0"/>
-          </a:p>
-        </p:txBody>
-      </p:sp>
-      <p:sp>
-        <p:nvSpPr>
-          <p:cNvPr id="21" name="Text Placeholder 20">
-            <a:extLst>
-              <a:ext uri="{FF2B5EF4-FFF2-40B4-BE49-F238E27FC236}">
-                <a16:creationId xmlns:a16="http://schemas.microsoft.com/office/drawing/2014/main" id="{6047A6BF-476B-7D5D-EE4E-C50B34AFE8AF}"/>
-              </a:ext>
-            </a:extLst>
-          </p:cNvPr>
-          <p:cNvSpPr>
-            <a:spLocks noGrp="1"/>
-          </p:cNvSpPr>
-          <p:nvPr>
-            <p:ph type="body" sz="quarter" idx="17"/>
-          </p:nvPr>
-        </p:nvSpPr>
-        <p:spPr/>
-        <p:txBody>
-          <a:bodyPr/>
-          <a:lstStyle/>
-          <a:p>
-            <a:r>
-              <a:rPr lang="en-US" dirty="0"/>
-              <a:t>Action Plan Review</a:t>
-            </a:r>
-          </a:p>
-        </p:txBody>
-      </p:sp>
-      <p:sp>
-        <p:nvSpPr>
-          <p:cNvPr id="14" name="Slide Number Placeholder 13">
-            <a:extLst>
-              <a:ext uri="{FF2B5EF4-FFF2-40B4-BE49-F238E27FC236}">
-                <a16:creationId xmlns:a16="http://schemas.microsoft.com/office/drawing/2014/main" id="{CB66A1BD-2500-AB18-9DCA-0585F33C2410}"/>
+            <a:pPr marL="0" indent="0">
+              <a:buNone/>
+            </a:pPr>
+            <a:r>
+              <a:rPr lang="en-US" dirty="0">
+                <a:solidFill>
+                  <a:schemeClr val="tx1"/>
+                </a:solidFill>
+              </a:rPr>
+              <a:t>RC Cybersecurity's critical needs for regulatory compliance are multifaceted, requiring a tailored approach that extends beyond general frameworks like NIST and ISO/IEC 27000-series.</a:t>
+            </a:r>
+          </a:p>
+          <a:p>
+            <a:pPr marL="0" indent="0">
+              <a:buNone/>
+            </a:pPr>
+            <a:endParaRPr lang="en-US" dirty="0">
+              <a:solidFill>
+                <a:schemeClr val="tx1"/>
+              </a:solidFill>
+            </a:endParaRPr>
+          </a:p>
+          <a:p>
+            <a:pPr marL="0" indent="0">
+              <a:buNone/>
+            </a:pPr>
+            <a:r>
+              <a:rPr lang="en-US" dirty="0">
+                <a:solidFill>
+                  <a:schemeClr val="tx1"/>
+                </a:solidFill>
+              </a:rPr>
+              <a:t>NIST Cybersecurity Framework (CSF) provides a comprehensive, risk-based approach to cybersecurity management. It offers a flexible structure applicable across industries, focusing on core functions: Identify, Protect, Detect, Respond, and Recover. While foundational, it's often a baseline.</a:t>
+            </a:r>
+          </a:p>
+          <a:p>
+            <a:pPr marL="0" indent="0">
+              <a:buNone/>
+            </a:pPr>
+            <a:endParaRPr lang="en-US" dirty="0">
+              <a:solidFill>
+                <a:schemeClr val="tx1"/>
+              </a:solidFill>
+            </a:endParaRPr>
+          </a:p>
+          <a:p>
+            <a:pPr marL="0" indent="0">
+              <a:buNone/>
+            </a:pPr>
+            <a:r>
+              <a:rPr lang="en-US" dirty="0">
+                <a:solidFill>
+                  <a:schemeClr val="tx1"/>
+                </a:solidFill>
+              </a:rPr>
+              <a:t>ISO/IEC 27000-series, particularly ISO 27001, establishes requirements for an Information Security Management System (ISMS). It emphasizes a systematic approach to managing sensitive company information, focusing on risk assessment, policies, and continuous improvement of the ISMS.</a:t>
+            </a:r>
+          </a:p>
+        </p:txBody>
+      </p:sp>
+      <p:sp>
+        <p:nvSpPr>
+          <p:cNvPr id="11" name="Slide Number Placeholder 10">
+            <a:extLst>
+              <a:ext uri="{FF2B5EF4-FFF2-40B4-BE49-F238E27FC236}">
+                <a16:creationId xmlns:a16="http://schemas.microsoft.com/office/drawing/2014/main" id="{F8FC4DAD-8F22-40DC-8133-22BF52217FB8}"/>
               </a:ext>
             </a:extLst>
           </p:cNvPr>
@@ -10135,7 +10027,7 @@
     </p:spTree>
     <p:extLst>
       <p:ext uri="{BB962C8B-B14F-4D97-AF65-F5344CB8AC3E}">
-        <p14:creationId xmlns:p14="http://schemas.microsoft.com/office/powerpoint/2010/main" val="73848494"/>
+        <p14:creationId xmlns:p14="http://schemas.microsoft.com/office/powerpoint/2010/main" val="901526237"/>
       </p:ext>
     </p:extLst>
   </p:cSld>
@@ -10146,6 +10038,480 @@
 </file>
 
 <file path=ppt/slides/slide11.xml><?xml version="1.0" encoding="utf-8"?>
+<p:sld xmlns:a="http://schemas.openxmlformats.org/drawingml/2006/main" xmlns:r="http://schemas.openxmlformats.org/officeDocument/2006/relationships" xmlns:p="http://schemas.openxmlformats.org/presentationml/2006/main">
+  <p:cSld>
+    <p:spTree>
+      <p:nvGrpSpPr>
+        <p:cNvPr id="1" name="">
+          <a:extLst>
+            <a:ext uri="{FF2B5EF4-FFF2-40B4-BE49-F238E27FC236}">
+              <a16:creationId xmlns:a16="http://schemas.microsoft.com/office/drawing/2014/main" id="{D9D78F55-2547-0FCA-2A53-EA1472BACC32}"/>
+            </a:ext>
+          </a:extLst>
+        </p:cNvPr>
+        <p:cNvGrpSpPr/>
+        <p:nvPr/>
+      </p:nvGrpSpPr>
+      <p:grpSpPr>
+        <a:xfrm>
+          <a:off x="0" y="0"/>
+          <a:ext cx="0" cy="0"/>
+          <a:chOff x="0" y="0"/>
+          <a:chExt cx="0" cy="0"/>
+        </a:xfrm>
+      </p:grpSpPr>
+      <p:sp>
+        <p:nvSpPr>
+          <p:cNvPr id="2" name="Title 1">
+            <a:extLst>
+              <a:ext uri="{FF2B5EF4-FFF2-40B4-BE49-F238E27FC236}">
+                <a16:creationId xmlns:a16="http://schemas.microsoft.com/office/drawing/2014/main" id="{30717DD9-41B5-7B36-B98D-CD439B7380A0}"/>
+              </a:ext>
+            </a:extLst>
+          </p:cNvPr>
+          <p:cNvSpPr>
+            <a:spLocks noGrp="1"/>
+          </p:cNvSpPr>
+          <p:nvPr>
+            <p:ph type="title"/>
+          </p:nvPr>
+        </p:nvSpPr>
+        <p:spPr>
+          <a:xfrm>
+            <a:off x="2156731" y="151251"/>
+            <a:ext cx="7206474" cy="575321"/>
+          </a:xfrm>
+        </p:spPr>
+        <p:txBody>
+          <a:bodyPr/>
+          <a:lstStyle/>
+          <a:p>
+            <a:r>
+              <a:rPr lang="en-US" sz="2800"/>
+              <a:t>Critical Cybersecurity Needs</a:t>
+            </a:r>
+            <a:br>
+              <a:rPr lang="en-US" sz="2800"/>
+            </a:br>
+            <a:endParaRPr lang="en-US" sz="2800" dirty="0"/>
+          </a:p>
+        </p:txBody>
+      </p:sp>
+      <p:sp>
+        <p:nvSpPr>
+          <p:cNvPr id="4" name="Text Placeholder 3">
+            <a:extLst>
+              <a:ext uri="{FF2B5EF4-FFF2-40B4-BE49-F238E27FC236}">
+                <a16:creationId xmlns:a16="http://schemas.microsoft.com/office/drawing/2014/main" id="{01416CFF-1F06-1BCC-C111-30454928514D}"/>
+              </a:ext>
+            </a:extLst>
+          </p:cNvPr>
+          <p:cNvSpPr>
+            <a:spLocks noGrp="1"/>
+          </p:cNvSpPr>
+          <p:nvPr>
+            <p:ph type="body" sz="quarter" idx="15"/>
+          </p:nvPr>
+        </p:nvSpPr>
+        <p:spPr>
+          <a:xfrm>
+            <a:off x="290604" y="726572"/>
+            <a:ext cx="11289708" cy="5022937"/>
+          </a:xfrm>
+        </p:spPr>
+        <p:txBody>
+          <a:bodyPr/>
+          <a:lstStyle/>
+          <a:p>
+            <a:pPr marL="0" indent="0">
+              <a:buNone/>
+            </a:pPr>
+            <a:r>
+              <a:rPr lang="en-US" sz="1200" dirty="0">
+                <a:solidFill>
+                  <a:schemeClr val="tx1"/>
+                </a:solidFill>
+              </a:rPr>
+              <a:t>Prioritizing Organizational Efforts, Business Needs, and Outcomes:</a:t>
+            </a:r>
+          </a:p>
+          <a:p>
+            <a:pPr marL="0" indent="0">
+              <a:buNone/>
+            </a:pPr>
+            <a:endParaRPr lang="en-US" sz="1200" dirty="0">
+              <a:solidFill>
+                <a:schemeClr val="tx1"/>
+              </a:solidFill>
+            </a:endParaRPr>
+          </a:p>
+          <a:p>
+            <a:pPr marL="0" indent="0">
+              <a:buNone/>
+            </a:pPr>
+            <a:r>
+              <a:rPr lang="en-US" sz="1200" dirty="0">
+                <a:solidFill>
+                  <a:schemeClr val="tx1"/>
+                </a:solidFill>
+              </a:rPr>
+              <a:t>Identify Core Business Objectives: What are RC Cybersecurity's primary services and mission? Align cybersecurity efforts directly with protecting these core functions.</a:t>
+            </a:r>
+          </a:p>
+          <a:p>
+            <a:pPr marL="0" indent="0">
+              <a:buNone/>
+            </a:pPr>
+            <a:endParaRPr lang="en-US" sz="1200" dirty="0">
+              <a:solidFill>
+                <a:schemeClr val="tx1"/>
+              </a:solidFill>
+            </a:endParaRPr>
+          </a:p>
+          <a:p>
+            <a:pPr marL="0" indent="0">
+              <a:buNone/>
+            </a:pPr>
+            <a:r>
+              <a:rPr lang="en-US" sz="1200" dirty="0">
+                <a:solidFill>
+                  <a:schemeClr val="tx1"/>
+                </a:solidFill>
+              </a:rPr>
+              <a:t>Regulatory Mapping: Determine which regulations are most applicable based on RC Cybersecurity's operations and data handling. Map specific regulatory requirements to the NIST CSF functions or ISO 27001 controls.</a:t>
+            </a:r>
+          </a:p>
+          <a:p>
+            <a:pPr marL="0" indent="0">
+              <a:buNone/>
+            </a:pPr>
+            <a:endParaRPr lang="en-US" sz="1200" dirty="0">
+              <a:solidFill>
+                <a:schemeClr val="tx1"/>
+              </a:solidFill>
+            </a:endParaRPr>
+          </a:p>
+          <a:p>
+            <a:pPr marL="0" indent="0">
+              <a:buNone/>
+            </a:pPr>
+            <a:r>
+              <a:rPr lang="en-US" sz="1200" dirty="0">
+                <a:solidFill>
+                  <a:schemeClr val="tx1"/>
+                </a:solidFill>
+              </a:rPr>
+              <a:t>Risk Assessment: Conduct a thorough risk assessment to identify the most significant threats and vulnerabilities, considering the specific data types handled (e.g., cardholder data, PHI, financial data) and the regulatory impact of a breach.</a:t>
+            </a:r>
+          </a:p>
+          <a:p>
+            <a:pPr marL="0" indent="0">
+              <a:buNone/>
+            </a:pPr>
+            <a:endParaRPr lang="en-US" sz="1200" dirty="0">
+              <a:solidFill>
+                <a:schemeClr val="tx1"/>
+              </a:solidFill>
+            </a:endParaRPr>
+          </a:p>
+          <a:p>
+            <a:pPr marL="0" indent="0">
+              <a:buNone/>
+            </a:pPr>
+            <a:r>
+              <a:rPr lang="en-US" sz="1200" dirty="0">
+                <a:solidFill>
+                  <a:schemeClr val="tx1"/>
+                </a:solidFill>
+              </a:rPr>
+              <a:t>Prioritize Controls: Based on the risk assessment and regulatory mapping, prioritize the implementation of controls that address the highest risks and most critical compliance requirements. For example:</a:t>
+            </a:r>
+          </a:p>
+          <a:p>
+            <a:pPr marL="0" indent="0">
+              <a:buNone/>
+            </a:pPr>
+            <a:r>
+              <a:rPr lang="en-US" sz="1200" dirty="0">
+                <a:solidFill>
+                  <a:schemeClr val="tx1"/>
+                </a:solidFill>
+              </a:rPr>
+              <a:t>If handling payment data, PCI DSS controls for cardholder data protection would be paramount.</a:t>
+            </a:r>
+          </a:p>
+          <a:p>
+            <a:pPr marL="0" indent="0">
+              <a:buNone/>
+            </a:pPr>
+            <a:r>
+              <a:rPr lang="en-US" sz="1200" dirty="0">
+                <a:solidFill>
+                  <a:schemeClr val="tx1"/>
+                </a:solidFill>
+              </a:rPr>
+              <a:t>If handling health data, HIPAA's technical and administrative safeguards for PHI would take precedence.</a:t>
+            </a:r>
+          </a:p>
+          <a:p>
+            <a:pPr marL="0" indent="0">
+              <a:buNone/>
+            </a:pPr>
+            <a:r>
+              <a:rPr lang="en-US" sz="1200" dirty="0">
+                <a:solidFill>
+                  <a:schemeClr val="tx1"/>
+                </a:solidFill>
+              </a:rPr>
+              <a:t>For financial reporting, SOX-related controls ensuring data integrity are critical.</a:t>
+            </a:r>
+          </a:p>
+          <a:p>
+            <a:pPr marL="0" indent="0">
+              <a:buNone/>
+            </a:pPr>
+            <a:endParaRPr lang="en-US" sz="1200" dirty="0">
+              <a:solidFill>
+                <a:schemeClr val="tx1"/>
+              </a:solidFill>
+            </a:endParaRPr>
+          </a:p>
+          <a:p>
+            <a:pPr marL="0" indent="0">
+              <a:buNone/>
+            </a:pPr>
+            <a:r>
+              <a:rPr lang="en-US" sz="1200" dirty="0">
+                <a:solidFill>
+                  <a:schemeClr val="tx1"/>
+                </a:solidFill>
+              </a:rPr>
+              <a:t>Leverage Frameworks: Use NIST CSF and ISO 27001 as overarching management systems to ensure a structured, continuous approach. These frameworks help organize the implementation of specific controls required by PCI DSS, HIPAA, SOX, and GLBA.</a:t>
+            </a:r>
+          </a:p>
+          <a:p>
+            <a:pPr marL="0" indent="0">
+              <a:buNone/>
+            </a:pPr>
+            <a:endParaRPr lang="en-US" sz="1200" dirty="0">
+              <a:solidFill>
+                <a:schemeClr val="tx1"/>
+              </a:solidFill>
+            </a:endParaRPr>
+          </a:p>
+          <a:p>
+            <a:pPr marL="0" indent="0">
+              <a:buNone/>
+            </a:pPr>
+            <a:r>
+              <a:rPr lang="en-US" sz="1200" dirty="0">
+                <a:solidFill>
+                  <a:schemeClr val="tx1"/>
+                </a:solidFill>
+              </a:rPr>
+              <a:t>Continuous Monitoring and Improvement: Establish processes for ongoing monitoring of compliance and security posture, and for continuously improving the cybersecurity program based on new threats, regulatory changes, and business needs.</a:t>
+            </a:r>
+          </a:p>
+        </p:txBody>
+      </p:sp>
+      <p:sp>
+        <p:nvSpPr>
+          <p:cNvPr id="11" name="Slide Number Placeholder 10">
+            <a:extLst>
+              <a:ext uri="{FF2B5EF4-FFF2-40B4-BE49-F238E27FC236}">
+                <a16:creationId xmlns:a16="http://schemas.microsoft.com/office/drawing/2014/main" id="{D351C594-773F-761B-082D-E634A219E094}"/>
+              </a:ext>
+            </a:extLst>
+          </p:cNvPr>
+          <p:cNvSpPr>
+            <a:spLocks noGrp="1"/>
+          </p:cNvSpPr>
+          <p:nvPr>
+            <p:ph type="sldNum" sz="quarter" idx="12"/>
+          </p:nvPr>
+        </p:nvSpPr>
+        <p:spPr/>
+        <p:txBody>
+          <a:bodyPr/>
+          <a:lstStyle/>
+          <a:p>
+            <a:fld id="{5BFCF61C-3B18-4C03-8326-CC3B32D710C9}" type="slidenum">
+              <a:rPr lang="en-US" smtClean="0"/>
+              <a:pPr/>
+              <a:t>11</a:t>
+            </a:fld>
+            <a:endParaRPr lang="en-US"/>
+          </a:p>
+        </p:txBody>
+      </p:sp>
+    </p:spTree>
+    <p:extLst>
+      <p:ext uri="{BB962C8B-B14F-4D97-AF65-F5344CB8AC3E}">
+        <p14:creationId xmlns:p14="http://schemas.microsoft.com/office/powerpoint/2010/main" val="49887341"/>
+      </p:ext>
+    </p:extLst>
+  </p:cSld>
+  <p:clrMapOvr>
+    <a:masterClrMapping/>
+  </p:clrMapOvr>
+</p:sld>
+</file>
+
+<file path=ppt/slides/slide12.xml><?xml version="1.0" encoding="utf-8"?>
+<p:sld xmlns:a="http://schemas.openxmlformats.org/drawingml/2006/main" xmlns:r="http://schemas.openxmlformats.org/officeDocument/2006/relationships" xmlns:p="http://schemas.openxmlformats.org/presentationml/2006/main">
+  <p:cSld>
+    <p:spTree>
+      <p:nvGrpSpPr>
+        <p:cNvPr id="1" name="">
+          <a:extLst>
+            <a:ext uri="{FF2B5EF4-FFF2-40B4-BE49-F238E27FC236}">
+              <a16:creationId xmlns:a16="http://schemas.microsoft.com/office/drawing/2014/main" id="{C1074758-9132-B220-77BF-88833C422A6D}"/>
+            </a:ext>
+          </a:extLst>
+        </p:cNvPr>
+        <p:cNvGrpSpPr/>
+        <p:nvPr/>
+      </p:nvGrpSpPr>
+      <p:grpSpPr>
+        <a:xfrm>
+          <a:off x="0" y="0"/>
+          <a:ext cx="0" cy="0"/>
+          <a:chOff x="0" y="0"/>
+          <a:chExt cx="0" cy="0"/>
+        </a:xfrm>
+      </p:grpSpPr>
+      <p:sp>
+        <p:nvSpPr>
+          <p:cNvPr id="2" name="Title 1">
+            <a:extLst>
+              <a:ext uri="{FF2B5EF4-FFF2-40B4-BE49-F238E27FC236}">
+                <a16:creationId xmlns:a16="http://schemas.microsoft.com/office/drawing/2014/main" id="{E9E67543-2776-EB06-3723-96FB22291971}"/>
+              </a:ext>
+            </a:extLst>
+          </p:cNvPr>
+          <p:cNvSpPr>
+            <a:spLocks noGrp="1"/>
+          </p:cNvSpPr>
+          <p:nvPr>
+            <p:ph type="title"/>
+          </p:nvPr>
+        </p:nvSpPr>
+        <p:spPr>
+          <a:xfrm>
+            <a:off x="463463" y="1399032"/>
+            <a:ext cx="5050369" cy="1682749"/>
+          </a:xfrm>
+        </p:spPr>
+        <p:txBody>
+          <a:bodyPr/>
+          <a:lstStyle/>
+          <a:p>
+            <a:r>
+              <a:rPr lang="en-US" sz="3200" dirty="0"/>
+              <a:t>Elements of Software Assurance Maturity Model</a:t>
+            </a:r>
+            <a:br>
+              <a:rPr lang="en-US" sz="3200" dirty="0"/>
+            </a:br>
+            <a:endParaRPr lang="en-US" sz="3200" dirty="0"/>
+          </a:p>
+        </p:txBody>
+      </p:sp>
+      <p:sp>
+        <p:nvSpPr>
+          <p:cNvPr id="5" name="Text Placeholder 4">
+            <a:extLst>
+              <a:ext uri="{FF2B5EF4-FFF2-40B4-BE49-F238E27FC236}">
+                <a16:creationId xmlns:a16="http://schemas.microsoft.com/office/drawing/2014/main" id="{5488E47F-E6A8-5DAE-6506-DEA5A2F6AD0B}"/>
+              </a:ext>
+            </a:extLst>
+          </p:cNvPr>
+          <p:cNvSpPr>
+            <a:spLocks noGrp="1"/>
+          </p:cNvSpPr>
+          <p:nvPr>
+            <p:ph type="body" sz="quarter" idx="15"/>
+          </p:nvPr>
+        </p:nvSpPr>
+        <p:spPr>
+          <a:xfrm>
+            <a:off x="5513832" y="188391"/>
+            <a:ext cx="6573784" cy="4652417"/>
+          </a:xfrm>
+        </p:spPr>
+        <p:txBody>
+          <a:bodyPr/>
+          <a:lstStyle/>
+          <a:p>
+            <a:pPr marL="0" indent="0">
+              <a:buNone/>
+            </a:pPr>
+            <a:r>
+              <a:rPr lang="en-US" dirty="0"/>
+              <a:t>Legal and regulatory requirements are a critical input into the risk management process. RC Cybersecurity must ensure its practices comply with relevant laws and industry-specific regulations like data privacy laws, sector-specific compliance mandates. CSF 2.0's flexibility allows organizations to map its controls and practices to these external requirements, ensuring a compliant yet effective security posture.</a:t>
+            </a:r>
+          </a:p>
+          <a:p>
+            <a:pPr marL="0" indent="0">
+              <a:buNone/>
+            </a:pPr>
+            <a:endParaRPr lang="en-US" dirty="0"/>
+          </a:p>
+          <a:p>
+            <a:pPr marL="0" indent="0">
+              <a:buNone/>
+            </a:pPr>
+            <a:r>
+              <a:rPr lang="en-US" dirty="0"/>
+              <a:t>Organizational constraints are also a key consideration. These can include budget limitations, available personnel expertise, existing technological infrastructure, and the overall organizational culture. CSF 2.0 acknowledges these constraints by being a flexible, customizable framework. RC Cybersecurity can tailor its implementation of the framework to fit its specific operational realities, prioritizing the most impactful controls based on its unique risk profile and available resources. The framework's tiered approach (Implementation Tiers) also helps organizations understand their current cybersecurity maturity and plan for incremental improvements, respecting these constraints.</a:t>
+            </a:r>
+          </a:p>
+        </p:txBody>
+      </p:sp>
+      <p:sp>
+        <p:nvSpPr>
+          <p:cNvPr id="13" name="Slide Number Placeholder 12">
+            <a:extLst>
+              <a:ext uri="{FF2B5EF4-FFF2-40B4-BE49-F238E27FC236}">
+                <a16:creationId xmlns:a16="http://schemas.microsoft.com/office/drawing/2014/main" id="{AFAD4A49-3B85-083A-9727-D17AD640CA8C}"/>
+              </a:ext>
+            </a:extLst>
+          </p:cNvPr>
+          <p:cNvSpPr>
+            <a:spLocks noGrp="1"/>
+          </p:cNvSpPr>
+          <p:nvPr>
+            <p:ph type="sldNum" sz="quarter" idx="12"/>
+          </p:nvPr>
+        </p:nvSpPr>
+        <p:spPr/>
+        <p:txBody>
+          <a:bodyPr/>
+          <a:lstStyle/>
+          <a:p>
+            <a:fld id="{5BFCF61C-3B18-4C03-8326-CC3B32D710C9}" type="slidenum">
+              <a:rPr lang="en-US" smtClean="0"/>
+              <a:pPr/>
+              <a:t>12</a:t>
+            </a:fld>
+            <a:endParaRPr lang="en-US"/>
+          </a:p>
+        </p:txBody>
+      </p:sp>
+    </p:spTree>
+    <p:extLst>
+      <p:ext uri="{BB962C8B-B14F-4D97-AF65-F5344CB8AC3E}">
+        <p14:creationId xmlns:p14="http://schemas.microsoft.com/office/powerpoint/2010/main" val="2862470290"/>
+      </p:ext>
+    </p:extLst>
+  </p:cSld>
+  <p:clrMapOvr>
+    <a:masterClrMapping/>
+  </p:clrMapOvr>
+</p:sld>
+</file>
+
+<file path=ppt/slides/slide13.xml><?xml version="1.0" encoding="utf-8"?>
 <p:sld xmlns:a="http://schemas.openxmlformats.org/drawingml/2006/main" xmlns:r="http://schemas.openxmlformats.org/officeDocument/2006/relationships" xmlns:p="http://schemas.openxmlformats.org/presentationml/2006/main">
   <p:cSld>
     <p:spTree>
@@ -10566,14 +10932,19 @@
             <p:ph type="title"/>
           </p:nvPr>
         </p:nvSpPr>
-        <p:spPr/>
+        <p:spPr>
+          <a:xfrm>
+            <a:off x="463463" y="1399032"/>
+            <a:ext cx="5050369" cy="1682749"/>
+          </a:xfrm>
+        </p:spPr>
         <p:txBody>
           <a:bodyPr/>
           <a:lstStyle/>
           <a:p>
             <a:r>
               <a:rPr lang="en-US" dirty="0"/>
-              <a:t>ATTENTION AREAS</a:t>
+              <a:t>Framework Descriptions</a:t>
             </a:r>
             <a:br>
               <a:rPr lang="en-US" dirty="0"/>
@@ -10584,161 +10955,36 @@
       </p:sp>
       <p:sp>
         <p:nvSpPr>
-          <p:cNvPr id="12" name="Footer Placeholder 11">
-            <a:extLst>
-              <a:ext uri="{FF2B5EF4-FFF2-40B4-BE49-F238E27FC236}">
-                <a16:creationId xmlns:a16="http://schemas.microsoft.com/office/drawing/2014/main" id="{0D74F0DD-9277-50B0-68E1-220BA8344883}"/>
-              </a:ext>
-            </a:extLst>
-          </p:cNvPr>
-          <p:cNvSpPr>
-            <a:spLocks noGrp="1"/>
-          </p:cNvSpPr>
-          <p:nvPr>
-            <p:ph type="ftr" sz="quarter" idx="11"/>
-          </p:nvPr>
-        </p:nvSpPr>
-        <p:spPr/>
+          <p:cNvPr id="5" name="Text Placeholder 4">
+            <a:extLst>
+              <a:ext uri="{FF2B5EF4-FFF2-40B4-BE49-F238E27FC236}">
+                <a16:creationId xmlns:a16="http://schemas.microsoft.com/office/drawing/2014/main" id="{3F16C050-0EBC-234C-AB93-E7868D85A2B0}"/>
+              </a:ext>
+            </a:extLst>
+          </p:cNvPr>
+          <p:cNvSpPr>
+            <a:spLocks noGrp="1"/>
+          </p:cNvSpPr>
+          <p:nvPr>
+            <p:ph type="body" sz="quarter" idx="15"/>
+          </p:nvPr>
+        </p:nvSpPr>
+        <p:spPr>
+          <a:xfrm>
+            <a:off x="5989320" y="1792223"/>
+            <a:ext cx="4754880" cy="4652417"/>
+          </a:xfrm>
+        </p:spPr>
         <p:txBody>
           <a:bodyPr/>
           <a:lstStyle/>
           <a:p>
+            <a:pPr marL="0" indent="0">
+              <a:buNone/>
+            </a:pPr>
             <a:r>
               <a:rPr lang="en-US" dirty="0"/>
-              <a:t>Presentation title</a:t>
-            </a:r>
-            <a:endParaRPr lang="en-PK" dirty="0"/>
-          </a:p>
-        </p:txBody>
-      </p:sp>
-      <p:sp>
-        <p:nvSpPr>
-          <p:cNvPr id="3" name="Text Placeholder 2">
-            <a:extLst>
-              <a:ext uri="{FF2B5EF4-FFF2-40B4-BE49-F238E27FC236}">
-                <a16:creationId xmlns:a16="http://schemas.microsoft.com/office/drawing/2014/main" id="{FACB5A03-99D2-C953-F227-3E1620258992}"/>
-              </a:ext>
-            </a:extLst>
-          </p:cNvPr>
-          <p:cNvSpPr>
-            <a:spLocks noGrp="1"/>
-          </p:cNvSpPr>
-          <p:nvPr>
-            <p:ph type="body" sz="quarter" idx="13"/>
-          </p:nvPr>
-        </p:nvSpPr>
-        <p:spPr/>
-        <p:txBody>
-          <a:bodyPr/>
-          <a:lstStyle/>
-          <a:p>
-            <a:r>
-              <a:rPr lang="en-US" dirty="0"/>
-              <a:t>Delays Since Last Update</a:t>
-            </a:r>
-            <a:endParaRPr lang="en-PK" dirty="0"/>
-          </a:p>
-        </p:txBody>
-      </p:sp>
-      <p:sp>
-        <p:nvSpPr>
-          <p:cNvPr id="5" name="Text Placeholder 4">
-            <a:extLst>
-              <a:ext uri="{FF2B5EF4-FFF2-40B4-BE49-F238E27FC236}">
-                <a16:creationId xmlns:a16="http://schemas.microsoft.com/office/drawing/2014/main" id="{3F16C050-0EBC-234C-AB93-E7868D85A2B0}"/>
-              </a:ext>
-            </a:extLst>
-          </p:cNvPr>
-          <p:cNvSpPr>
-            <a:spLocks noGrp="1"/>
-          </p:cNvSpPr>
-          <p:nvPr>
-            <p:ph type="body" sz="quarter" idx="15"/>
-          </p:nvPr>
-        </p:nvSpPr>
-        <p:spPr/>
-        <p:txBody>
-          <a:bodyPr/>
-          <a:lstStyle/>
-          <a:p>
-            <a:r>
-              <a:rPr lang="en-US" dirty="0"/>
-              <a:t>Warehouse problems with product stock </a:t>
-            </a:r>
-          </a:p>
-          <a:p>
-            <a:r>
-              <a:rPr lang="en-US" dirty="0"/>
-              <a:t>Software maintenance pushed back product updates</a:t>
-            </a:r>
-          </a:p>
-        </p:txBody>
-      </p:sp>
-      <p:sp>
-        <p:nvSpPr>
-          <p:cNvPr id="4" name="Text Placeholder 3">
-            <a:extLst>
-              <a:ext uri="{FF2B5EF4-FFF2-40B4-BE49-F238E27FC236}">
-                <a16:creationId xmlns:a16="http://schemas.microsoft.com/office/drawing/2014/main" id="{59013870-8786-7090-C9CF-E1E30DC7B922}"/>
-              </a:ext>
-            </a:extLst>
-          </p:cNvPr>
-          <p:cNvSpPr>
-            <a:spLocks noGrp="1"/>
-          </p:cNvSpPr>
-          <p:nvPr>
-            <p:ph type="body" sz="quarter" idx="14"/>
-          </p:nvPr>
-        </p:nvSpPr>
-        <p:spPr/>
-        <p:txBody>
-          <a:bodyPr/>
-          <a:lstStyle/>
-          <a:p>
-            <a:r>
-              <a:rPr lang="en-US" dirty="0"/>
-              <a:t>Understand</a:t>
-            </a:r>
-            <a:endParaRPr lang="en-PK" dirty="0"/>
-          </a:p>
-        </p:txBody>
-      </p:sp>
-      <p:sp>
-        <p:nvSpPr>
-          <p:cNvPr id="6" name="Text Placeholder 5">
-            <a:extLst>
-              <a:ext uri="{FF2B5EF4-FFF2-40B4-BE49-F238E27FC236}">
-                <a16:creationId xmlns:a16="http://schemas.microsoft.com/office/drawing/2014/main" id="{FC51C3F1-54D5-8F63-473C-F7876B8CE120}"/>
-              </a:ext>
-            </a:extLst>
-          </p:cNvPr>
-          <p:cNvSpPr>
-            <a:spLocks noGrp="1"/>
-          </p:cNvSpPr>
-          <p:nvPr>
-            <p:ph type="body" sz="quarter" idx="16"/>
-          </p:nvPr>
-        </p:nvSpPr>
-        <p:spPr/>
-        <p:txBody>
-          <a:bodyPr/>
-          <a:lstStyle/>
-          <a:p>
-            <a:r>
-              <a:rPr lang="en-US" dirty="0"/>
-              <a:t>Product stock delays are hurting our progress </a:t>
-            </a:r>
-          </a:p>
-          <a:p>
-            <a:r>
-              <a:rPr lang="en-US" dirty="0"/>
-              <a:t>Delays not anticipated as stock was ordered based on projections from last year</a:t>
-            </a:r>
-          </a:p>
-          <a:p>
-            <a:r>
-              <a:rPr lang="en-US" dirty="0"/>
-              <a:t>Direct customer to management if there is a need to discuss an issue</a:t>
+              <a:t>The NIST Cybersecurity Framework (CSF) 2.0 serves as a pivotal guide for RC Cybersecurity's risk management practices. This framework emphasizes a holistic approach, starting with business/mission objectives to ensure cybersecurity efforts directly support the company's core goals. For RC Cybersecurity, this means aligning security investments and strategies with the delivery of its services and overall business strategy.</a:t>
             </a:r>
           </a:p>
         </p:txBody>
@@ -10791,7 +11037,13 @@
   <p:cSld>
     <p:spTree>
       <p:nvGrpSpPr>
-        <p:cNvPr id="1" name=""/>
+        <p:cNvPr id="1" name="">
+          <a:extLst>
+            <a:ext uri="{FF2B5EF4-FFF2-40B4-BE49-F238E27FC236}">
+              <a16:creationId xmlns:a16="http://schemas.microsoft.com/office/drawing/2014/main" id="{BED6C18C-E802-D059-DB73-ECF5FE5B1270}"/>
+            </a:ext>
+          </a:extLst>
+        </p:cNvPr>
         <p:cNvGrpSpPr/>
         <p:nvPr/>
       </p:nvGrpSpPr>
@@ -10808,7 +11060,7 @@
           <p:cNvPr id="2" name="Title 1">
             <a:extLst>
               <a:ext uri="{FF2B5EF4-FFF2-40B4-BE49-F238E27FC236}">
-                <a16:creationId xmlns:a16="http://schemas.microsoft.com/office/drawing/2014/main" id="{F7291133-2B2D-CB5C-25A3-A6BBC6AC48F6}"/>
+                <a16:creationId xmlns:a16="http://schemas.microsoft.com/office/drawing/2014/main" id="{8E573670-5B80-4ABC-4F74-67A6F5B9ED23}"/>
               </a:ext>
             </a:extLst>
           </p:cNvPr>
@@ -10819,158 +11071,84 @@
             <p:ph type="title"/>
           </p:nvPr>
         </p:nvSpPr>
-        <p:spPr/>
+        <p:spPr>
+          <a:xfrm>
+            <a:off x="463463" y="1399032"/>
+            <a:ext cx="5050369" cy="1682749"/>
+          </a:xfrm>
+        </p:spPr>
         <p:txBody>
           <a:bodyPr/>
           <a:lstStyle/>
           <a:p>
             <a:r>
-              <a:rPr lang="en-US"/>
-              <a:t>SCHEDULE</a:t>
+              <a:rPr lang="en-US" dirty="0"/>
+              <a:t>Framework Descriptions</a:t>
             </a:r>
             <a:br>
-              <a:rPr lang="en-US"/>
+              <a:rPr lang="en-US" dirty="0"/>
             </a:br>
-            <a:endParaRPr lang="en-US"/>
-          </a:p>
-        </p:txBody>
-      </p:sp>
-      <p:sp>
-        <p:nvSpPr>
-          <p:cNvPr id="10" name="Footer Placeholder 9">
-            <a:extLst>
-              <a:ext uri="{FF2B5EF4-FFF2-40B4-BE49-F238E27FC236}">
-                <a16:creationId xmlns:a16="http://schemas.microsoft.com/office/drawing/2014/main" id="{15C361D4-2114-E276-681B-0EDACAD8E3D4}"/>
-              </a:ext>
-            </a:extLst>
-          </p:cNvPr>
-          <p:cNvSpPr>
-            <a:spLocks noGrp="1"/>
-          </p:cNvSpPr>
-          <p:nvPr>
-            <p:ph type="ftr" sz="quarter" idx="11"/>
-          </p:nvPr>
-        </p:nvSpPr>
-        <p:spPr/>
+            <a:endParaRPr lang="en-US" dirty="0"/>
+          </a:p>
+        </p:txBody>
+      </p:sp>
+      <p:sp>
+        <p:nvSpPr>
+          <p:cNvPr id="5" name="Text Placeholder 4">
+            <a:extLst>
+              <a:ext uri="{FF2B5EF4-FFF2-40B4-BE49-F238E27FC236}">
+                <a16:creationId xmlns:a16="http://schemas.microsoft.com/office/drawing/2014/main" id="{F3EF7A27-7311-608F-8EB8-1178AE87BFA6}"/>
+              </a:ext>
+            </a:extLst>
+          </p:cNvPr>
+          <p:cNvSpPr>
+            <a:spLocks noGrp="1"/>
+          </p:cNvSpPr>
+          <p:nvPr>
+            <p:ph type="body" sz="quarter" idx="15"/>
+          </p:nvPr>
+        </p:nvSpPr>
+        <p:spPr>
+          <a:xfrm>
+            <a:off x="5513832" y="438912"/>
+            <a:ext cx="6122096" cy="4652417"/>
+          </a:xfrm>
+        </p:spPr>
         <p:txBody>
           <a:bodyPr/>
           <a:lstStyle/>
-          <a:p>
-            <a:r>
-              <a:rPr lang="en-US"/>
-              <a:t>Presentation title</a:t>
-            </a:r>
-          </a:p>
-        </p:txBody>
-      </p:sp>
-      <p:sp>
-        <p:nvSpPr>
-          <p:cNvPr id="3" name="Text Placeholder 2">
-            <a:extLst>
-              <a:ext uri="{FF2B5EF4-FFF2-40B4-BE49-F238E27FC236}">
-                <a16:creationId xmlns:a16="http://schemas.microsoft.com/office/drawing/2014/main" id="{330480BD-3EF5-7A7E-9E81-E73191A1D49D}"/>
-              </a:ext>
-            </a:extLst>
-          </p:cNvPr>
-          <p:cNvSpPr>
-            <a:spLocks noGrp="1"/>
-          </p:cNvSpPr>
-          <p:nvPr>
-            <p:ph type="body" sz="quarter" idx="13"/>
-          </p:nvPr>
-        </p:nvSpPr>
-        <p:spPr/>
-        <p:txBody>
-          <a:bodyPr/>
-          <a:lstStyle/>
-          <a:p>
-            <a:r>
-              <a:rPr lang="en-US"/>
-              <a:t>Key Dates</a:t>
-            </a:r>
-          </a:p>
-          <a:p>
-            <a:endParaRPr lang="en-US"/>
-          </a:p>
-        </p:txBody>
-      </p:sp>
-      <p:sp>
-        <p:nvSpPr>
-          <p:cNvPr id="4" name="Text Placeholder 3">
-            <a:extLst>
-              <a:ext uri="{FF2B5EF4-FFF2-40B4-BE49-F238E27FC236}">
-                <a16:creationId xmlns:a16="http://schemas.microsoft.com/office/drawing/2014/main" id="{C86737C8-4322-77C9-4E34-94E5EE136DBC}"/>
-              </a:ext>
-            </a:extLst>
-          </p:cNvPr>
-          <p:cNvSpPr>
-            <a:spLocks noGrp="1"/>
-          </p:cNvSpPr>
-          <p:nvPr>
-            <p:ph type="body" sz="quarter" idx="15"/>
-          </p:nvPr>
-        </p:nvSpPr>
-        <p:spPr/>
-        <p:txBody>
-          <a:bodyPr/>
-          <a:lstStyle/>
-          <a:p>
-            <a:r>
-              <a:rPr lang="en-US"/>
-              <a:t>Product launches in Q3</a:t>
-            </a:r>
-          </a:p>
-          <a:p>
-            <a:r>
-              <a:rPr lang="en-US"/>
-              <a:t>Contoso updates launch in Q4</a:t>
-            </a:r>
-          </a:p>
-        </p:txBody>
-      </p:sp>
-      <p:sp>
-        <p:nvSpPr>
-          <p:cNvPr id="5" name="Text Placeholder 4">
-            <a:extLst>
-              <a:ext uri="{FF2B5EF4-FFF2-40B4-BE49-F238E27FC236}">
-                <a16:creationId xmlns:a16="http://schemas.microsoft.com/office/drawing/2014/main" id="{EEAACD48-B184-C932-E41F-216DF4C1A5BF}"/>
-              </a:ext>
-            </a:extLst>
-          </p:cNvPr>
-          <p:cNvSpPr>
-            <a:spLocks noGrp="1"/>
-          </p:cNvSpPr>
-          <p:nvPr>
-            <p:ph type="body" sz="quarter" idx="16"/>
-          </p:nvPr>
-        </p:nvSpPr>
-        <p:spPr/>
-        <p:txBody>
-          <a:bodyPr/>
-          <a:lstStyle/>
-          <a:p>
-            <a:r>
-              <a:rPr lang="en-US"/>
-              <a:t>For detailed schedule, see management</a:t>
-            </a:r>
-          </a:p>
           <a:p>
             <a:pPr marL="0" indent="0">
               <a:buNone/>
             </a:pPr>
             <a:r>
-              <a:rPr lang="en-US" i="1"/>
-              <a:t>Note: Please make sure you are familiar with details of the schedule</a:t>
-            </a:r>
-          </a:p>
-        </p:txBody>
-      </p:sp>
-      <p:sp>
-        <p:nvSpPr>
-          <p:cNvPr id="11" name="Slide Number Placeholder 10">
-            <a:extLst>
-              <a:ext uri="{FF2B5EF4-FFF2-40B4-BE49-F238E27FC236}">
-                <a16:creationId xmlns:a16="http://schemas.microsoft.com/office/drawing/2014/main" id="{F8FC4DAD-8F22-40DC-8133-22BF52217FB8}"/>
+              <a:rPr lang="en-US" dirty="0"/>
+              <a:t>Risk Management Practices under CSF 2.0 are structured around five core functions: Identify, Protect, Detect, Respond, and Recover. RC Cybersecurity would leverage these to understand its assets, implement safeguards, detect malicious activity, and effectively respond to and recover from incidents. This framework encourages a continuous cycle of improvement, adapting to the evolving threat landscape.</a:t>
+            </a:r>
+          </a:p>
+          <a:p>
+            <a:pPr marL="0" indent="0">
+              <a:buNone/>
+            </a:pPr>
+            <a:endParaRPr lang="en-US" dirty="0"/>
+          </a:p>
+          <a:p>
+            <a:pPr marL="0" indent="0">
+              <a:buNone/>
+            </a:pPr>
+            <a:r>
+              <a:rPr lang="en-US" dirty="0"/>
+              <a:t>Regarding development threats, CSF 2.0 places a new emphasis on supply chain risk management and secure software development. RC Cybersecurity would need to integrate security considerations throughout its Software Development Lifecycle (SDLC), addressing threats such as code vulnerabilities, compromised third-party components, and insecure deployment practices. The framework provides guidance on how to identify and mitigate these risks.</a:t>
+            </a:r>
+          </a:p>
+        </p:txBody>
+      </p:sp>
+      <p:sp>
+        <p:nvSpPr>
+          <p:cNvPr id="13" name="Slide Number Placeholder 12">
+            <a:extLst>
+              <a:ext uri="{FF2B5EF4-FFF2-40B4-BE49-F238E27FC236}">
+                <a16:creationId xmlns:a16="http://schemas.microsoft.com/office/drawing/2014/main" id="{153CF6F4-F45F-2D48-7613-A315D4712C15}"/>
               </a:ext>
             </a:extLst>
           </p:cNvPr>
@@ -10998,7 +11176,7 @@
     </p:spTree>
     <p:extLst>
       <p:ext uri="{BB962C8B-B14F-4D97-AF65-F5344CB8AC3E}">
-        <p14:creationId xmlns:p14="http://schemas.microsoft.com/office/powerpoint/2010/main" val="901526237"/>
+        <p14:creationId xmlns:p14="http://schemas.microsoft.com/office/powerpoint/2010/main" val="2830238285"/>
       </p:ext>
     </p:extLst>
   </p:cSld>
@@ -11013,7 +11191,13 @@
   <p:cSld>
     <p:spTree>
       <p:nvGrpSpPr>
-        <p:cNvPr id="1" name=""/>
+        <p:cNvPr id="1" name="">
+          <a:extLst>
+            <a:ext uri="{FF2B5EF4-FFF2-40B4-BE49-F238E27FC236}">
+              <a16:creationId xmlns:a16="http://schemas.microsoft.com/office/drawing/2014/main" id="{4EF088A1-1F97-9A17-9C9E-4AB3BAF759C6}"/>
+            </a:ext>
+          </a:extLst>
+        </p:cNvPr>
         <p:cNvGrpSpPr/>
         <p:nvPr/>
       </p:nvGrpSpPr>
@@ -11030,7 +11214,7 @@
           <p:cNvPr id="2" name="Title 1">
             <a:extLst>
               <a:ext uri="{FF2B5EF4-FFF2-40B4-BE49-F238E27FC236}">
-                <a16:creationId xmlns:a16="http://schemas.microsoft.com/office/drawing/2014/main" id="{0F5010AA-DDBA-D5A2-A34D-69E21671333A}"/>
+                <a16:creationId xmlns:a16="http://schemas.microsoft.com/office/drawing/2014/main" id="{6DB6AF5E-6DB4-B3B3-2329-70AE0DAC82F5}"/>
               </a:ext>
             </a:extLst>
           </p:cNvPr>
@@ -11041,62 +11225,92 @@
             <p:ph type="title"/>
           </p:nvPr>
         </p:nvSpPr>
-        <p:spPr/>
+        <p:spPr>
+          <a:xfrm>
+            <a:off x="463463" y="1399032"/>
+            <a:ext cx="5050369" cy="1682749"/>
+          </a:xfrm>
+        </p:spPr>
         <p:txBody>
           <a:bodyPr/>
           <a:lstStyle/>
           <a:p>
             <a:r>
-              <a:rPr lang="en-US"/>
-              <a:t>Deliverables</a:t>
-            </a:r>
-            <a:endParaRPr lang="en-PK" dirty="0"/>
-          </a:p>
-        </p:txBody>
-      </p:sp>
-      <p:sp>
-        <p:nvSpPr>
-          <p:cNvPr id="12" name="Footer Placeholder 11">
-            <a:extLst>
-              <a:ext uri="{FF2B5EF4-FFF2-40B4-BE49-F238E27FC236}">
-                <a16:creationId xmlns:a16="http://schemas.microsoft.com/office/drawing/2014/main" id="{E9C9137C-4C2A-3985-8399-B6159A8C5A3E}"/>
-              </a:ext>
-            </a:extLst>
-          </p:cNvPr>
-          <p:cNvSpPr>
-            <a:spLocks noGrp="1"/>
-          </p:cNvSpPr>
-          <p:nvPr>
-            <p:ph type="ftr" sz="quarter" idx="11"/>
-          </p:nvPr>
-        </p:nvSpPr>
-        <p:spPr/>
+              <a:rPr lang="en-US" dirty="0"/>
+              <a:t>Framework Descriptions</a:t>
+            </a:r>
+            <a:br>
+              <a:rPr lang="en-US" dirty="0"/>
+            </a:br>
+            <a:endParaRPr lang="en-US" dirty="0"/>
+          </a:p>
+        </p:txBody>
+      </p:sp>
+      <p:sp>
+        <p:nvSpPr>
+          <p:cNvPr id="5" name="Text Placeholder 4">
+            <a:extLst>
+              <a:ext uri="{FF2B5EF4-FFF2-40B4-BE49-F238E27FC236}">
+                <a16:creationId xmlns:a16="http://schemas.microsoft.com/office/drawing/2014/main" id="{B74FE689-3D7C-7ACB-BA1D-4546CE7E050C}"/>
+              </a:ext>
+            </a:extLst>
+          </p:cNvPr>
+          <p:cNvSpPr>
+            <a:spLocks noGrp="1"/>
+          </p:cNvSpPr>
+          <p:nvPr>
+            <p:ph type="body" sz="quarter" idx="15"/>
+          </p:nvPr>
+        </p:nvSpPr>
+        <p:spPr>
+          <a:xfrm>
+            <a:off x="5513832" y="188391"/>
+            <a:ext cx="6573784" cy="4652417"/>
+          </a:xfrm>
+        </p:spPr>
         <p:txBody>
           <a:bodyPr/>
           <a:lstStyle/>
           <a:p>
+            <a:pPr marL="0" indent="0">
+              <a:buNone/>
+            </a:pPr>
             <a:r>
               <a:rPr lang="en-US" dirty="0"/>
-              <a:t>Presentation title</a:t>
-            </a:r>
-            <a:endParaRPr lang="en-PK"/>
-          </a:p>
-        </p:txBody>
-      </p:sp>
-      <p:sp>
-        <p:nvSpPr>
-          <p:cNvPr id="4" name="Text Placeholder 3">
-            <a:extLst>
-              <a:ext uri="{FF2B5EF4-FFF2-40B4-BE49-F238E27FC236}">
-                <a16:creationId xmlns:a16="http://schemas.microsoft.com/office/drawing/2014/main" id="{EF31757D-D960-563E-13D7-10BC6A04122D}"/>
-              </a:ext>
-            </a:extLst>
-          </p:cNvPr>
-          <p:cNvSpPr>
-            <a:spLocks noGrp="1"/>
-          </p:cNvSpPr>
-          <p:nvPr>
-            <p:ph type="body" sz="quarter" idx="13"/>
+              <a:t>Legal and regulatory requirements are a critical input into the risk management process. RC Cybersecurity must ensure its practices comply with relevant laws and industry-specific regulations like data privacy laws, sector-specific compliance mandates. CSF 2.0's flexibility allows organizations to map its controls and practices to these external requirements, ensuring a compliant yet effective security posture.</a:t>
+            </a:r>
+          </a:p>
+          <a:p>
+            <a:pPr marL="0" indent="0">
+              <a:buNone/>
+            </a:pPr>
+            <a:endParaRPr lang="en-US" dirty="0"/>
+          </a:p>
+          <a:p>
+            <a:pPr marL="0" indent="0">
+              <a:buNone/>
+            </a:pPr>
+            <a:r>
+              <a:rPr lang="en-US" dirty="0"/>
+              <a:t>Organizational constraints are also a key consideration. These can include budget limitations, available personnel expertise, existing technological infrastructure, and the overall organizational culture. CSF 2.0 acknowledges these constraints by being a flexible, customizable framework. RC Cybersecurity can tailor its implementation of the framework to fit its specific operational realities, prioritizing the most impactful controls based on its unique risk profile and available resources. The framework's tiered approach (Implementation Tiers) also helps organizations understand their current cybersecurity maturity and plan for incremental improvements, respecting these constraints.</a:t>
+            </a:r>
+          </a:p>
+        </p:txBody>
+      </p:sp>
+      <p:sp>
+        <p:nvSpPr>
+          <p:cNvPr id="13" name="Slide Number Placeholder 12">
+            <a:extLst>
+              <a:ext uri="{FF2B5EF4-FFF2-40B4-BE49-F238E27FC236}">
+                <a16:creationId xmlns:a16="http://schemas.microsoft.com/office/drawing/2014/main" id="{35FA397F-EE82-B76D-8073-0BC4FBAD676C}"/>
+              </a:ext>
+            </a:extLst>
+          </p:cNvPr>
+          <p:cNvSpPr>
+            <a:spLocks noGrp="1"/>
+          </p:cNvSpPr>
+          <p:nvPr>
+            <p:ph type="sldNum" sz="quarter" idx="12"/>
           </p:nvPr>
         </p:nvSpPr>
         <p:spPr/>
@@ -11104,140 +11318,9 @@
           <a:bodyPr/>
           <a:lstStyle/>
           <a:p>
-            <a:r>
-              <a:rPr lang="en-US" dirty="0"/>
-              <a:t>Main Critical Deliverables</a:t>
-            </a:r>
-            <a:endParaRPr lang="en-PK" dirty="0"/>
-          </a:p>
-        </p:txBody>
-      </p:sp>
-      <p:sp>
-        <p:nvSpPr>
-          <p:cNvPr id="6" name="Text Placeholder 5">
-            <a:extLst>
-              <a:ext uri="{FF2B5EF4-FFF2-40B4-BE49-F238E27FC236}">
-                <a16:creationId xmlns:a16="http://schemas.microsoft.com/office/drawing/2014/main" id="{BFE1F326-65DA-D1D2-BADE-C228E0696D1C}"/>
-              </a:ext>
-            </a:extLst>
-          </p:cNvPr>
-          <p:cNvSpPr>
-            <a:spLocks noGrp="1"/>
-          </p:cNvSpPr>
-          <p:nvPr>
-            <p:ph type="body" sz="quarter" idx="15"/>
-          </p:nvPr>
-        </p:nvSpPr>
-        <p:spPr/>
-        <p:txBody>
-          <a:bodyPr/>
-          <a:lstStyle/>
-          <a:p>
-            <a:r>
-              <a:rPr lang="en-US" dirty="0"/>
-              <a:t>Product launch</a:t>
-            </a:r>
-          </a:p>
-          <a:p>
-            <a:r>
-              <a:rPr lang="en-US" dirty="0"/>
-              <a:t>Software updates</a:t>
-            </a:r>
-          </a:p>
-          <a:p>
-            <a:r>
-              <a:rPr lang="en-US" dirty="0"/>
-              <a:t>Press release</a:t>
-            </a:r>
-          </a:p>
-          <a:p>
-            <a:r>
-              <a:rPr lang="en-US" dirty="0"/>
-              <a:t>Printed materials</a:t>
-            </a:r>
-          </a:p>
-        </p:txBody>
-      </p:sp>
-      <p:sp>
-        <p:nvSpPr>
-          <p:cNvPr id="5" name="Text Placeholder 4">
-            <a:extLst>
-              <a:ext uri="{FF2B5EF4-FFF2-40B4-BE49-F238E27FC236}">
-                <a16:creationId xmlns:a16="http://schemas.microsoft.com/office/drawing/2014/main" id="{11D7CDBE-3B02-5AB5-E827-307839805592}"/>
-              </a:ext>
-            </a:extLst>
-          </p:cNvPr>
-          <p:cNvSpPr>
-            <a:spLocks noGrp="1"/>
-          </p:cNvSpPr>
-          <p:nvPr>
-            <p:ph type="body" sz="quarter" idx="14"/>
-          </p:nvPr>
-        </p:nvSpPr>
-        <p:spPr/>
-        <p:txBody>
-          <a:bodyPr/>
-          <a:lstStyle/>
-          <a:p>
-            <a:r>
-              <a:rPr lang="en-US" dirty="0"/>
-              <a:t>Confidence Rating</a:t>
-            </a:r>
-            <a:endParaRPr lang="en-PK" dirty="0"/>
-          </a:p>
-        </p:txBody>
-      </p:sp>
-      <p:sp>
-        <p:nvSpPr>
-          <p:cNvPr id="7" name="Text Placeholder 6">
-            <a:extLst>
-              <a:ext uri="{FF2B5EF4-FFF2-40B4-BE49-F238E27FC236}">
-                <a16:creationId xmlns:a16="http://schemas.microsoft.com/office/drawing/2014/main" id="{3F33DEEB-3296-0AFB-2C98-5D37AC21B10C}"/>
-              </a:ext>
-            </a:extLst>
-          </p:cNvPr>
-          <p:cNvSpPr>
-            <a:spLocks noGrp="1"/>
-          </p:cNvSpPr>
-          <p:nvPr>
-            <p:ph type="body" sz="quarter" idx="16"/>
-          </p:nvPr>
-        </p:nvSpPr>
-        <p:spPr/>
-        <p:txBody>
-          <a:bodyPr/>
-          <a:lstStyle/>
-          <a:p>
-            <a:r>
-              <a:rPr lang="en-US" dirty="0"/>
-              <a:t>5/5 confident that we will complete project on schedule</a:t>
-            </a:r>
-          </a:p>
-        </p:txBody>
-      </p:sp>
-      <p:sp>
-        <p:nvSpPr>
-          <p:cNvPr id="13" name="Slide Number Placeholder 12">
-            <a:extLst>
-              <a:ext uri="{FF2B5EF4-FFF2-40B4-BE49-F238E27FC236}">
-                <a16:creationId xmlns:a16="http://schemas.microsoft.com/office/drawing/2014/main" id="{89804E48-D44D-C8A3-0944-D89136753D97}"/>
-              </a:ext>
-            </a:extLst>
-          </p:cNvPr>
-          <p:cNvSpPr>
-            <a:spLocks noGrp="1"/>
-          </p:cNvSpPr>
-          <p:nvPr>
-            <p:ph type="sldNum" sz="quarter" idx="12"/>
-          </p:nvPr>
-        </p:nvSpPr>
-        <p:spPr/>
-        <p:txBody>
-          <a:bodyPr/>
-          <a:lstStyle/>
-          <a:p>
             <a:fld id="{5BFCF61C-3B18-4C03-8326-CC3B32D710C9}" type="slidenum">
               <a:rPr lang="en-US" smtClean="0"/>
+              <a:pPr/>
               <a:t>6</a:t>
             </a:fld>
             <a:endParaRPr lang="en-US"/>
@@ -11247,7 +11330,7 @@
     </p:spTree>
     <p:extLst>
       <p:ext uri="{BB962C8B-B14F-4D97-AF65-F5344CB8AC3E}">
-        <p14:creationId xmlns:p14="http://schemas.microsoft.com/office/powerpoint/2010/main" val="1125054511"/>
+        <p14:creationId xmlns:p14="http://schemas.microsoft.com/office/powerpoint/2010/main" val="606059881"/>
       </p:ext>
     </p:extLst>
   </p:cSld>
@@ -11296,169 +11379,53 @@
           <a:lstStyle/>
           <a:p>
             <a:r>
-              <a:rPr lang="en-US" dirty="0"/>
-              <a:t>COSTS</a:t>
-            </a:r>
-          </a:p>
-        </p:txBody>
-      </p:sp>
-      <p:sp>
-        <p:nvSpPr>
-          <p:cNvPr id="12" name="Footer Placeholder 11">
-            <a:extLst>
-              <a:ext uri="{FF2B5EF4-FFF2-40B4-BE49-F238E27FC236}">
-                <a16:creationId xmlns:a16="http://schemas.microsoft.com/office/drawing/2014/main" id="{BEC1259C-0A50-37A0-081E-E36D391D7A08}"/>
-              </a:ext>
-            </a:extLst>
-          </p:cNvPr>
-          <p:cNvSpPr>
-            <a:spLocks noGrp="1"/>
-          </p:cNvSpPr>
-          <p:nvPr>
-            <p:ph type="ftr" sz="quarter" idx="11"/>
-          </p:nvPr>
-        </p:nvSpPr>
-        <p:spPr/>
+              <a:rPr lang="en-US" sz="2800" dirty="0"/>
+              <a:t>Security Best Practices and Frameworks</a:t>
+            </a:r>
+          </a:p>
+        </p:txBody>
+      </p:sp>
+      <p:sp>
+        <p:nvSpPr>
+          <p:cNvPr id="5" name="Text Placeholder 4">
+            <a:extLst>
+              <a:ext uri="{FF2B5EF4-FFF2-40B4-BE49-F238E27FC236}">
+                <a16:creationId xmlns:a16="http://schemas.microsoft.com/office/drawing/2014/main" id="{E194D589-C330-607E-B446-0DA52AACC4E4}"/>
+              </a:ext>
+            </a:extLst>
+          </p:cNvPr>
+          <p:cNvSpPr>
+            <a:spLocks noGrp="1"/>
+          </p:cNvSpPr>
+          <p:nvPr>
+            <p:ph type="body" sz="quarter" idx="15"/>
+          </p:nvPr>
+        </p:nvSpPr>
+        <p:spPr>
+          <a:xfrm>
+            <a:off x="5971031" y="1792224"/>
+            <a:ext cx="5922431" cy="1682750"/>
+          </a:xfrm>
+        </p:spPr>
         <p:txBody>
           <a:bodyPr/>
           <a:lstStyle/>
           <a:p>
+            <a:pPr marL="0" indent="0">
+              <a:buNone/>
+            </a:pPr>
             <a:r>
               <a:rPr lang="en-US" dirty="0"/>
-              <a:t>Presentation title</a:t>
-            </a:r>
-            <a:endParaRPr lang="en-PK" dirty="0"/>
-          </a:p>
-        </p:txBody>
-      </p:sp>
-      <p:sp>
-        <p:nvSpPr>
-          <p:cNvPr id="3" name="Text Placeholder 2">
-            <a:extLst>
-              <a:ext uri="{FF2B5EF4-FFF2-40B4-BE49-F238E27FC236}">
-                <a16:creationId xmlns:a16="http://schemas.microsoft.com/office/drawing/2014/main" id="{B9136911-B582-CB5C-914D-58A0AE6AB75A}"/>
-              </a:ext>
-            </a:extLst>
-          </p:cNvPr>
-          <p:cNvSpPr>
-            <a:spLocks noGrp="1"/>
-          </p:cNvSpPr>
-          <p:nvPr>
-            <p:ph type="body" sz="quarter" idx="13"/>
-          </p:nvPr>
-        </p:nvSpPr>
-        <p:spPr/>
-        <p:txBody>
-          <a:bodyPr/>
-          <a:lstStyle/>
-          <a:p>
+              <a:t>Security best practices and frameworks serve as invaluable blueprints for constructing a comprehensive cybersecurity program at RC Cybersecurity. By adopting a recognized framework, such as the NIST Cybersecurity Framework (CSF) 2.0, RC Cybersecurity gains a structured and systematic approach to managing cybersecurity risk.</a:t>
+            </a:r>
+          </a:p>
+          <a:p>
+            <a:pPr marL="0" indent="0">
+              <a:buNone/>
+            </a:pPr>
             <a:r>
               <a:rPr lang="en-US" dirty="0"/>
-              <a:t>Projection Of Costs</a:t>
-            </a:r>
-            <a:endParaRPr lang="en-PK" dirty="0"/>
-          </a:p>
-        </p:txBody>
-      </p:sp>
-      <p:sp>
-        <p:nvSpPr>
-          <p:cNvPr id="5" name="Text Placeholder 4">
-            <a:extLst>
-              <a:ext uri="{FF2B5EF4-FFF2-40B4-BE49-F238E27FC236}">
-                <a16:creationId xmlns:a16="http://schemas.microsoft.com/office/drawing/2014/main" id="{E194D589-C330-607E-B446-0DA52AACC4E4}"/>
-              </a:ext>
-            </a:extLst>
-          </p:cNvPr>
-          <p:cNvSpPr>
-            <a:spLocks noGrp="1"/>
-          </p:cNvSpPr>
-          <p:nvPr>
-            <p:ph type="body" sz="quarter" idx="15"/>
-          </p:nvPr>
-        </p:nvSpPr>
-        <p:spPr/>
-        <p:txBody>
-          <a:bodyPr/>
-          <a:lstStyle/>
-          <a:p>
-            <a:r>
-              <a:rPr lang="en-US" dirty="0"/>
-              <a:t>$14,000 projection for project</a:t>
-            </a:r>
-          </a:p>
-          <a:p>
-            <a:r>
-              <a:rPr lang="en-US" dirty="0"/>
-              <a:t>Main source from angel investors</a:t>
-            </a:r>
-          </a:p>
-        </p:txBody>
-      </p:sp>
-      <p:sp>
-        <p:nvSpPr>
-          <p:cNvPr id="4" name="Text Placeholder 3">
-            <a:extLst>
-              <a:ext uri="{FF2B5EF4-FFF2-40B4-BE49-F238E27FC236}">
-                <a16:creationId xmlns:a16="http://schemas.microsoft.com/office/drawing/2014/main" id="{5AB49C3E-AD51-081C-CB26-BA65EB17C0A7}"/>
-              </a:ext>
-            </a:extLst>
-          </p:cNvPr>
-          <p:cNvSpPr>
-            <a:spLocks noGrp="1"/>
-          </p:cNvSpPr>
-          <p:nvPr>
-            <p:ph type="body" sz="quarter" idx="14"/>
-          </p:nvPr>
-        </p:nvSpPr>
-        <p:spPr/>
-        <p:txBody>
-          <a:bodyPr/>
-          <a:lstStyle/>
-          <a:p>
-            <a:r>
-              <a:rPr lang="en-US" dirty="0"/>
-              <a:t>Cost Overruns</a:t>
-            </a:r>
-            <a:endParaRPr lang="en-PK" dirty="0"/>
-          </a:p>
-        </p:txBody>
-      </p:sp>
-      <p:sp>
-        <p:nvSpPr>
-          <p:cNvPr id="6" name="Text Placeholder 5">
-            <a:extLst>
-              <a:ext uri="{FF2B5EF4-FFF2-40B4-BE49-F238E27FC236}">
-                <a16:creationId xmlns:a16="http://schemas.microsoft.com/office/drawing/2014/main" id="{7F8B4CE7-99C9-BD2D-17D0-2B34D13B367F}"/>
-              </a:ext>
-            </a:extLst>
-          </p:cNvPr>
-          <p:cNvSpPr>
-            <a:spLocks noGrp="1"/>
-          </p:cNvSpPr>
-          <p:nvPr>
-            <p:ph type="body" sz="quarter" idx="16"/>
-          </p:nvPr>
-        </p:nvSpPr>
-        <p:spPr/>
-        <p:txBody>
-          <a:bodyPr/>
-          <a:lstStyle/>
-          <a:p>
-            <a:r>
-              <a:rPr lang="en-US" dirty="0"/>
-              <a:t>$2,000 over budget</a:t>
-            </a:r>
-          </a:p>
-          <a:p>
-            <a:r>
-              <a:rPr lang="en-US" dirty="0"/>
-              <a:t>Closed gaps in communication with staff to present future budget issues</a:t>
-            </a:r>
-          </a:p>
-          <a:p>
-            <a:r>
-              <a:rPr lang="en-US" dirty="0"/>
-              <a:t>Project can track to remain on budget based on planning and current projections</a:t>
+              <a:t> </a:t>
             </a:r>
           </a:p>
         </p:txBody>
@@ -11511,7 +11478,13 @@
   <p:cSld>
     <p:spTree>
       <p:nvGrpSpPr>
-        <p:cNvPr id="1" name=""/>
+        <p:cNvPr id="1" name="">
+          <a:extLst>
+            <a:ext uri="{FF2B5EF4-FFF2-40B4-BE49-F238E27FC236}">
+              <a16:creationId xmlns:a16="http://schemas.microsoft.com/office/drawing/2014/main" id="{AD43D2F2-D3F4-11D0-5C77-E84BAFA0F8D3}"/>
+            </a:ext>
+          </a:extLst>
+        </p:cNvPr>
         <p:cNvGrpSpPr/>
         <p:nvPr/>
       </p:nvGrpSpPr>
@@ -11525,10 +11498,10 @@
       </p:grpSpPr>
       <p:sp>
         <p:nvSpPr>
-          <p:cNvPr id="4" name="Title 3">
-            <a:extLst>
-              <a:ext uri="{FF2B5EF4-FFF2-40B4-BE49-F238E27FC236}">
-                <a16:creationId xmlns:a16="http://schemas.microsoft.com/office/drawing/2014/main" id="{62C85805-79DB-07ED-6BDE-11B8962D463A}"/>
+          <p:cNvPr id="2" name="Title 1">
+            <a:extLst>
+              <a:ext uri="{FF2B5EF4-FFF2-40B4-BE49-F238E27FC236}">
+                <a16:creationId xmlns:a16="http://schemas.microsoft.com/office/drawing/2014/main" id="{B9CFC9C7-2D49-D20F-EC87-51F5DC5D223F}"/>
               </a:ext>
             </a:extLst>
           </p:cNvPr>
@@ -11545,63 +11518,108 @@
           <a:lstStyle/>
           <a:p>
             <a:r>
-              <a:rPr lang="en-US" sz="5000">
-                <a:solidFill>
-                  <a:schemeClr val="tx2"/>
-                </a:solidFill>
-                <a:latin typeface="Arial" panose="020B0604020202020204" pitchFamily="34" charset="0"/>
-                <a:cs typeface="Arial" panose="020B0604020202020204" pitchFamily="34" charset="0"/>
-              </a:rPr>
-              <a:t>TECHNOLOGY</a:t>
-            </a:r>
-            <a:br>
-              <a:rPr lang="en-US" sz="5000">
-                <a:solidFill>
-                  <a:schemeClr val="tx2"/>
-                </a:solidFill>
-                <a:latin typeface="Arial" panose="020B0604020202020204" pitchFamily="34" charset="0"/>
-                <a:cs typeface="Arial" panose="020B0604020202020204" pitchFamily="34" charset="0"/>
-              </a:rPr>
-            </a:br>
-            <a:endParaRPr lang="en-US" dirty="0"/>
-          </a:p>
-        </p:txBody>
-      </p:sp>
-      <p:sp>
-        <p:nvSpPr>
-          <p:cNvPr id="2" name="Footer Placeholder 1">
-            <a:extLst>
-              <a:ext uri="{FF2B5EF4-FFF2-40B4-BE49-F238E27FC236}">
-                <a16:creationId xmlns:a16="http://schemas.microsoft.com/office/drawing/2014/main" id="{4CEA3CB1-AF25-EA4C-A297-4DDC6E0EDC13}"/>
-              </a:ext>
-            </a:extLst>
-          </p:cNvPr>
-          <p:cNvSpPr>
-            <a:spLocks noGrp="1"/>
-          </p:cNvSpPr>
-          <p:nvPr>
-            <p:ph type="ftr" sz="quarter" idx="11"/>
-          </p:nvPr>
-        </p:nvSpPr>
-        <p:spPr/>
+              <a:rPr lang="en-US" sz="2800" dirty="0"/>
+              <a:t>Security Best Practices and Frameworks</a:t>
+            </a:r>
+          </a:p>
+        </p:txBody>
+      </p:sp>
+      <p:sp>
+        <p:nvSpPr>
+          <p:cNvPr id="5" name="Text Placeholder 4">
+            <a:extLst>
+              <a:ext uri="{FF2B5EF4-FFF2-40B4-BE49-F238E27FC236}">
+                <a16:creationId xmlns:a16="http://schemas.microsoft.com/office/drawing/2014/main" id="{AE6992A5-8ACE-476E-0DCE-FA7B2A05F42D}"/>
+              </a:ext>
+            </a:extLst>
+          </p:cNvPr>
+          <p:cNvSpPr>
+            <a:spLocks noGrp="1"/>
+          </p:cNvSpPr>
+          <p:nvPr>
+            <p:ph type="body" sz="quarter" idx="15"/>
+          </p:nvPr>
+        </p:nvSpPr>
+        <p:spPr>
+          <a:xfrm>
+            <a:off x="5382307" y="301752"/>
+            <a:ext cx="6198548" cy="6455038"/>
+          </a:xfrm>
+        </p:spPr>
         <p:txBody>
           <a:bodyPr/>
           <a:lstStyle/>
           <a:p>
-            <a:r>
-              <a:rPr lang="en-US"/>
-              <a:t>Presentation title</a:t>
-            </a:r>
-            <a:endParaRPr lang="en-US" dirty="0"/>
-          </a:p>
-        </p:txBody>
-      </p:sp>
-      <p:sp>
-        <p:nvSpPr>
-          <p:cNvPr id="3" name="Slide Number Placeholder 2">
-            <a:extLst>
-              <a:ext uri="{FF2B5EF4-FFF2-40B4-BE49-F238E27FC236}">
-                <a16:creationId xmlns:a16="http://schemas.microsoft.com/office/drawing/2014/main" id="{583E68DE-3756-7E72-3F5A-34338BB312B3}"/>
+            <a:pPr marL="0" indent="0">
+              <a:buNone/>
+            </a:pPr>
+            <a:r>
+              <a:rPr lang="en-US" sz="1100" dirty="0"/>
+              <a:t>Leveraging Frameworks for Program Development:</a:t>
+            </a:r>
+          </a:p>
+          <a:p>
+            <a:pPr marL="0" indent="0">
+              <a:buNone/>
+            </a:pPr>
+            <a:r>
+              <a:rPr lang="en-US" sz="1100" dirty="0"/>
+              <a:t>Foundation and Structure - Frameworks like NIST CSF 2.0 provide a common language and a set of core functions and categories. This offers a clear roadmap for organizing and prioritizing cybersecurity activities, ensuring all critical areas are addressed.</a:t>
+            </a:r>
+          </a:p>
+          <a:p>
+            <a:pPr marL="0" indent="0">
+              <a:buNone/>
+            </a:pPr>
+            <a:r>
+              <a:rPr lang="en-US" sz="1100" dirty="0"/>
+              <a:t>Risk-Based Approach - These frameworks promote a risk-based methodology. RC Cybersecurity can use them to identify its most critical assets, potential threats, and vulnerabilities, then tailor its security controls and investments to address the highest risks first. This ensures resources are allocated efficiently.</a:t>
+            </a:r>
+          </a:p>
+          <a:p>
+            <a:pPr marL="0" indent="0">
+              <a:buNone/>
+            </a:pPr>
+            <a:r>
+              <a:rPr lang="en-US" sz="1100" dirty="0"/>
+              <a:t>Best Practice Integration - Frameworks are essentially curated collections of industry best practices. By adhering to them, RC Cybersecurity automatically incorporates proven methods for areas like access control, data protection, incident response planning, and continuous monitoring.</a:t>
+            </a:r>
+          </a:p>
+          <a:p>
+            <a:pPr marL="0" indent="0">
+              <a:buNone/>
+            </a:pPr>
+            <a:r>
+              <a:rPr lang="en-US" sz="1100" dirty="0"/>
+              <a:t>Scalability and Adaptability - Recognized frameworks are designed to be adaptable to organizations of all sizes and complexities. RC Cybersecurity can implement the framework at a maturity level that suits its current capabilities and scale its program as it grows and its threat landscape evolves.</a:t>
+            </a:r>
+          </a:p>
+          <a:p>
+            <a:pPr marL="0" indent="0">
+              <a:buNone/>
+            </a:pPr>
+            <a:r>
+              <a:rPr lang="en-US" sz="1100" dirty="0"/>
+              <a:t>Compliance and Assurance - Frameworks often align with various legal and regulatory requirements. Using a framework like NIST CSF 2.0 can help RC Cybersecurity demonstrate compliance and provide assurance to stakeholders that its cybersecurity program is robust and well-managed.</a:t>
+            </a:r>
+          </a:p>
+          <a:p>
+            <a:pPr marL="0" indent="0">
+              <a:buNone/>
+            </a:pPr>
+            <a:r>
+              <a:rPr lang="en-US" sz="1100" dirty="0"/>
+              <a:t>Workforce Development - Frameworks like the NICE Workforce Framework for Cybersecurity can guide RC Cybersecurity in identifying necessary skills, roles, and training for its cybersecurity team, ensuring it has the right talent to execute the program.</a:t>
+            </a:r>
+          </a:p>
+        </p:txBody>
+      </p:sp>
+      <p:sp>
+        <p:nvSpPr>
+          <p:cNvPr id="13" name="Slide Number Placeholder 12">
+            <a:extLst>
+              <a:ext uri="{FF2B5EF4-FFF2-40B4-BE49-F238E27FC236}">
+                <a16:creationId xmlns:a16="http://schemas.microsoft.com/office/drawing/2014/main" id="{2499AF77-4F85-86BF-49B5-5870EF32C9E5}"/>
               </a:ext>
             </a:extLst>
           </p:cNvPr>
@@ -11619,346 +11637,17 @@
           <a:p>
             <a:fld id="{5BFCF61C-3B18-4C03-8326-CC3B32D710C9}" type="slidenum">
               <a:rPr lang="en-US" smtClean="0"/>
+              <a:pPr/>
               <a:t>8</a:t>
             </a:fld>
-            <a:endParaRPr lang="en-US" dirty="0"/>
-          </a:p>
-        </p:txBody>
-      </p:sp>
-      <p:sp>
-        <p:nvSpPr>
-          <p:cNvPr id="5" name="Text Placeholder 4">
-            <a:extLst>
-              <a:ext uri="{FF2B5EF4-FFF2-40B4-BE49-F238E27FC236}">
-                <a16:creationId xmlns:a16="http://schemas.microsoft.com/office/drawing/2014/main" id="{6D4C7CBA-BE77-048A-DED3-BCCB5936C564}"/>
-              </a:ext>
-            </a:extLst>
-          </p:cNvPr>
-          <p:cNvSpPr>
-            <a:spLocks noGrp="1"/>
-          </p:cNvSpPr>
-          <p:nvPr>
-            <p:ph type="body" sz="quarter" idx="13"/>
-          </p:nvPr>
-        </p:nvSpPr>
-        <p:spPr/>
-        <p:txBody>
-          <a:bodyPr/>
-          <a:lstStyle/>
-          <a:p>
-            <a:r>
-              <a:rPr lang="en-US" sz="2200" b="1" dirty="0">
-                <a:solidFill>
-                  <a:schemeClr val="tx2"/>
-                </a:solidFill>
-                <a:latin typeface="Arial" panose="020B0604020202020204" pitchFamily="34" charset="0"/>
-                <a:cs typeface="Arial" panose="020B0604020202020204" pitchFamily="34" charset="0"/>
-              </a:rPr>
-              <a:t>Technical Problems That Have Been </a:t>
-            </a:r>
-            <a:br>
-              <a:rPr lang="en-US" sz="2200" b="1" dirty="0">
-                <a:solidFill>
-                  <a:schemeClr val="tx2"/>
-                </a:solidFill>
-                <a:latin typeface="Arial" panose="020B0604020202020204" pitchFamily="34" charset="0"/>
-                <a:cs typeface="Arial" panose="020B0604020202020204" pitchFamily="34" charset="0"/>
-              </a:rPr>
-            </a:br>
-            <a:r>
-              <a:rPr lang="en-US" sz="2200" b="1" dirty="0">
-                <a:solidFill>
-                  <a:schemeClr val="tx2"/>
-                </a:solidFill>
-                <a:latin typeface="Arial" panose="020B0604020202020204" pitchFamily="34" charset="0"/>
-                <a:cs typeface="Arial" panose="020B0604020202020204" pitchFamily="34" charset="0"/>
-              </a:rPr>
-              <a:t>Solved</a:t>
-            </a:r>
-          </a:p>
-          <a:p>
-            <a:endParaRPr lang="en-US" dirty="0"/>
-          </a:p>
-        </p:txBody>
-      </p:sp>
-      <p:sp>
-        <p:nvSpPr>
-          <p:cNvPr id="7" name="Text Placeholder 6">
-            <a:extLst>
-              <a:ext uri="{FF2B5EF4-FFF2-40B4-BE49-F238E27FC236}">
-                <a16:creationId xmlns:a16="http://schemas.microsoft.com/office/drawing/2014/main" id="{2749D3A3-A012-454F-EFFD-30D72C9C8AE7}"/>
-              </a:ext>
-            </a:extLst>
-          </p:cNvPr>
-          <p:cNvSpPr>
-            <a:spLocks noGrp="1"/>
-          </p:cNvSpPr>
-          <p:nvPr>
-            <p:ph type="body" sz="quarter" idx="15"/>
-          </p:nvPr>
-        </p:nvSpPr>
-        <p:spPr/>
-        <p:txBody>
-          <a:bodyPr/>
-          <a:lstStyle/>
-          <a:p>
-            <a:pPr marL="342900" indent="-342900">
-              <a:lnSpc>
-                <a:spcPct val="150000"/>
-              </a:lnSpc>
-              <a:buFont typeface="Arial" panose="020B0604020202020204" pitchFamily="34" charset="0"/>
-              <a:buChar char="•"/>
-            </a:pPr>
-            <a:r>
-              <a:rPr lang="en-US" sz="1600" dirty="0">
-                <a:solidFill>
-                  <a:schemeClr val="tx2"/>
-                </a:solidFill>
-                <a:latin typeface="Arial" panose="020B0604020202020204" pitchFamily="34" charset="0"/>
-                <a:cs typeface="Arial" panose="020B0604020202020204" pitchFamily="34" charset="0"/>
-              </a:rPr>
-              <a:t>Created offline working mode to prevent delays</a:t>
-            </a:r>
-          </a:p>
-        </p:txBody>
-      </p:sp>
-      <p:sp>
-        <p:nvSpPr>
-          <p:cNvPr id="6" name="Text Placeholder 5">
-            <a:extLst>
-              <a:ext uri="{FF2B5EF4-FFF2-40B4-BE49-F238E27FC236}">
-                <a16:creationId xmlns:a16="http://schemas.microsoft.com/office/drawing/2014/main" id="{19E02B69-8EDA-C137-FEEF-12D4F89D01CD}"/>
-              </a:ext>
-            </a:extLst>
-          </p:cNvPr>
-          <p:cNvSpPr>
-            <a:spLocks noGrp="1"/>
-          </p:cNvSpPr>
-          <p:nvPr>
-            <p:ph type="body" sz="quarter" idx="14"/>
-          </p:nvPr>
-        </p:nvSpPr>
-        <p:spPr/>
-        <p:txBody>
-          <a:bodyPr/>
-          <a:lstStyle/>
-          <a:p>
-            <a:r>
-              <a:rPr lang="en-US" sz="2200" b="1" dirty="0">
-                <a:solidFill>
-                  <a:schemeClr val="tx2"/>
-                </a:solidFill>
-                <a:latin typeface="Arial" panose="020B0604020202020204" pitchFamily="34" charset="0"/>
-                <a:cs typeface="Arial" panose="020B0604020202020204" pitchFamily="34" charset="0"/>
-              </a:rPr>
-              <a:t>Dubious Technological Depend</a:t>
-            </a:r>
-            <a:r>
-              <a:rPr lang="en-US" altLang="zh-CN" sz="2200" b="1" dirty="0">
-                <a:solidFill>
-                  <a:schemeClr val="tx2"/>
-                </a:solidFill>
-                <a:latin typeface="Arial" panose="020B0604020202020204" pitchFamily="34" charset="0"/>
-                <a:cs typeface="Arial" panose="020B0604020202020204" pitchFamily="34" charset="0"/>
-              </a:rPr>
-              <a:t>en</a:t>
-            </a:r>
-            <a:r>
-              <a:rPr lang="en-US" sz="2200" b="1" dirty="0">
-                <a:solidFill>
-                  <a:schemeClr val="tx2"/>
-                </a:solidFill>
-                <a:latin typeface="Arial" panose="020B0604020202020204" pitchFamily="34" charset="0"/>
-                <a:cs typeface="Arial" panose="020B0604020202020204" pitchFamily="34" charset="0"/>
-              </a:rPr>
-              <a:t>cies For Projec</a:t>
-            </a:r>
-            <a:r>
-              <a:rPr lang="en-US" altLang="zh-CN" sz="2200" b="1" dirty="0">
-                <a:solidFill>
-                  <a:schemeClr val="tx2"/>
-                </a:solidFill>
-                <a:latin typeface="Arial" panose="020B0604020202020204" pitchFamily="34" charset="0"/>
-                <a:cs typeface="Arial" panose="020B0604020202020204" pitchFamily="34" charset="0"/>
-              </a:rPr>
-              <a:t>t</a:t>
-            </a:r>
-            <a:endParaRPr lang="en-US" sz="2200" b="1" dirty="0">
-              <a:solidFill>
-                <a:schemeClr val="tx2"/>
-              </a:solidFill>
-              <a:latin typeface="Arial" panose="020B0604020202020204" pitchFamily="34" charset="0"/>
-              <a:cs typeface="Arial" panose="020B0604020202020204" pitchFamily="34" charset="0"/>
-            </a:endParaRPr>
-          </a:p>
-          <a:p>
-            <a:endParaRPr lang="en-US" dirty="0"/>
-          </a:p>
-        </p:txBody>
-      </p:sp>
-      <p:sp>
-        <p:nvSpPr>
-          <p:cNvPr id="8" name="Text Placeholder 7">
-            <a:extLst>
-              <a:ext uri="{FF2B5EF4-FFF2-40B4-BE49-F238E27FC236}">
-                <a16:creationId xmlns:a16="http://schemas.microsoft.com/office/drawing/2014/main" id="{D89074EA-C6FF-2A59-04ED-55D899CA3454}"/>
-              </a:ext>
-            </a:extLst>
-          </p:cNvPr>
-          <p:cNvSpPr>
-            <a:spLocks noGrp="1"/>
-          </p:cNvSpPr>
-          <p:nvPr>
-            <p:ph type="body" sz="quarter" idx="16"/>
-          </p:nvPr>
-        </p:nvSpPr>
-        <p:spPr/>
-        <p:txBody>
-          <a:bodyPr/>
-          <a:lstStyle/>
-          <a:p>
-            <a:pPr marL="342900" indent="-342900">
-              <a:lnSpc>
-                <a:spcPct val="150000"/>
-              </a:lnSpc>
-              <a:buFont typeface="Arial" panose="020B0604020202020204" pitchFamily="34" charset="0"/>
-              <a:buChar char="•"/>
-            </a:pPr>
-            <a:r>
-              <a:rPr lang="en-US" sz="1600" dirty="0">
-                <a:solidFill>
-                  <a:schemeClr val="tx2"/>
-                </a:solidFill>
-                <a:latin typeface="Arial" panose="020B0604020202020204" pitchFamily="34" charset="0"/>
-                <a:cs typeface="Arial" panose="020B0604020202020204" pitchFamily="34" charset="0"/>
-              </a:rPr>
-              <a:t>Software will continue to crash</a:t>
-            </a:r>
-          </a:p>
-          <a:p>
-            <a:pPr marL="342900" indent="-342900">
-              <a:lnSpc>
-                <a:spcPct val="150000"/>
-              </a:lnSpc>
-              <a:buFont typeface="Arial" panose="020B0604020202020204" pitchFamily="34" charset="0"/>
-              <a:buChar char="•"/>
-            </a:pPr>
-            <a:r>
-              <a:rPr lang="en-US" sz="1600" dirty="0">
-                <a:solidFill>
-                  <a:schemeClr val="tx2"/>
-                </a:solidFill>
-                <a:latin typeface="Arial" panose="020B0604020202020204" pitchFamily="34" charset="0"/>
-                <a:cs typeface="Arial" panose="020B0604020202020204" pitchFamily="34" charset="0"/>
-              </a:rPr>
-              <a:t>Work offline and save updates when servers are back online</a:t>
-            </a:r>
-            <a:endParaRPr lang="en-US" sz="1600" dirty="0">
-              <a:solidFill>
-                <a:schemeClr val="tx2"/>
-              </a:solidFill>
-            </a:endParaRPr>
-          </a:p>
-          <a:p>
-            <a:endParaRPr lang="en-US" dirty="0"/>
-          </a:p>
-        </p:txBody>
-      </p:sp>
-      <p:sp>
-        <p:nvSpPr>
-          <p:cNvPr id="9" name="Text Placeholder 8">
-            <a:extLst>
-              <a:ext uri="{FF2B5EF4-FFF2-40B4-BE49-F238E27FC236}">
-                <a16:creationId xmlns:a16="http://schemas.microsoft.com/office/drawing/2014/main" id="{2F6D1492-6808-B064-1F4E-6B49A77CEAE9}"/>
-              </a:ext>
-            </a:extLst>
-          </p:cNvPr>
-          <p:cNvSpPr>
-            <a:spLocks noGrp="1"/>
-          </p:cNvSpPr>
-          <p:nvPr>
-            <p:ph type="body" sz="quarter" idx="17"/>
-          </p:nvPr>
-        </p:nvSpPr>
-        <p:spPr/>
-        <p:txBody>
-          <a:bodyPr/>
-          <a:lstStyle/>
-          <a:p>
-            <a:r>
-              <a:rPr lang="en-US" sz="2200" b="1" dirty="0">
-                <a:solidFill>
-                  <a:schemeClr val="tx2"/>
-                </a:solidFill>
-                <a:latin typeface="Arial" panose="020B0604020202020204" pitchFamily="34" charset="0"/>
-                <a:cs typeface="Arial" panose="020B0604020202020204" pitchFamily="34" charset="0"/>
-              </a:rPr>
-              <a:t>Outstanding Technical Issues That Need To Be Solve</a:t>
-            </a:r>
-            <a:r>
-              <a:rPr lang="en-US" altLang="zh-CN" sz="2200" b="1" dirty="0">
-                <a:solidFill>
-                  <a:schemeClr val="tx2"/>
-                </a:solidFill>
-                <a:latin typeface="Arial" panose="020B0604020202020204" pitchFamily="34" charset="0"/>
-                <a:cs typeface="Arial" panose="020B0604020202020204" pitchFamily="34" charset="0"/>
-              </a:rPr>
-              <a:t>d</a:t>
-            </a:r>
-            <a:endParaRPr lang="en-US" sz="2200" b="1" dirty="0">
-              <a:solidFill>
-                <a:schemeClr val="tx2"/>
-              </a:solidFill>
-              <a:latin typeface="Arial" panose="020B0604020202020204" pitchFamily="34" charset="0"/>
-              <a:cs typeface="Arial" panose="020B0604020202020204" pitchFamily="34" charset="0"/>
-            </a:endParaRPr>
-          </a:p>
-          <a:p>
-            <a:endParaRPr lang="en-US" dirty="0"/>
-          </a:p>
-        </p:txBody>
-      </p:sp>
-      <p:sp>
-        <p:nvSpPr>
-          <p:cNvPr id="10" name="Text Placeholder 9">
-            <a:extLst>
-              <a:ext uri="{FF2B5EF4-FFF2-40B4-BE49-F238E27FC236}">
-                <a16:creationId xmlns:a16="http://schemas.microsoft.com/office/drawing/2014/main" id="{A4B14CB4-1193-ED18-7BAA-87DF524040D5}"/>
-              </a:ext>
-            </a:extLst>
-          </p:cNvPr>
-          <p:cNvSpPr>
-            <a:spLocks noGrp="1"/>
-          </p:cNvSpPr>
-          <p:nvPr>
-            <p:ph type="body" sz="quarter" idx="18"/>
-          </p:nvPr>
-        </p:nvSpPr>
-        <p:spPr/>
-        <p:txBody>
-          <a:bodyPr/>
-          <a:lstStyle/>
-          <a:p>
-            <a:r>
-              <a:rPr lang="en-US" sz="1600" noProof="1">
-                <a:solidFill>
-                  <a:schemeClr val="tx2"/>
-                </a:solidFill>
-                <a:latin typeface="Arial" panose="020B0604020202020204" pitchFamily="34" charset="0"/>
-                <a:cs typeface="Arial" panose="020B0604020202020204" pitchFamily="34" charset="0"/>
-              </a:rPr>
-              <a:t>Software tools for running product testing</a:t>
-            </a:r>
-          </a:p>
-          <a:p>
-            <a:endParaRPr lang="en-US" dirty="0"/>
+            <a:endParaRPr lang="en-US"/>
           </a:p>
         </p:txBody>
       </p:sp>
     </p:spTree>
     <p:extLst>
       <p:ext uri="{BB962C8B-B14F-4D97-AF65-F5344CB8AC3E}">
-        <p14:creationId xmlns:p14="http://schemas.microsoft.com/office/powerpoint/2010/main" val="476614979"/>
+        <p14:creationId xmlns:p14="http://schemas.microsoft.com/office/powerpoint/2010/main" val="3262773053"/>
       </p:ext>
     </p:extLst>
   </p:cSld>
@@ -11973,7 +11662,13 @@
   <p:cSld>
     <p:spTree>
       <p:nvGrpSpPr>
-        <p:cNvPr id="1" name=""/>
+        <p:cNvPr id="1" name="">
+          <a:extLst>
+            <a:ext uri="{FF2B5EF4-FFF2-40B4-BE49-F238E27FC236}">
+              <a16:creationId xmlns:a16="http://schemas.microsoft.com/office/drawing/2014/main" id="{7E403ED6-0731-8D39-3EA4-3B9EBD31AC7F}"/>
+            </a:ext>
+          </a:extLst>
+        </p:cNvPr>
         <p:cNvGrpSpPr/>
         <p:nvPr/>
       </p:nvGrpSpPr>
@@ -11990,7 +11685,7 @@
           <p:cNvPr id="2" name="Title 1">
             <a:extLst>
               <a:ext uri="{FF2B5EF4-FFF2-40B4-BE49-F238E27FC236}">
-                <a16:creationId xmlns:a16="http://schemas.microsoft.com/office/drawing/2014/main" id="{A0A65C01-2837-2D71-254F-BAEEC669F389}"/>
+                <a16:creationId xmlns:a16="http://schemas.microsoft.com/office/drawing/2014/main" id="{02BC36C7-5E00-60AF-48B0-B81D6640CA8E}"/>
               </a:ext>
             </a:extLst>
           </p:cNvPr>
@@ -12007,36 +11702,119 @@
           <a:lstStyle/>
           <a:p>
             <a:r>
-              <a:rPr lang="en-US"/>
-              <a:t>RESOURCES</a:t>
-            </a:r>
-          </a:p>
-        </p:txBody>
-      </p:sp>
-      <p:sp>
-        <p:nvSpPr>
-          <p:cNvPr id="12" name="Footer Placeholder 11">
-            <a:extLst>
-              <a:ext uri="{FF2B5EF4-FFF2-40B4-BE49-F238E27FC236}">
-                <a16:creationId xmlns:a16="http://schemas.microsoft.com/office/drawing/2014/main" id="{CEED6286-6851-6DDB-6D9B-9B02A607B361}"/>
-              </a:ext>
-            </a:extLst>
-          </p:cNvPr>
-          <p:cNvSpPr>
-            <a:spLocks noGrp="1"/>
-          </p:cNvSpPr>
-          <p:nvPr>
-            <p:ph type="ftr" sz="quarter" idx="11"/>
-          </p:nvPr>
-        </p:nvSpPr>
-        <p:spPr/>
+              <a:rPr lang="en-US" sz="2800" dirty="0"/>
+              <a:t>Security Best Practices and Frameworks</a:t>
+            </a:r>
+          </a:p>
+        </p:txBody>
+      </p:sp>
+      <p:sp>
+        <p:nvSpPr>
+          <p:cNvPr id="5" name="Text Placeholder 4">
+            <a:extLst>
+              <a:ext uri="{FF2B5EF4-FFF2-40B4-BE49-F238E27FC236}">
+                <a16:creationId xmlns:a16="http://schemas.microsoft.com/office/drawing/2014/main" id="{1884BFE9-FE72-7F1F-8311-6C85B23796B0}"/>
+              </a:ext>
+            </a:extLst>
+          </p:cNvPr>
+          <p:cNvSpPr>
+            <a:spLocks noGrp="1"/>
+          </p:cNvSpPr>
+          <p:nvPr>
+            <p:ph type="body" sz="quarter" idx="15"/>
+          </p:nvPr>
+        </p:nvSpPr>
+        <p:spPr>
+          <a:xfrm>
+            <a:off x="5971031" y="1792224"/>
+            <a:ext cx="5922431" cy="1682750"/>
+          </a:xfrm>
+        </p:spPr>
         <p:txBody>
           <a:bodyPr/>
           <a:lstStyle/>
           <a:p>
-            <a:r>
-              <a:rPr lang="en-US"/>
-              <a:t>Presentation title</a:t>
+            <a:pPr marL="0" indent="0">
+              <a:buNone/>
+            </a:pPr>
+            <a:r>
+              <a:rPr lang="en-US" sz="1200" dirty="0"/>
+              <a:t>Key Elements to Consider:</a:t>
+            </a:r>
+          </a:p>
+          <a:p>
+            <a:pPr marL="0" indent="0">
+              <a:buNone/>
+            </a:pPr>
+            <a:endParaRPr lang="en-US" sz="1200" dirty="0"/>
+          </a:p>
+          <a:p>
+            <a:pPr marL="0" indent="0">
+              <a:buNone/>
+            </a:pPr>
+            <a:r>
+              <a:rPr lang="en-US" sz="1200" dirty="0"/>
+              <a:t>Identify - Understanding the business environment, assets, and risks.</a:t>
+            </a:r>
+          </a:p>
+          <a:p>
+            <a:pPr marL="0" indent="0">
+              <a:buNone/>
+            </a:pPr>
+            <a:r>
+              <a:rPr lang="en-US" sz="1200" dirty="0"/>
+              <a:t>Protect - Implementing safeguards for critical services and data.</a:t>
+            </a:r>
+          </a:p>
+          <a:p>
+            <a:pPr marL="0" indent="0">
+              <a:buNone/>
+            </a:pPr>
+            <a:r>
+              <a:rPr lang="en-US" sz="1200" dirty="0"/>
+              <a:t>Detect - Developing capabilities to identify cybersecurity events.</a:t>
+            </a:r>
+          </a:p>
+          <a:p>
+            <a:pPr marL="0" indent="0">
+              <a:buNone/>
+            </a:pPr>
+            <a:r>
+              <a:rPr lang="en-US" sz="1200" dirty="0"/>
+              <a:t>Respond - Establishing plans and procedures for handling detected events.</a:t>
+            </a:r>
+          </a:p>
+          <a:p>
+            <a:pPr marL="0" indent="0">
+              <a:buNone/>
+            </a:pPr>
+            <a:r>
+              <a:rPr lang="en-US" sz="1200" dirty="0"/>
+              <a:t>Recover - Ensuring resilience and restoring capabilities after an incident.</a:t>
+            </a:r>
+          </a:p>
+          <a:p>
+            <a:pPr marL="0" indent="0">
+              <a:buNone/>
+            </a:pPr>
+            <a:endParaRPr lang="en-US" sz="1200" dirty="0"/>
+          </a:p>
+          <a:p>
+            <a:pPr marL="0" indent="0">
+              <a:buNone/>
+            </a:pPr>
+            <a:r>
+              <a:rPr lang="en-US" sz="1200" dirty="0"/>
+              <a:t>By consistently referencing and implementing these frameworks and best practices, RC Cybersecurity can build a dynamic, effective, and resilient cybersecurity program that proactively defends against threats and supports its business objectives.</a:t>
+            </a:r>
+          </a:p>
+          <a:p>
+            <a:pPr marL="0" indent="0">
+              <a:buNone/>
+            </a:pPr>
+            <a:r>
+              <a:rPr lang="en-US" sz="1200" dirty="0"/>
+              <a:t> </a:t>
             </a:r>
           </a:p>
         </p:txBody>
@@ -12046,7 +11824,7 @@
           <p:cNvPr id="13" name="Slide Number Placeholder 12">
             <a:extLst>
               <a:ext uri="{FF2B5EF4-FFF2-40B4-BE49-F238E27FC236}">
-                <a16:creationId xmlns:a16="http://schemas.microsoft.com/office/drawing/2014/main" id="{A783BE29-9226-E728-BAD0-B02DEADFB9C6}"/>
+                <a16:creationId xmlns:a16="http://schemas.microsoft.com/office/drawing/2014/main" id="{52B5EA49-5763-8F0A-E341-0C6320B63111}"/>
               </a:ext>
             </a:extLst>
           </p:cNvPr>
@@ -12071,164 +11849,10 @@
           </a:p>
         </p:txBody>
       </p:sp>
-      <p:sp>
-        <p:nvSpPr>
-          <p:cNvPr id="3" name="Text Placeholder 2">
-            <a:extLst>
-              <a:ext uri="{FF2B5EF4-FFF2-40B4-BE49-F238E27FC236}">
-                <a16:creationId xmlns:a16="http://schemas.microsoft.com/office/drawing/2014/main" id="{3C23C4BE-E1DD-7EED-DB71-4D5F3B63E693}"/>
-              </a:ext>
-            </a:extLst>
-          </p:cNvPr>
-          <p:cNvSpPr>
-            <a:spLocks noGrp="1"/>
-          </p:cNvSpPr>
-          <p:nvPr>
-            <p:ph type="body" sz="quarter" idx="13"/>
-          </p:nvPr>
-        </p:nvSpPr>
-        <p:spPr/>
-        <p:txBody>
-          <a:bodyPr/>
-          <a:lstStyle/>
-          <a:p>
-            <a:r>
-              <a:rPr lang="en-US"/>
-              <a:t>Project Resources</a:t>
-            </a:r>
-          </a:p>
-        </p:txBody>
-      </p:sp>
-      <p:sp>
-        <p:nvSpPr>
-          <p:cNvPr id="4" name="Text Placeholder 3">
-            <a:extLst>
-              <a:ext uri="{FF2B5EF4-FFF2-40B4-BE49-F238E27FC236}">
-                <a16:creationId xmlns:a16="http://schemas.microsoft.com/office/drawing/2014/main" id="{A4168C84-B182-4E7D-56FB-01EE4B11DC8B}"/>
-              </a:ext>
-            </a:extLst>
-          </p:cNvPr>
-          <p:cNvSpPr>
-            <a:spLocks noGrp="1"/>
-          </p:cNvSpPr>
-          <p:nvPr>
-            <p:ph type="body" sz="quarter" idx="14"/>
-          </p:nvPr>
-        </p:nvSpPr>
-        <p:spPr/>
-        <p:txBody>
-          <a:bodyPr/>
-          <a:lstStyle/>
-          <a:p>
-            <a:r>
-              <a:rPr lang="en-US"/>
-              <a:t>What Customers Want</a:t>
-            </a:r>
-          </a:p>
-          <a:p>
-            <a:endParaRPr lang="en-US"/>
-          </a:p>
-        </p:txBody>
-      </p:sp>
-      <p:sp>
-        <p:nvSpPr>
-          <p:cNvPr id="5" name="Text Placeholder 4">
-            <a:extLst>
-              <a:ext uri="{FF2B5EF4-FFF2-40B4-BE49-F238E27FC236}">
-                <a16:creationId xmlns:a16="http://schemas.microsoft.com/office/drawing/2014/main" id="{43DF41ED-5729-1B31-0C04-21385523D7E1}"/>
-              </a:ext>
-            </a:extLst>
-          </p:cNvPr>
-          <p:cNvSpPr>
-            <a:spLocks noGrp="1"/>
-          </p:cNvSpPr>
-          <p:nvPr>
-            <p:ph type="body" sz="quarter" idx="15"/>
-          </p:nvPr>
-        </p:nvSpPr>
-        <p:spPr/>
-        <p:txBody>
-          <a:bodyPr/>
-          <a:lstStyle/>
-          <a:p>
-            <a:r>
-              <a:rPr lang="en-US"/>
-              <a:t>All staff is working on keeping the project on </a:t>
-            </a:r>
-            <a:br>
-              <a:rPr lang="en-US"/>
-            </a:br>
-            <a:r>
-              <a:rPr lang="en-US"/>
-              <a:t>time</a:t>
-            </a:r>
-          </a:p>
-          <a:p>
-            <a:r>
-              <a:rPr lang="en-US"/>
-              <a:t>Hire vendors to help with project completion</a:t>
-            </a:r>
-          </a:p>
-          <a:p>
-            <a:r>
-              <a:rPr lang="en-US"/>
-              <a:t>Need more funding if we want to hire more </a:t>
-            </a:r>
-            <a:br>
-              <a:rPr lang="en-US"/>
-            </a:br>
-            <a:r>
-              <a:rPr lang="en-US"/>
-              <a:t>workers to help in the future</a:t>
-            </a:r>
-          </a:p>
-          <a:p>
-            <a:endParaRPr lang="en-US"/>
-          </a:p>
-        </p:txBody>
-      </p:sp>
-      <p:sp>
-        <p:nvSpPr>
-          <p:cNvPr id="6" name="Text Placeholder 5">
-            <a:extLst>
-              <a:ext uri="{FF2B5EF4-FFF2-40B4-BE49-F238E27FC236}">
-                <a16:creationId xmlns:a16="http://schemas.microsoft.com/office/drawing/2014/main" id="{D180BD75-0796-C71E-07C4-224B63C0CEEF}"/>
-              </a:ext>
-            </a:extLst>
-          </p:cNvPr>
-          <p:cNvSpPr>
-            <a:spLocks noGrp="1"/>
-          </p:cNvSpPr>
-          <p:nvPr>
-            <p:ph type="body" sz="quarter" idx="16"/>
-          </p:nvPr>
-        </p:nvSpPr>
-        <p:spPr/>
-        <p:txBody>
-          <a:bodyPr/>
-          <a:lstStyle/>
-          <a:p>
-            <a:r>
-              <a:rPr lang="en-US"/>
-              <a:t>Customers want their product to work efficiently </a:t>
-            </a:r>
-            <a:br>
-              <a:rPr lang="en-US"/>
-            </a:br>
-            <a:r>
-              <a:rPr lang="en-US"/>
-              <a:t>so they can continue to communicate with their employees while they work remotely </a:t>
-            </a:r>
-          </a:p>
-          <a:p>
-            <a:endParaRPr lang="en-US"/>
-          </a:p>
-        </p:txBody>
-      </p:sp>
     </p:spTree>
     <p:extLst>
       <p:ext uri="{BB962C8B-B14F-4D97-AF65-F5344CB8AC3E}">
-        <p14:creationId xmlns:p14="http://schemas.microsoft.com/office/powerpoint/2010/main" val="3274647172"/>
+        <p14:creationId xmlns:p14="http://schemas.microsoft.com/office/powerpoint/2010/main" val="1155459140"/>
       </p:ext>
     </p:extLst>
   </p:cSld>
@@ -13030,6 +12654,26 @@
 </file>
 
 <file path=customXml/item1.xml><?xml version="1.0" encoding="utf-8"?>
+<p:properties xmlns:p="http://schemas.microsoft.com/office/2006/metadata/properties" xmlns:xsi="http://www.w3.org/2001/XMLSchema-instance" xmlns:pc="http://schemas.microsoft.com/office/infopath/2007/PartnerControls">
+  <documentManagement>
+    <_ip_UnifiedCompliancePolicyUIAction xmlns="http://schemas.microsoft.com/sharepoint/v3" xsi:nil="true"/>
+    <Image xmlns="71af3243-3dd4-4a8d-8c0d-dd76da1f02a5">
+      <Url xsi:nil="true"/>
+      <Description xsi:nil="true"/>
+    </Image>
+    <Status xmlns="71af3243-3dd4-4a8d-8c0d-dd76da1f02a5">Not started</Status>
+    <Background xmlns="71af3243-3dd4-4a8d-8c0d-dd76da1f02a5">false</Background>
+    <_ip_UnifiedCompliancePolicyProperties xmlns="http://schemas.microsoft.com/sharepoint/v3" xsi:nil="true"/>
+    <ImageTagsTaxHTField xmlns="71af3243-3dd4-4a8d-8c0d-dd76da1f02a5">
+      <Terms xmlns="http://schemas.microsoft.com/office/infopath/2007/PartnerControls"/>
+    </ImageTagsTaxHTField>
+    <TaxCatchAll xmlns="230e9df3-be65-4c73-a93b-d1236ebd677e" xsi:nil="true"/>
+    <MediaServiceKeyPoints xmlns="71af3243-3dd4-4a8d-8c0d-dd76da1f02a5" xsi:nil="true"/>
+  </documentManagement>
+</p:properties>
+</file>
+
+<file path=customXml/item2.xml><?xml version="1.0" encoding="utf-8"?>
 <ct:contentTypeSchema xmlns:ct="http://schemas.microsoft.com/office/2006/metadata/contentType" xmlns:ma="http://schemas.microsoft.com/office/2006/metadata/properties/metaAttributes" ct:_="" ma:_="" ma:contentTypeName="Document" ma:contentTypeID="0x01010079F111ED35F8CC479449609E8A0923A6" ma:contentTypeVersion="24" ma:contentTypeDescription="Create a new document." ma:contentTypeScope="" ma:versionID="2d714a3296df14eba7a100bb665443ca">
   <xsd:schema xmlns:xsd="http://www.w3.org/2001/XMLSchema" xmlns:xs="http://www.w3.org/2001/XMLSchema" xmlns:p="http://schemas.microsoft.com/office/2006/metadata/properties" xmlns:ns1="http://schemas.microsoft.com/sharepoint/v3" xmlns:ns2="71af3243-3dd4-4a8d-8c0d-dd76da1f02a5" xmlns:ns3="16c05727-aa75-4e4a-9b5f-8a80a1165891" xmlns:ns4="230e9df3-be65-4c73-a93b-d1236ebd677e" targetNamespace="http://schemas.microsoft.com/office/2006/metadata/properties" ma:root="true" ma:fieldsID="49549bf45bfbbfb6cffed527380e77e1" ns1:_="" ns2:_="" ns3:_="" ns4:_="">
     <xsd:import namespace="http://schemas.microsoft.com/sharepoint/v3"/>
@@ -13317,26 +12961,6 @@
 </ct:contentTypeSchema>
 </file>
 
-<file path=customXml/item2.xml><?xml version="1.0" encoding="utf-8"?>
-<p:properties xmlns:p="http://schemas.microsoft.com/office/2006/metadata/properties" xmlns:xsi="http://www.w3.org/2001/XMLSchema-instance" xmlns:pc="http://schemas.microsoft.com/office/infopath/2007/PartnerControls">
-  <documentManagement>
-    <_ip_UnifiedCompliancePolicyUIAction xmlns="http://schemas.microsoft.com/sharepoint/v3" xsi:nil="true"/>
-    <Image xmlns="71af3243-3dd4-4a8d-8c0d-dd76da1f02a5">
-      <Url xsi:nil="true"/>
-      <Description xsi:nil="true"/>
-    </Image>
-    <Status xmlns="71af3243-3dd4-4a8d-8c0d-dd76da1f02a5">Not started</Status>
-    <Background xmlns="71af3243-3dd4-4a8d-8c0d-dd76da1f02a5">false</Background>
-    <_ip_UnifiedCompliancePolicyProperties xmlns="http://schemas.microsoft.com/sharepoint/v3" xsi:nil="true"/>
-    <ImageTagsTaxHTField xmlns="71af3243-3dd4-4a8d-8c0d-dd76da1f02a5">
-      <Terms xmlns="http://schemas.microsoft.com/office/infopath/2007/PartnerControls"/>
-    </ImageTagsTaxHTField>
-    <TaxCatchAll xmlns="230e9df3-be65-4c73-a93b-d1236ebd677e" xsi:nil="true"/>
-    <MediaServiceKeyPoints xmlns="71af3243-3dd4-4a8d-8c0d-dd76da1f02a5" xsi:nil="true"/>
-  </documentManagement>
-</p:properties>
-</file>
-
 <file path=customXml/item3.xml><?xml version="1.0" encoding="utf-8"?>
 <?mso-contentType ?>
 <FormTemplates xmlns="http://schemas.microsoft.com/sharepoint/v3/contenttype/forms">
@@ -13347,6 +12971,18 @@
 </file>
 
 <file path=customXml/itemProps1.xml><?xml version="1.0" encoding="utf-8"?>
+<ds:datastoreItem xmlns:ds="http://schemas.openxmlformats.org/officeDocument/2006/customXml" ds:itemID="{411F98F7-6576-47F1-AD63-56E26C339747}">
+  <ds:schemaRefs>
+    <ds:schemaRef ds:uri="http://schemas.microsoft.com/office/2006/metadata/properties"/>
+    <ds:schemaRef ds:uri="http://schemas.microsoft.com/office/infopath/2007/PartnerControls"/>
+    <ds:schemaRef ds:uri="http://schemas.microsoft.com/sharepoint/v3"/>
+    <ds:schemaRef ds:uri="71af3243-3dd4-4a8d-8c0d-dd76da1f02a5"/>
+    <ds:schemaRef ds:uri="230e9df3-be65-4c73-a93b-d1236ebd677e"/>
+  </ds:schemaRefs>
+</ds:datastoreItem>
+</file>
+
+<file path=customXml/itemProps2.xml><?xml version="1.0" encoding="utf-8"?>
 <ds:datastoreItem xmlns:ds="http://schemas.openxmlformats.org/officeDocument/2006/customXml" ds:itemID="{5783CE7D-BFC6-4030-A335-E7F88DB66414}">
   <ds:schemaRefs>
     <ds:schemaRef ds:uri="http://schemas.microsoft.com/office/2006/metadata/contentType"/>
@@ -13367,18 +13003,6 @@
 </ds:datastoreItem>
 </file>
 
-<file path=customXml/itemProps2.xml><?xml version="1.0" encoding="utf-8"?>
-<ds:datastoreItem xmlns:ds="http://schemas.openxmlformats.org/officeDocument/2006/customXml" ds:itemID="{411F98F7-6576-47F1-AD63-56E26C339747}">
-  <ds:schemaRefs>
-    <ds:schemaRef ds:uri="http://schemas.microsoft.com/office/2006/metadata/properties"/>
-    <ds:schemaRef ds:uri="http://schemas.microsoft.com/office/infopath/2007/PartnerControls"/>
-    <ds:schemaRef ds:uri="http://schemas.microsoft.com/sharepoint/v3"/>
-    <ds:schemaRef ds:uri="71af3243-3dd4-4a8d-8c0d-dd76da1f02a5"/>
-    <ds:schemaRef ds:uri="230e9df3-be65-4c73-a93b-d1236ebd677e"/>
-  </ds:schemaRefs>
-</ds:datastoreItem>
-</file>
-
 <file path=customXml/itemProps3.xml><?xml version="1.0" encoding="utf-8"?>
 <ds:datastoreItem xmlns:ds="http://schemas.openxmlformats.org/officeDocument/2006/customXml" ds:itemID="{25B4CAA5-BE7A-46AB-97ED-63B24C46A3A8}">
   <ds:schemaRefs>

--- a/CYB-690/Topic 2/Security Framework RCoon.pptx
+++ b/CYB-690/Topic 2/Security Framework RCoon.pptx
@@ -2850,7 +2850,7 @@
   <dgm:whole/>
   <dgm:extLst>
     <a:ext uri="http://schemas.microsoft.com/office/drawing/2008/diagram">
-      <dsp:dataModelExt xmlns:dsp="http://schemas.microsoft.com/office/drawing/2008/diagram" relId="rId6" minVer="http://schemas.openxmlformats.org/drawingml/2006/diagram"/>
+      <dsp:dataModelExt xmlns:dsp="http://schemas.microsoft.com/office/drawing/2008/diagram" relId="rId7" minVer="http://schemas.openxmlformats.org/drawingml/2006/diagram"/>
     </a:ext>
   </dgm:extLst>
 </dgm:dataModel>
@@ -3270,7 +3270,7 @@
   <dgm:whole/>
   <dgm:extLst>
     <a:ext uri="http://schemas.microsoft.com/office/drawing/2008/diagram">
-      <dsp:dataModelExt xmlns:dsp="http://schemas.microsoft.com/office/drawing/2008/diagram" relId="rId6" minVer="http://schemas.openxmlformats.org/drawingml/2006/diagram"/>
+      <dsp:dataModelExt xmlns:dsp="http://schemas.microsoft.com/office/drawing/2008/diagram" relId="rId7" minVer="http://schemas.openxmlformats.org/drawingml/2006/diagram"/>
     </a:ext>
   </dgm:extLst>
 </dgm:dataModel>
@@ -3298,7 +3298,7 @@
         <a:lstStyle/>
         <a:p>
           <a:r>
-            <a:rPr lang="en-US"/>
+            <a:rPr lang="en-US" dirty="0"/>
             <a:t>Prioritize Controls: Based on the risk assessment and regulatory mapping, prioritize the implementation of controls that address the highest risks and most critical compliance requirements. For example:</a:t>
           </a:r>
         </a:p>
@@ -3442,7 +3442,7 @@
         <a:lstStyle/>
         <a:p>
           <a:r>
-            <a:rPr lang="en-US"/>
+            <a:rPr lang="en-US" dirty="0"/>
             <a:t>Leverage Frameworks: Use NIST CSF and ISO 27001 as overarching management systems to ensure a structured, continuous approach. These frameworks help organize the implementation of specific controls required by PCI DSS, HIPAA, SOX, and GLBA.</a:t>
           </a:r>
         </a:p>
@@ -3478,7 +3478,7 @@
         <a:lstStyle/>
         <a:p>
           <a:r>
-            <a:rPr lang="en-US"/>
+            <a:rPr lang="en-US" dirty="0"/>
             <a:t>Continuous Monitoring and Improvement: Establish processes for ongoing monitoring of compliance and security posture, and for continuously improving the cybersecurity program based on new threats, regulatory changes, and business needs.</a:t>
           </a:r>
         </a:p>
@@ -3884,7 +3884,7 @@
   <dgm:whole/>
   <dgm:extLst>
     <a:ext uri="http://schemas.microsoft.com/office/drawing/2008/diagram">
-      <dsp:dataModelExt xmlns:dsp="http://schemas.microsoft.com/office/drawing/2008/diagram" relId="rId6" minVer="http://schemas.openxmlformats.org/drawingml/2006/diagram"/>
+      <dsp:dataModelExt xmlns:dsp="http://schemas.microsoft.com/office/drawing/2008/diagram" relId="rId7" minVer="http://schemas.openxmlformats.org/drawingml/2006/diagram"/>
     </a:ext>
   </dgm:extLst>
 </dgm:dataModel>
@@ -5128,7 +5128,7 @@
             <a:buNone/>
           </a:pPr>
           <a:r>
-            <a:rPr lang="en-US" sz="1400" kern="1200"/>
+            <a:rPr lang="en-US" sz="1400" kern="1200" dirty="0"/>
             <a:t>Prioritize Controls: Based on the risk assessment and regulatory mapping, prioritize the implementation of controls that address the highest risks and most critical compliance requirements. For example:</a:t>
           </a:r>
         </a:p>
@@ -5736,7 +5736,7 @@
             <a:buNone/>
           </a:pPr>
           <a:r>
-            <a:rPr lang="en-US" sz="1400" kern="1200"/>
+            <a:rPr lang="en-US" sz="1400" kern="1200" dirty="0"/>
             <a:t>Leverage Frameworks: Use NIST CSF and ISO 27001 as overarching management systems to ensure a structured, continuous approach. These frameworks help organize the implementation of specific controls required by PCI DSS, HIPAA, SOX, and GLBA.</a:t>
           </a:r>
         </a:p>
@@ -5888,7 +5888,7 @@
             <a:buNone/>
           </a:pPr>
           <a:r>
-            <a:rPr lang="en-US" sz="1400" kern="1200"/>
+            <a:rPr lang="en-US" sz="1400" kern="1200" dirty="0"/>
             <a:t>Continuous Monitoring and Improvement: Establish processes for ongoing monitoring of compliance and security posture, and for continuously improving the cybersecurity program based on new threats, regulatory changes, and business needs.</a:t>
           </a:r>
         </a:p>
@@ -9980,7 +9980,7 @@
           <a:p>
             <a:fld id="{83433F7E-3633-4FA3-974D-CA21FB24834F}" type="datetimeFigureOut">
               <a:rPr lang="en-US" smtClean="0"/>
-              <a:t>9/10/2025</a:t>
+              <a:t>9/19/2025</a:t>
             </a:fld>
             <a:endParaRPr lang="en-US"/>
           </a:p>
@@ -10157,7 +10157,7 @@
           <a:p>
             <a:fld id="{D945F7B4-7442-4021-9F1E-8BC3C363C892}" type="datetimeFigureOut">
               <a:rPr lang="en-US" noProof="0" smtClean="0"/>
-              <a:t>9/10/2025</a:t>
+              <a:t>9/19/2025</a:t>
             </a:fld>
             <a:endParaRPr lang="en-US" noProof="0" dirty="0"/>
           </a:p>
@@ -10508,6 +10508,1889 @@
 </p:notes>
 </file>
 
+<file path=ppt/notesSlides/notesSlide10.xml><?xml version="1.0" encoding="utf-8"?>
+<p:notes xmlns:a="http://schemas.openxmlformats.org/drawingml/2006/main" xmlns:r="http://schemas.openxmlformats.org/officeDocument/2006/relationships" xmlns:p="http://schemas.openxmlformats.org/presentationml/2006/main">
+  <p:cSld>
+    <p:spTree>
+      <p:nvGrpSpPr>
+        <p:cNvPr id="1" name=""/>
+        <p:cNvGrpSpPr/>
+        <p:nvPr/>
+      </p:nvGrpSpPr>
+      <p:grpSpPr>
+        <a:xfrm>
+          <a:off x="0" y="0"/>
+          <a:ext cx="0" cy="0"/>
+          <a:chOff x="0" y="0"/>
+          <a:chExt cx="0" cy="0"/>
+        </a:xfrm>
+      </p:grpSpPr>
+      <p:sp>
+        <p:nvSpPr>
+          <p:cNvPr id="2" name="Slide Image Placeholder 1"/>
+          <p:cNvSpPr>
+            <a:spLocks noGrp="1" noRot="1" noChangeAspect="1"/>
+          </p:cNvSpPr>
+          <p:nvPr>
+            <p:ph type="sldImg"/>
+          </p:nvPr>
+        </p:nvSpPr>
+        <p:spPr/>
+      </p:sp>
+      <p:sp>
+        <p:nvSpPr>
+          <p:cNvPr id="3" name="Notes Placeholder 2"/>
+          <p:cNvSpPr>
+            <a:spLocks noGrp="1"/>
+          </p:cNvSpPr>
+          <p:nvPr>
+            <p:ph type="body" idx="1"/>
+          </p:nvPr>
+        </p:nvSpPr>
+        <p:spPr/>
+        <p:txBody>
+          <a:bodyPr/>
+          <a:lstStyle/>
+          <a:p>
+            <a:r>
+              <a:rPr lang="en-US" sz="1200" kern="1200" dirty="0">
+                <a:solidFill>
+                  <a:schemeClr val="tx1"/>
+                </a:solidFill>
+                <a:effectLst/>
+                <a:latin typeface="+mn-lt"/>
+                <a:ea typeface="+mn-ea"/>
+                <a:cs typeface="+mn-cs"/>
+              </a:rPr>
+              <a:t>CSF 2.0 for Compliance &amp; Constraints</a:t>
+            </a:r>
+          </a:p>
+          <a:p>
+            <a:pPr lvl="0"/>
+            <a:r>
+              <a:rPr lang="en-US" sz="1200" kern="1200" dirty="0">
+                <a:solidFill>
+                  <a:schemeClr val="tx1"/>
+                </a:solidFill>
+                <a:effectLst/>
+                <a:latin typeface="+mn-lt"/>
+                <a:ea typeface="+mn-ea"/>
+                <a:cs typeface="+mn-cs"/>
+              </a:rPr>
+              <a:t>Integrates Compliance: RC Cybersecurity's risk management includes legal/regulatory compliance (e.g., data privacy) using CSF 2.0.</a:t>
+            </a:r>
+          </a:p>
+          <a:p>
+            <a:pPr lvl="0"/>
+            <a:r>
+              <a:rPr lang="en-US" sz="1200" kern="1200" dirty="0">
+                <a:solidFill>
+                  <a:schemeClr val="tx1"/>
+                </a:solidFill>
+                <a:effectLst/>
+                <a:latin typeface="+mn-lt"/>
+                <a:ea typeface="+mn-ea"/>
+                <a:cs typeface="+mn-cs"/>
+              </a:rPr>
+              <a:t>Addresses Constraints: Accounts for budget, expertise, and existing tech.</a:t>
+            </a:r>
+          </a:p>
+          <a:p>
+            <a:pPr lvl="0"/>
+            <a:r>
+              <a:rPr lang="en-US" sz="1200" kern="1200" dirty="0">
+                <a:solidFill>
+                  <a:schemeClr val="tx1"/>
+                </a:solidFill>
+                <a:effectLst/>
+                <a:latin typeface="+mn-lt"/>
+                <a:ea typeface="+mn-ea"/>
+                <a:cs typeface="+mn-cs"/>
+              </a:rPr>
+              <a:t>Flexible Implementation: CSF 2.0 allows tailoring to operational realities, prioritizing controls based on risk and resources.</a:t>
+            </a:r>
+          </a:p>
+          <a:p>
+            <a:pPr lvl="0"/>
+            <a:r>
+              <a:rPr lang="en-US" sz="1200" kern="1200" dirty="0">
+                <a:solidFill>
+                  <a:schemeClr val="tx1"/>
+                </a:solidFill>
+                <a:effectLst/>
+                <a:latin typeface="+mn-lt"/>
+                <a:ea typeface="+mn-ea"/>
+                <a:cs typeface="+mn-cs"/>
+              </a:rPr>
+              <a:t>Maturity Guidance: Uses CSF 2.0's tiered approach for continuous improvement.</a:t>
+            </a:r>
+          </a:p>
+          <a:p>
+            <a:endParaRPr lang="en-US" dirty="0"/>
+          </a:p>
+        </p:txBody>
+      </p:sp>
+      <p:sp>
+        <p:nvSpPr>
+          <p:cNvPr id="4" name="Slide Number Placeholder 3"/>
+          <p:cNvSpPr>
+            <a:spLocks noGrp="1"/>
+          </p:cNvSpPr>
+          <p:nvPr>
+            <p:ph type="sldNum" sz="quarter" idx="5"/>
+          </p:nvPr>
+        </p:nvSpPr>
+        <p:spPr/>
+        <p:txBody>
+          <a:bodyPr/>
+          <a:lstStyle/>
+          <a:p>
+            <a:fld id="{DECDE012-9E2E-4477-8B5C-4E7D4E9BCBA6}" type="slidenum">
+              <a:rPr lang="en-US" noProof="0" smtClean="0"/>
+              <a:t>10</a:t>
+            </a:fld>
+            <a:endParaRPr lang="en-US" noProof="0" dirty="0"/>
+          </a:p>
+        </p:txBody>
+      </p:sp>
+    </p:spTree>
+    <p:extLst>
+      <p:ext uri="{BB962C8B-B14F-4D97-AF65-F5344CB8AC3E}">
+        <p14:creationId xmlns:p14="http://schemas.microsoft.com/office/powerpoint/2010/main" val="2471530550"/>
+      </p:ext>
+    </p:extLst>
+  </p:cSld>
+  <p:clrMapOvr>
+    <a:masterClrMapping/>
+  </p:clrMapOvr>
+</p:notes>
+</file>
+
+<file path=ppt/notesSlides/notesSlide11.xml><?xml version="1.0" encoding="utf-8"?>
+<p:notes xmlns:a="http://schemas.openxmlformats.org/drawingml/2006/main" xmlns:r="http://schemas.openxmlformats.org/officeDocument/2006/relationships" xmlns:p="http://schemas.openxmlformats.org/presentationml/2006/main">
+  <p:cSld>
+    <p:spTree>
+      <p:nvGrpSpPr>
+        <p:cNvPr id="1" name=""/>
+        <p:cNvGrpSpPr/>
+        <p:nvPr/>
+      </p:nvGrpSpPr>
+      <p:grpSpPr>
+        <a:xfrm>
+          <a:off x="0" y="0"/>
+          <a:ext cx="0" cy="0"/>
+          <a:chOff x="0" y="0"/>
+          <a:chExt cx="0" cy="0"/>
+        </a:xfrm>
+      </p:grpSpPr>
+      <p:sp>
+        <p:nvSpPr>
+          <p:cNvPr id="2" name="Slide Image Placeholder 1"/>
+          <p:cNvSpPr>
+            <a:spLocks noGrp="1" noRot="1" noChangeAspect="1"/>
+          </p:cNvSpPr>
+          <p:nvPr>
+            <p:ph type="sldImg"/>
+          </p:nvPr>
+        </p:nvSpPr>
+        <p:spPr/>
+      </p:sp>
+      <p:sp>
+        <p:nvSpPr>
+          <p:cNvPr id="3" name="Notes Placeholder 2"/>
+          <p:cNvSpPr>
+            <a:spLocks noGrp="1"/>
+          </p:cNvSpPr>
+          <p:nvPr>
+            <p:ph type="body" idx="1"/>
+          </p:nvPr>
+        </p:nvSpPr>
+        <p:spPr/>
+        <p:txBody>
+          <a:bodyPr/>
+          <a:lstStyle/>
+          <a:p>
+            <a:r>
+              <a:rPr lang="en-US" sz="1200" kern="1200" dirty="0">
+                <a:solidFill>
+                  <a:schemeClr val="tx1"/>
+                </a:solidFill>
+                <a:effectLst/>
+                <a:latin typeface="+mn-lt"/>
+                <a:ea typeface="+mn-ea"/>
+                <a:cs typeface="+mn-cs"/>
+              </a:rPr>
+              <a:t> </a:t>
+            </a:r>
+          </a:p>
+          <a:p>
+            <a:pPr lvl="0"/>
+            <a:r>
+              <a:rPr lang="en-US" sz="1200" kern="1200" dirty="0">
+                <a:solidFill>
+                  <a:schemeClr val="tx1"/>
+                </a:solidFill>
+                <a:effectLst/>
+                <a:latin typeface="+mn-lt"/>
+                <a:ea typeface="+mn-ea"/>
+                <a:cs typeface="+mn-cs"/>
+              </a:rPr>
+              <a:t>Purpose: Best practices and frameworks are blueprints for our cybersecurity program.</a:t>
+            </a:r>
+          </a:p>
+          <a:p>
+            <a:pPr lvl="0"/>
+            <a:r>
+              <a:rPr lang="en-US" sz="1200" kern="1200" dirty="0">
+                <a:solidFill>
+                  <a:schemeClr val="tx1"/>
+                </a:solidFill>
+                <a:effectLst/>
+                <a:latin typeface="+mn-lt"/>
+                <a:ea typeface="+mn-ea"/>
+                <a:cs typeface="+mn-cs"/>
+              </a:rPr>
+              <a:t>Our Choice: RC Cybersecurity adopts NIST CSF 2.0.</a:t>
+            </a:r>
+          </a:p>
+          <a:p>
+            <a:pPr lvl="0"/>
+            <a:r>
+              <a:rPr lang="en-US" sz="1200" kern="1200" dirty="0">
+                <a:solidFill>
+                  <a:schemeClr val="tx1"/>
+                </a:solidFill>
+                <a:effectLst/>
+                <a:latin typeface="+mn-lt"/>
+                <a:ea typeface="+mn-ea"/>
+                <a:cs typeface="+mn-cs"/>
+              </a:rPr>
+              <a:t>Benefit: Provides a structured, systematic approach to managing cybersecurity risk.</a:t>
+            </a:r>
+          </a:p>
+          <a:p>
+            <a:r>
+              <a:rPr lang="en-US" sz="1200" kern="1200" dirty="0">
+                <a:solidFill>
+                  <a:schemeClr val="tx1"/>
+                </a:solidFill>
+                <a:effectLst/>
+                <a:latin typeface="+mn-lt"/>
+                <a:ea typeface="+mn-ea"/>
+                <a:cs typeface="+mn-cs"/>
+              </a:rPr>
+              <a:t> </a:t>
+            </a:r>
+          </a:p>
+          <a:p>
+            <a:endParaRPr lang="en-US" dirty="0"/>
+          </a:p>
+        </p:txBody>
+      </p:sp>
+      <p:sp>
+        <p:nvSpPr>
+          <p:cNvPr id="4" name="Slide Number Placeholder 3"/>
+          <p:cNvSpPr>
+            <a:spLocks noGrp="1"/>
+          </p:cNvSpPr>
+          <p:nvPr>
+            <p:ph type="sldNum" sz="quarter" idx="5"/>
+          </p:nvPr>
+        </p:nvSpPr>
+        <p:spPr/>
+        <p:txBody>
+          <a:bodyPr/>
+          <a:lstStyle/>
+          <a:p>
+            <a:fld id="{DECDE012-9E2E-4477-8B5C-4E7D4E9BCBA6}" type="slidenum">
+              <a:rPr lang="en-US" noProof="0" smtClean="0"/>
+              <a:t>11</a:t>
+            </a:fld>
+            <a:endParaRPr lang="en-US" noProof="0" dirty="0"/>
+          </a:p>
+        </p:txBody>
+      </p:sp>
+    </p:spTree>
+    <p:extLst>
+      <p:ext uri="{BB962C8B-B14F-4D97-AF65-F5344CB8AC3E}">
+        <p14:creationId xmlns:p14="http://schemas.microsoft.com/office/powerpoint/2010/main" val="1962911285"/>
+      </p:ext>
+    </p:extLst>
+  </p:cSld>
+  <p:clrMapOvr>
+    <a:masterClrMapping/>
+  </p:clrMapOvr>
+</p:notes>
+</file>
+
+<file path=ppt/notesSlides/notesSlide12.xml><?xml version="1.0" encoding="utf-8"?>
+<p:notes xmlns:a="http://schemas.openxmlformats.org/drawingml/2006/main" xmlns:r="http://schemas.openxmlformats.org/officeDocument/2006/relationships" xmlns:p="http://schemas.openxmlformats.org/presentationml/2006/main">
+  <p:cSld>
+    <p:spTree>
+      <p:nvGrpSpPr>
+        <p:cNvPr id="1" name=""/>
+        <p:cNvGrpSpPr/>
+        <p:nvPr/>
+      </p:nvGrpSpPr>
+      <p:grpSpPr>
+        <a:xfrm>
+          <a:off x="0" y="0"/>
+          <a:ext cx="0" cy="0"/>
+          <a:chOff x="0" y="0"/>
+          <a:chExt cx="0" cy="0"/>
+        </a:xfrm>
+      </p:grpSpPr>
+      <p:sp>
+        <p:nvSpPr>
+          <p:cNvPr id="2" name="Slide Image Placeholder 1"/>
+          <p:cNvSpPr>
+            <a:spLocks noGrp="1" noRot="1" noChangeAspect="1"/>
+          </p:cNvSpPr>
+          <p:nvPr>
+            <p:ph type="sldImg"/>
+          </p:nvPr>
+        </p:nvSpPr>
+        <p:spPr/>
+      </p:sp>
+      <p:sp>
+        <p:nvSpPr>
+          <p:cNvPr id="3" name="Notes Placeholder 2"/>
+          <p:cNvSpPr>
+            <a:spLocks noGrp="1"/>
+          </p:cNvSpPr>
+          <p:nvPr>
+            <p:ph type="body" idx="1"/>
+          </p:nvPr>
+        </p:nvSpPr>
+        <p:spPr/>
+        <p:txBody>
+          <a:bodyPr/>
+          <a:lstStyle/>
+          <a:p>
+            <a:pPr lvl="0"/>
+            <a:r>
+              <a:rPr lang="en-US" sz="1200" kern="1200" dirty="0">
+                <a:solidFill>
+                  <a:schemeClr val="tx1"/>
+                </a:solidFill>
+                <a:effectLst/>
+                <a:latin typeface="+mn-lt"/>
+                <a:ea typeface="+mn-ea"/>
+                <a:cs typeface="+mn-cs"/>
+              </a:rPr>
+              <a:t>Why Frameworks? NIST CSF 2.0 gives RC Cybersecurity a structured, risk-based approach.</a:t>
+            </a:r>
+          </a:p>
+          <a:p>
+            <a:pPr lvl="0"/>
+            <a:r>
+              <a:rPr lang="en-US" sz="1200" kern="1200" dirty="0">
+                <a:solidFill>
+                  <a:schemeClr val="tx1"/>
+                </a:solidFill>
+                <a:effectLst/>
+                <a:latin typeface="+mn-lt"/>
+                <a:ea typeface="+mn-ea"/>
+                <a:cs typeface="+mn-cs"/>
+              </a:rPr>
+              <a:t>Key Benefits:</a:t>
+            </a:r>
+          </a:p>
+          <a:p>
+            <a:pPr lvl="1"/>
+            <a:r>
+              <a:rPr lang="en-US" sz="1200" kern="1200" dirty="0">
+                <a:solidFill>
+                  <a:schemeClr val="tx1"/>
+                </a:solidFill>
+                <a:effectLst/>
+                <a:latin typeface="+mn-lt"/>
+                <a:ea typeface="+mn-ea"/>
+                <a:cs typeface="+mn-cs"/>
+              </a:rPr>
+              <a:t>Common language &amp; best practices.</a:t>
+            </a:r>
+          </a:p>
+          <a:p>
+            <a:pPr lvl="1"/>
+            <a:r>
+              <a:rPr lang="en-US" sz="1200" kern="1200" dirty="0">
+                <a:solidFill>
+                  <a:schemeClr val="tx1"/>
+                </a:solidFill>
+                <a:effectLst/>
+                <a:latin typeface="+mn-lt"/>
+                <a:ea typeface="+mn-ea"/>
+                <a:cs typeface="+mn-cs"/>
+              </a:rPr>
+              <a:t>Prioritizes investments based on assets/threats.</a:t>
+            </a:r>
+          </a:p>
+          <a:p>
+            <a:pPr lvl="1"/>
+            <a:r>
+              <a:rPr lang="en-US" sz="1200" kern="1200" dirty="0">
+                <a:solidFill>
+                  <a:schemeClr val="tx1"/>
+                </a:solidFill>
+                <a:effectLst/>
+                <a:latin typeface="+mn-lt"/>
+                <a:ea typeface="+mn-ea"/>
+                <a:cs typeface="+mn-cs"/>
+              </a:rPr>
+              <a:t>Scalable, adaptable, aids compliance.</a:t>
+            </a:r>
+          </a:p>
+          <a:p>
+            <a:pPr lvl="1"/>
+            <a:r>
+              <a:rPr lang="en-US" sz="1200" kern="1200" dirty="0">
+                <a:solidFill>
+                  <a:schemeClr val="tx1"/>
+                </a:solidFill>
+                <a:effectLst/>
+                <a:latin typeface="+mn-lt"/>
+                <a:ea typeface="+mn-ea"/>
+                <a:cs typeface="+mn-cs"/>
+              </a:rPr>
+              <a:t>Guides workforce development.</a:t>
+            </a:r>
+          </a:p>
+          <a:p>
+            <a:pPr lvl="0"/>
+            <a:r>
+              <a:rPr lang="en-US" sz="1200" kern="1200" dirty="0">
+                <a:solidFill>
+                  <a:schemeClr val="tx1"/>
+                </a:solidFill>
+                <a:effectLst/>
+                <a:latin typeface="+mn-lt"/>
+                <a:ea typeface="+mn-ea"/>
+                <a:cs typeface="+mn-cs"/>
+              </a:rPr>
+              <a:t>Overall Goal: Ensures a robust, well-managed security program.</a:t>
+            </a:r>
+          </a:p>
+          <a:p>
+            <a:r>
+              <a:rPr lang="en-US" sz="1200" kern="1200" dirty="0">
+                <a:solidFill>
+                  <a:schemeClr val="tx1"/>
+                </a:solidFill>
+                <a:effectLst/>
+                <a:latin typeface="+mn-lt"/>
+                <a:ea typeface="+mn-ea"/>
+                <a:cs typeface="+mn-cs"/>
+              </a:rPr>
+              <a:t> </a:t>
+            </a:r>
+          </a:p>
+          <a:p>
+            <a:endParaRPr lang="en-US" dirty="0"/>
+          </a:p>
+        </p:txBody>
+      </p:sp>
+      <p:sp>
+        <p:nvSpPr>
+          <p:cNvPr id="4" name="Slide Number Placeholder 3"/>
+          <p:cNvSpPr>
+            <a:spLocks noGrp="1"/>
+          </p:cNvSpPr>
+          <p:nvPr>
+            <p:ph type="sldNum" sz="quarter" idx="5"/>
+          </p:nvPr>
+        </p:nvSpPr>
+        <p:spPr/>
+        <p:txBody>
+          <a:bodyPr/>
+          <a:lstStyle/>
+          <a:p>
+            <a:fld id="{DECDE012-9E2E-4477-8B5C-4E7D4E9BCBA6}" type="slidenum">
+              <a:rPr lang="en-US" noProof="0" smtClean="0"/>
+              <a:t>12</a:t>
+            </a:fld>
+            <a:endParaRPr lang="en-US" noProof="0" dirty="0"/>
+          </a:p>
+        </p:txBody>
+      </p:sp>
+    </p:spTree>
+    <p:extLst>
+      <p:ext uri="{BB962C8B-B14F-4D97-AF65-F5344CB8AC3E}">
+        <p14:creationId xmlns:p14="http://schemas.microsoft.com/office/powerpoint/2010/main" val="1162470109"/>
+      </p:ext>
+    </p:extLst>
+  </p:cSld>
+  <p:clrMapOvr>
+    <a:masterClrMapping/>
+  </p:clrMapOvr>
+</p:notes>
+</file>
+
+<file path=ppt/notesSlides/notesSlide13.xml><?xml version="1.0" encoding="utf-8"?>
+<p:notes xmlns:a="http://schemas.openxmlformats.org/drawingml/2006/main" xmlns:r="http://schemas.openxmlformats.org/officeDocument/2006/relationships" xmlns:p="http://schemas.openxmlformats.org/presentationml/2006/main">
+  <p:cSld>
+    <p:spTree>
+      <p:nvGrpSpPr>
+        <p:cNvPr id="1" name=""/>
+        <p:cNvGrpSpPr/>
+        <p:nvPr/>
+      </p:nvGrpSpPr>
+      <p:grpSpPr>
+        <a:xfrm>
+          <a:off x="0" y="0"/>
+          <a:ext cx="0" cy="0"/>
+          <a:chOff x="0" y="0"/>
+          <a:chExt cx="0" cy="0"/>
+        </a:xfrm>
+      </p:grpSpPr>
+      <p:sp>
+        <p:nvSpPr>
+          <p:cNvPr id="2" name="Slide Image Placeholder 1"/>
+          <p:cNvSpPr>
+            <a:spLocks noGrp="1" noRot="1" noChangeAspect="1"/>
+          </p:cNvSpPr>
+          <p:nvPr>
+            <p:ph type="sldImg"/>
+          </p:nvPr>
+        </p:nvSpPr>
+        <p:spPr/>
+      </p:sp>
+      <p:sp>
+        <p:nvSpPr>
+          <p:cNvPr id="3" name="Notes Placeholder 2"/>
+          <p:cNvSpPr>
+            <a:spLocks noGrp="1"/>
+          </p:cNvSpPr>
+          <p:nvPr>
+            <p:ph type="body" idx="1"/>
+          </p:nvPr>
+        </p:nvSpPr>
+        <p:spPr/>
+        <p:txBody>
+          <a:bodyPr/>
+          <a:lstStyle/>
+          <a:p>
+            <a:r>
+              <a:rPr lang="en-US" sz="1200" kern="1200" dirty="0">
+                <a:solidFill>
+                  <a:schemeClr val="tx1"/>
+                </a:solidFill>
+                <a:effectLst/>
+                <a:latin typeface="+mn-lt"/>
+                <a:ea typeface="+mn-ea"/>
+                <a:cs typeface="+mn-cs"/>
+              </a:rPr>
+              <a:t>Key Elements to Consider (NIST CSF Functions):</a:t>
+            </a:r>
+          </a:p>
+          <a:p>
+            <a:pPr lvl="0"/>
+            <a:r>
+              <a:rPr lang="en-US" sz="1200" kern="1200" dirty="0">
+                <a:solidFill>
+                  <a:schemeClr val="tx1"/>
+                </a:solidFill>
+                <a:effectLst/>
+                <a:latin typeface="+mn-lt"/>
+                <a:ea typeface="+mn-ea"/>
+                <a:cs typeface="+mn-cs"/>
+              </a:rPr>
+              <a:t>Identify: Understand our business, assets, and risks.</a:t>
+            </a:r>
+          </a:p>
+          <a:p>
+            <a:pPr lvl="0"/>
+            <a:r>
+              <a:rPr lang="en-US" sz="1200" kern="1200" dirty="0">
+                <a:solidFill>
+                  <a:schemeClr val="tx1"/>
+                </a:solidFill>
+                <a:effectLst/>
+                <a:latin typeface="+mn-lt"/>
+                <a:ea typeface="+mn-ea"/>
+                <a:cs typeface="+mn-cs"/>
+              </a:rPr>
+              <a:t>Protect: Implement safeguards for critical services and data.</a:t>
+            </a:r>
+          </a:p>
+          <a:p>
+            <a:pPr lvl="0"/>
+            <a:r>
+              <a:rPr lang="en-US" sz="1200" kern="1200" dirty="0">
+                <a:solidFill>
+                  <a:schemeClr val="tx1"/>
+                </a:solidFill>
+                <a:effectLst/>
+                <a:latin typeface="+mn-lt"/>
+                <a:ea typeface="+mn-ea"/>
+                <a:cs typeface="+mn-cs"/>
+              </a:rPr>
+              <a:t>Detect: Develop capabilities to spot cybersecurity events.</a:t>
+            </a:r>
+          </a:p>
+          <a:p>
+            <a:pPr lvl="0"/>
+            <a:r>
+              <a:rPr lang="en-US" sz="1200" kern="1200" dirty="0">
+                <a:solidFill>
+                  <a:schemeClr val="tx1"/>
+                </a:solidFill>
+                <a:effectLst/>
+                <a:latin typeface="+mn-lt"/>
+                <a:ea typeface="+mn-ea"/>
+                <a:cs typeface="+mn-cs"/>
+              </a:rPr>
+              <a:t>Respond: Plan and execute actions for detected incidents.</a:t>
+            </a:r>
+          </a:p>
+          <a:p>
+            <a:pPr lvl="0"/>
+            <a:r>
+              <a:rPr lang="en-US" sz="1200" kern="1200" dirty="0">
+                <a:solidFill>
+                  <a:schemeClr val="tx1"/>
+                </a:solidFill>
+                <a:effectLst/>
+                <a:latin typeface="+mn-lt"/>
+                <a:ea typeface="+mn-ea"/>
+                <a:cs typeface="+mn-cs"/>
+              </a:rPr>
+              <a:t>Recover: Ensure resilience and restore operations after an incident.</a:t>
+            </a:r>
+          </a:p>
+          <a:p>
+            <a:r>
+              <a:rPr lang="en-US" sz="1200" kern="1200" dirty="0">
+                <a:solidFill>
+                  <a:schemeClr val="tx1"/>
+                </a:solidFill>
+                <a:effectLst/>
+                <a:latin typeface="+mn-lt"/>
+                <a:ea typeface="+mn-ea"/>
+                <a:cs typeface="+mn-cs"/>
+              </a:rPr>
+              <a:t>Overall Goal:</a:t>
+            </a:r>
+          </a:p>
+          <a:p>
+            <a:pPr lvl="0"/>
+            <a:r>
+              <a:rPr lang="en-US" sz="1200" kern="1200" dirty="0">
+                <a:solidFill>
+                  <a:schemeClr val="tx1"/>
+                </a:solidFill>
+                <a:effectLst/>
+                <a:latin typeface="+mn-lt"/>
+                <a:ea typeface="+mn-ea"/>
+                <a:cs typeface="+mn-cs"/>
+              </a:rPr>
+              <a:t>By consistently using these frameworks, RC Cybersecurity builds a dynamic, effective, and resilient program that proactively defends against threats and supports our business goals.</a:t>
+            </a:r>
+          </a:p>
+          <a:p>
+            <a:r>
+              <a:rPr lang="en-US" sz="1200" kern="1200" dirty="0">
+                <a:solidFill>
+                  <a:schemeClr val="tx1"/>
+                </a:solidFill>
+                <a:effectLst/>
+                <a:latin typeface="+mn-lt"/>
+                <a:ea typeface="+mn-ea"/>
+                <a:cs typeface="+mn-cs"/>
+              </a:rPr>
+              <a:t> </a:t>
+            </a:r>
+          </a:p>
+          <a:p>
+            <a:endParaRPr lang="en-US" dirty="0"/>
+          </a:p>
+        </p:txBody>
+      </p:sp>
+      <p:sp>
+        <p:nvSpPr>
+          <p:cNvPr id="4" name="Slide Number Placeholder 3"/>
+          <p:cNvSpPr>
+            <a:spLocks noGrp="1"/>
+          </p:cNvSpPr>
+          <p:nvPr>
+            <p:ph type="sldNum" sz="quarter" idx="5"/>
+          </p:nvPr>
+        </p:nvSpPr>
+        <p:spPr/>
+        <p:txBody>
+          <a:bodyPr/>
+          <a:lstStyle/>
+          <a:p>
+            <a:fld id="{DECDE012-9E2E-4477-8B5C-4E7D4E9BCBA6}" type="slidenum">
+              <a:rPr lang="en-US" noProof="0" smtClean="0"/>
+              <a:t>13</a:t>
+            </a:fld>
+            <a:endParaRPr lang="en-US" noProof="0" dirty="0"/>
+          </a:p>
+        </p:txBody>
+      </p:sp>
+    </p:spTree>
+    <p:extLst>
+      <p:ext uri="{BB962C8B-B14F-4D97-AF65-F5344CB8AC3E}">
+        <p14:creationId xmlns:p14="http://schemas.microsoft.com/office/powerpoint/2010/main" val="1816840957"/>
+      </p:ext>
+    </p:extLst>
+  </p:cSld>
+  <p:clrMapOvr>
+    <a:masterClrMapping/>
+  </p:clrMapOvr>
+</p:notes>
+</file>
+
+<file path=ppt/notesSlides/notesSlide14.xml><?xml version="1.0" encoding="utf-8"?>
+<p:notes xmlns:a="http://schemas.openxmlformats.org/drawingml/2006/main" xmlns:r="http://schemas.openxmlformats.org/officeDocument/2006/relationships" xmlns:p="http://schemas.openxmlformats.org/presentationml/2006/main">
+  <p:cSld>
+    <p:spTree>
+      <p:nvGrpSpPr>
+        <p:cNvPr id="1" name=""/>
+        <p:cNvGrpSpPr/>
+        <p:nvPr/>
+      </p:nvGrpSpPr>
+      <p:grpSpPr>
+        <a:xfrm>
+          <a:off x="0" y="0"/>
+          <a:ext cx="0" cy="0"/>
+          <a:chOff x="0" y="0"/>
+          <a:chExt cx="0" cy="0"/>
+        </a:xfrm>
+      </p:grpSpPr>
+      <p:sp>
+        <p:nvSpPr>
+          <p:cNvPr id="2" name="Slide Image Placeholder 1"/>
+          <p:cNvSpPr>
+            <a:spLocks noGrp="1" noRot="1" noChangeAspect="1"/>
+          </p:cNvSpPr>
+          <p:nvPr>
+            <p:ph type="sldImg"/>
+          </p:nvPr>
+        </p:nvSpPr>
+        <p:spPr/>
+      </p:sp>
+      <p:sp>
+        <p:nvSpPr>
+          <p:cNvPr id="3" name="Notes Placeholder 2"/>
+          <p:cNvSpPr>
+            <a:spLocks noGrp="1"/>
+          </p:cNvSpPr>
+          <p:nvPr>
+            <p:ph type="body" idx="1"/>
+          </p:nvPr>
+        </p:nvSpPr>
+        <p:spPr/>
+        <p:txBody>
+          <a:bodyPr/>
+          <a:lstStyle/>
+          <a:p>
+            <a:pPr lvl="0"/>
+            <a:r>
+              <a:rPr lang="en-US" sz="1200" kern="1200" dirty="0">
+                <a:solidFill>
+                  <a:schemeClr val="tx1"/>
+                </a:solidFill>
+                <a:effectLst/>
+                <a:latin typeface="+mn-lt"/>
+                <a:ea typeface="+mn-ea"/>
+                <a:cs typeface="+mn-cs"/>
+              </a:rPr>
+              <a:t>Key Levels:</a:t>
+            </a:r>
+          </a:p>
+          <a:p>
+            <a:pPr lvl="1"/>
+            <a:r>
+              <a:rPr lang="en-US" sz="1200" kern="1200" dirty="0">
+                <a:solidFill>
+                  <a:schemeClr val="tx1"/>
+                </a:solidFill>
+                <a:effectLst/>
+                <a:latin typeface="+mn-lt"/>
+                <a:ea typeface="+mn-ea"/>
+                <a:cs typeface="+mn-cs"/>
+              </a:rPr>
+              <a:t>Executive: Sets strategy, approves budgets, manages risk.</a:t>
+            </a:r>
+          </a:p>
+          <a:p>
+            <a:pPr lvl="1"/>
+            <a:r>
+              <a:rPr lang="en-US" sz="1200" kern="1200" dirty="0">
+                <a:solidFill>
+                  <a:schemeClr val="tx1"/>
+                </a:solidFill>
+                <a:effectLst/>
+                <a:latin typeface="+mn-lt"/>
+                <a:ea typeface="+mn-ea"/>
+                <a:cs typeface="+mn-cs"/>
+              </a:rPr>
+              <a:t>Management: Implements strategy, oversees operations, coordinates teams.</a:t>
+            </a:r>
+          </a:p>
+          <a:p>
+            <a:pPr lvl="1"/>
+            <a:r>
+              <a:rPr lang="en-US" sz="1200" kern="1200" dirty="0">
+                <a:solidFill>
+                  <a:schemeClr val="tx1"/>
+                </a:solidFill>
+                <a:effectLst/>
+                <a:latin typeface="+mn-lt"/>
+                <a:ea typeface="+mn-ea"/>
+                <a:cs typeface="+mn-cs"/>
+              </a:rPr>
+              <a:t>Operational: Executes daily security tasks, monitors, responds to incidents.</a:t>
+            </a:r>
+          </a:p>
+          <a:p>
+            <a:pPr lvl="1"/>
+            <a:r>
+              <a:rPr lang="en-US" sz="1200" kern="1200" dirty="0">
+                <a:solidFill>
+                  <a:schemeClr val="tx1"/>
+                </a:solidFill>
+                <a:effectLst/>
+                <a:latin typeface="+mn-lt"/>
+                <a:ea typeface="+mn-ea"/>
+                <a:cs typeface="+mn-cs"/>
+              </a:rPr>
+              <a:t>Technical: Develops/maintains systems, conducts assessments, handles technical incidents.</a:t>
+            </a:r>
+          </a:p>
+          <a:p>
+            <a:pPr lvl="0"/>
+            <a:r>
+              <a:rPr lang="en-US" sz="1200" kern="1200" dirty="0">
+                <a:solidFill>
+                  <a:schemeClr val="tx1"/>
+                </a:solidFill>
+                <a:effectLst/>
+                <a:latin typeface="+mn-lt"/>
+                <a:ea typeface="+mn-ea"/>
+                <a:cs typeface="+mn-cs"/>
+              </a:rPr>
+              <a:t>Information Flow: Data moves up for decision-making, guidance flows down for execution.</a:t>
+            </a:r>
+          </a:p>
+          <a:p>
+            <a:endParaRPr lang="en-US" dirty="0"/>
+          </a:p>
+        </p:txBody>
+      </p:sp>
+      <p:sp>
+        <p:nvSpPr>
+          <p:cNvPr id="4" name="Slide Number Placeholder 3"/>
+          <p:cNvSpPr>
+            <a:spLocks noGrp="1"/>
+          </p:cNvSpPr>
+          <p:nvPr>
+            <p:ph type="sldNum" sz="quarter" idx="5"/>
+          </p:nvPr>
+        </p:nvSpPr>
+        <p:spPr/>
+        <p:txBody>
+          <a:bodyPr/>
+          <a:lstStyle/>
+          <a:p>
+            <a:fld id="{DECDE012-9E2E-4477-8B5C-4E7D4E9BCBA6}" type="slidenum">
+              <a:rPr lang="en-US" noProof="0" smtClean="0"/>
+              <a:t>14</a:t>
+            </a:fld>
+            <a:endParaRPr lang="en-US" noProof="0" dirty="0"/>
+          </a:p>
+        </p:txBody>
+      </p:sp>
+    </p:spTree>
+    <p:extLst>
+      <p:ext uri="{BB962C8B-B14F-4D97-AF65-F5344CB8AC3E}">
+        <p14:creationId xmlns:p14="http://schemas.microsoft.com/office/powerpoint/2010/main" val="1226872672"/>
+      </p:ext>
+    </p:extLst>
+  </p:cSld>
+  <p:clrMapOvr>
+    <a:masterClrMapping/>
+  </p:clrMapOvr>
+</p:notes>
+</file>
+
+<file path=ppt/notesSlides/notesSlide15.xml><?xml version="1.0" encoding="utf-8"?>
+<p:notes xmlns:a="http://schemas.openxmlformats.org/drawingml/2006/main" xmlns:r="http://schemas.openxmlformats.org/officeDocument/2006/relationships" xmlns:p="http://schemas.openxmlformats.org/presentationml/2006/main">
+  <p:cSld>
+    <p:spTree>
+      <p:nvGrpSpPr>
+        <p:cNvPr id="1" name=""/>
+        <p:cNvGrpSpPr/>
+        <p:nvPr/>
+      </p:nvGrpSpPr>
+      <p:grpSpPr>
+        <a:xfrm>
+          <a:off x="0" y="0"/>
+          <a:ext cx="0" cy="0"/>
+          <a:chOff x="0" y="0"/>
+          <a:chExt cx="0" cy="0"/>
+        </a:xfrm>
+      </p:grpSpPr>
+      <p:sp>
+        <p:nvSpPr>
+          <p:cNvPr id="2" name="Slide Image Placeholder 1"/>
+          <p:cNvSpPr>
+            <a:spLocks noGrp="1" noRot="1" noChangeAspect="1"/>
+          </p:cNvSpPr>
+          <p:nvPr>
+            <p:ph type="sldImg"/>
+          </p:nvPr>
+        </p:nvSpPr>
+        <p:spPr/>
+      </p:sp>
+      <p:sp>
+        <p:nvSpPr>
+          <p:cNvPr id="3" name="Notes Placeholder 2"/>
+          <p:cNvSpPr>
+            <a:spLocks noGrp="1"/>
+          </p:cNvSpPr>
+          <p:nvPr>
+            <p:ph type="body" idx="1"/>
+          </p:nvPr>
+        </p:nvSpPr>
+        <p:spPr/>
+        <p:txBody>
+          <a:bodyPr/>
+          <a:lstStyle/>
+          <a:p>
+            <a:pPr lvl="0"/>
+            <a:r>
+              <a:rPr lang="en-US" sz="1200" kern="1200" dirty="0">
+                <a:solidFill>
+                  <a:schemeClr val="tx1"/>
+                </a:solidFill>
+                <a:effectLst/>
+                <a:latin typeface="+mn-lt"/>
+                <a:ea typeface="+mn-ea"/>
+                <a:cs typeface="+mn-cs"/>
+              </a:rPr>
+              <a:t>Compliance Complexity: Our regulatory compliance needs are multifaceted, requiring tailored solutions beyond standard frameworks.</a:t>
+            </a:r>
+          </a:p>
+          <a:p>
+            <a:pPr lvl="0"/>
+            <a:r>
+              <a:rPr lang="en-US" sz="1200" kern="1200" dirty="0">
+                <a:solidFill>
+                  <a:schemeClr val="tx1"/>
+                </a:solidFill>
+                <a:effectLst/>
+                <a:latin typeface="+mn-lt"/>
+                <a:ea typeface="+mn-ea"/>
+                <a:cs typeface="+mn-cs"/>
+              </a:rPr>
+              <a:t>NIST CSF: Provides a comprehensive, risk-based foundation with core functions: Identify, Protect, Detect, Respond, Recover. It's a flexible baseline.</a:t>
+            </a:r>
+          </a:p>
+          <a:p>
+            <a:pPr lvl="0"/>
+            <a:r>
+              <a:rPr lang="en-US" sz="1200" kern="1200" dirty="0">
+                <a:solidFill>
+                  <a:schemeClr val="tx1"/>
+                </a:solidFill>
+                <a:effectLst/>
+                <a:latin typeface="+mn-lt"/>
+                <a:ea typeface="+mn-ea"/>
+                <a:cs typeface="+mn-cs"/>
+              </a:rPr>
+              <a:t>ISO 27001: Guides our Information Security Management System (ISMS) for sensitive data, emphasizing risk assessment, policies, and continuous improvement.</a:t>
+            </a:r>
+          </a:p>
+          <a:p>
+            <a:endParaRPr lang="en-US" dirty="0"/>
+          </a:p>
+        </p:txBody>
+      </p:sp>
+      <p:sp>
+        <p:nvSpPr>
+          <p:cNvPr id="4" name="Slide Number Placeholder 3"/>
+          <p:cNvSpPr>
+            <a:spLocks noGrp="1"/>
+          </p:cNvSpPr>
+          <p:nvPr>
+            <p:ph type="sldNum" sz="quarter" idx="5"/>
+          </p:nvPr>
+        </p:nvSpPr>
+        <p:spPr/>
+        <p:txBody>
+          <a:bodyPr/>
+          <a:lstStyle/>
+          <a:p>
+            <a:fld id="{DECDE012-9E2E-4477-8B5C-4E7D4E9BCBA6}" type="slidenum">
+              <a:rPr lang="en-US" noProof="0" smtClean="0"/>
+              <a:t>15</a:t>
+            </a:fld>
+            <a:endParaRPr lang="en-US" noProof="0" dirty="0"/>
+          </a:p>
+        </p:txBody>
+      </p:sp>
+    </p:spTree>
+    <p:extLst>
+      <p:ext uri="{BB962C8B-B14F-4D97-AF65-F5344CB8AC3E}">
+        <p14:creationId xmlns:p14="http://schemas.microsoft.com/office/powerpoint/2010/main" val="1517027529"/>
+      </p:ext>
+    </p:extLst>
+  </p:cSld>
+  <p:clrMapOvr>
+    <a:masterClrMapping/>
+  </p:clrMapOvr>
+</p:notes>
+</file>
+
+<file path=ppt/notesSlides/notesSlide16.xml><?xml version="1.0" encoding="utf-8"?>
+<p:notes xmlns:a="http://schemas.openxmlformats.org/drawingml/2006/main" xmlns:r="http://schemas.openxmlformats.org/officeDocument/2006/relationships" xmlns:p="http://schemas.openxmlformats.org/presentationml/2006/main">
+  <p:cSld>
+    <p:spTree>
+      <p:nvGrpSpPr>
+        <p:cNvPr id="1" name=""/>
+        <p:cNvGrpSpPr/>
+        <p:nvPr/>
+      </p:nvGrpSpPr>
+      <p:grpSpPr>
+        <a:xfrm>
+          <a:off x="0" y="0"/>
+          <a:ext cx="0" cy="0"/>
+          <a:chOff x="0" y="0"/>
+          <a:chExt cx="0" cy="0"/>
+        </a:xfrm>
+      </p:grpSpPr>
+      <p:sp>
+        <p:nvSpPr>
+          <p:cNvPr id="2" name="Slide Image Placeholder 1"/>
+          <p:cNvSpPr>
+            <a:spLocks noGrp="1" noRot="1" noChangeAspect="1"/>
+          </p:cNvSpPr>
+          <p:nvPr>
+            <p:ph type="sldImg"/>
+          </p:nvPr>
+        </p:nvSpPr>
+        <p:spPr/>
+      </p:sp>
+      <p:sp>
+        <p:nvSpPr>
+          <p:cNvPr id="3" name="Notes Placeholder 2"/>
+          <p:cNvSpPr>
+            <a:spLocks noGrp="1"/>
+          </p:cNvSpPr>
+          <p:nvPr>
+            <p:ph type="body" idx="1"/>
+          </p:nvPr>
+        </p:nvSpPr>
+        <p:spPr/>
+        <p:txBody>
+          <a:bodyPr/>
+          <a:lstStyle/>
+          <a:p>
+            <a:pPr lvl="0"/>
+            <a:r>
+              <a:rPr lang="en-US" sz="1200" kern="1200" dirty="0">
+                <a:solidFill>
+                  <a:schemeClr val="tx1"/>
+                </a:solidFill>
+                <a:effectLst/>
+                <a:latin typeface="+mn-lt"/>
+                <a:ea typeface="+mn-ea"/>
+                <a:cs typeface="+mn-cs"/>
+              </a:rPr>
+              <a:t>Prioritization: Focus efforts on business needs and desired outcomes.</a:t>
+            </a:r>
+          </a:p>
+          <a:p>
+            <a:pPr lvl="0"/>
+            <a:r>
+              <a:rPr lang="en-US" sz="1200" kern="1200" dirty="0">
+                <a:solidFill>
+                  <a:schemeClr val="tx1"/>
+                </a:solidFill>
+                <a:effectLst/>
+                <a:latin typeface="+mn-lt"/>
+                <a:ea typeface="+mn-ea"/>
+                <a:cs typeface="+mn-cs"/>
+              </a:rPr>
+              <a:t>Core Objectives: Identify primary services and mission; align security to protect these.</a:t>
+            </a:r>
+          </a:p>
+          <a:p>
+            <a:pPr lvl="0"/>
+            <a:r>
+              <a:rPr lang="en-US" sz="1200" kern="1200" dirty="0">
+                <a:solidFill>
+                  <a:schemeClr val="tx1"/>
+                </a:solidFill>
+                <a:effectLst/>
+                <a:latin typeface="+mn-lt"/>
+                <a:ea typeface="+mn-ea"/>
+                <a:cs typeface="+mn-cs"/>
+              </a:rPr>
+              <a:t>Regulatory Mapping: Determine applicable regulations; map requirements to NIST CSF or ISO 27001.</a:t>
+            </a:r>
+          </a:p>
+          <a:p>
+            <a:pPr lvl="0"/>
+            <a:r>
+              <a:rPr lang="en-US" sz="1200" kern="1200" dirty="0">
+                <a:solidFill>
+                  <a:schemeClr val="tx1"/>
+                </a:solidFill>
+                <a:effectLst/>
+                <a:latin typeface="+mn-lt"/>
+                <a:ea typeface="+mn-ea"/>
+                <a:cs typeface="+mn-cs"/>
+              </a:rPr>
+              <a:t>Risk Assessment: Conduct thorough assessment to find top threats/vulnerabilities, considering data types and breach impact.</a:t>
+            </a:r>
+          </a:p>
+          <a:p>
+            <a:endParaRPr lang="en-US" dirty="0"/>
+          </a:p>
+        </p:txBody>
+      </p:sp>
+      <p:sp>
+        <p:nvSpPr>
+          <p:cNvPr id="4" name="Slide Number Placeholder 3"/>
+          <p:cNvSpPr>
+            <a:spLocks noGrp="1"/>
+          </p:cNvSpPr>
+          <p:nvPr>
+            <p:ph type="sldNum" sz="quarter" idx="5"/>
+          </p:nvPr>
+        </p:nvSpPr>
+        <p:spPr/>
+        <p:txBody>
+          <a:bodyPr/>
+          <a:lstStyle/>
+          <a:p>
+            <a:fld id="{DECDE012-9E2E-4477-8B5C-4E7D4E9BCBA6}" type="slidenum">
+              <a:rPr lang="en-US" noProof="0" smtClean="0"/>
+              <a:t>16</a:t>
+            </a:fld>
+            <a:endParaRPr lang="en-US" noProof="0" dirty="0"/>
+          </a:p>
+        </p:txBody>
+      </p:sp>
+    </p:spTree>
+    <p:extLst>
+      <p:ext uri="{BB962C8B-B14F-4D97-AF65-F5344CB8AC3E}">
+        <p14:creationId xmlns:p14="http://schemas.microsoft.com/office/powerpoint/2010/main" val="2501732853"/>
+      </p:ext>
+    </p:extLst>
+  </p:cSld>
+  <p:clrMapOvr>
+    <a:masterClrMapping/>
+  </p:clrMapOvr>
+</p:notes>
+</file>
+
+<file path=ppt/notesSlides/notesSlide17.xml><?xml version="1.0" encoding="utf-8"?>
+<p:notes xmlns:a="http://schemas.openxmlformats.org/drawingml/2006/main" xmlns:r="http://schemas.openxmlformats.org/officeDocument/2006/relationships" xmlns:p="http://schemas.openxmlformats.org/presentationml/2006/main">
+  <p:cSld>
+    <p:spTree>
+      <p:nvGrpSpPr>
+        <p:cNvPr id="1" name=""/>
+        <p:cNvGrpSpPr/>
+        <p:nvPr/>
+      </p:nvGrpSpPr>
+      <p:grpSpPr>
+        <a:xfrm>
+          <a:off x="0" y="0"/>
+          <a:ext cx="0" cy="0"/>
+          <a:chOff x="0" y="0"/>
+          <a:chExt cx="0" cy="0"/>
+        </a:xfrm>
+      </p:grpSpPr>
+      <p:sp>
+        <p:nvSpPr>
+          <p:cNvPr id="2" name="Slide Image Placeholder 1"/>
+          <p:cNvSpPr>
+            <a:spLocks noGrp="1" noRot="1" noChangeAspect="1"/>
+          </p:cNvSpPr>
+          <p:nvPr>
+            <p:ph type="sldImg"/>
+          </p:nvPr>
+        </p:nvSpPr>
+        <p:spPr/>
+      </p:sp>
+      <p:sp>
+        <p:nvSpPr>
+          <p:cNvPr id="3" name="Notes Placeholder 2"/>
+          <p:cNvSpPr>
+            <a:spLocks noGrp="1"/>
+          </p:cNvSpPr>
+          <p:nvPr>
+            <p:ph type="body" idx="1"/>
+          </p:nvPr>
+        </p:nvSpPr>
+        <p:spPr/>
+        <p:txBody>
+          <a:bodyPr/>
+          <a:lstStyle/>
+          <a:p>
+            <a:pPr lvl="0"/>
+            <a:r>
+              <a:rPr lang="en-US" sz="1200" kern="1200" dirty="0">
+                <a:solidFill>
+                  <a:schemeClr val="tx1"/>
+                </a:solidFill>
+                <a:effectLst/>
+                <a:latin typeface="+mn-lt"/>
+                <a:ea typeface="+mn-ea"/>
+                <a:cs typeface="+mn-cs"/>
+              </a:rPr>
+              <a:t>Prioritize Controls: Implement controls based on risk assessment and critical compliance needs.</a:t>
+            </a:r>
+          </a:p>
+          <a:p>
+            <a:pPr lvl="0"/>
+            <a:r>
+              <a:rPr lang="en-US" sz="1200" kern="1200" dirty="0">
+                <a:solidFill>
+                  <a:schemeClr val="tx1"/>
+                </a:solidFill>
+                <a:effectLst/>
+                <a:latin typeface="+mn-lt"/>
+                <a:ea typeface="+mn-ea"/>
+                <a:cs typeface="+mn-cs"/>
+              </a:rPr>
+              <a:t>Data-Specific Examples:</a:t>
+            </a:r>
+          </a:p>
+          <a:p>
+            <a:pPr lvl="1"/>
+            <a:r>
+              <a:rPr lang="en-US" sz="1200" kern="1200" dirty="0">
+                <a:solidFill>
+                  <a:schemeClr val="tx1"/>
+                </a:solidFill>
+                <a:effectLst/>
+                <a:latin typeface="+mn-lt"/>
+                <a:ea typeface="+mn-ea"/>
+                <a:cs typeface="+mn-cs"/>
+              </a:rPr>
+              <a:t>Payment Data: PCI DSS is paramount.</a:t>
+            </a:r>
+          </a:p>
+          <a:p>
+            <a:pPr lvl="1"/>
+            <a:r>
+              <a:rPr lang="en-US" sz="1200" kern="1200" dirty="0">
+                <a:solidFill>
+                  <a:schemeClr val="tx1"/>
+                </a:solidFill>
+                <a:effectLst/>
+                <a:latin typeface="+mn-lt"/>
+                <a:ea typeface="+mn-ea"/>
+                <a:cs typeface="+mn-cs"/>
+              </a:rPr>
+              <a:t>Health Data: HIPAA safeguards for PHI take precedence.</a:t>
+            </a:r>
+          </a:p>
+          <a:p>
+            <a:pPr lvl="1"/>
+            <a:r>
+              <a:rPr lang="en-US" sz="1200" kern="1200" dirty="0">
+                <a:solidFill>
+                  <a:schemeClr val="tx1"/>
+                </a:solidFill>
+                <a:effectLst/>
+                <a:latin typeface="+mn-lt"/>
+                <a:ea typeface="+mn-ea"/>
+                <a:cs typeface="+mn-cs"/>
+              </a:rPr>
+              <a:t>Financial Reporting: SOX controls ensure data integrity.</a:t>
+            </a:r>
+          </a:p>
+          <a:p>
+            <a:pPr lvl="0"/>
+            <a:r>
+              <a:rPr lang="en-US" sz="1200" kern="1200" dirty="0">
+                <a:solidFill>
+                  <a:schemeClr val="tx1"/>
+                </a:solidFill>
+                <a:effectLst/>
+                <a:latin typeface="+mn-lt"/>
+                <a:ea typeface="+mn-ea"/>
+                <a:cs typeface="+mn-cs"/>
+              </a:rPr>
+              <a:t>Leverage Frameworks: Use NIST CSF and ISO 27001 for structured management and to organize specific controls (PCI DSS, HIPAA, SOX, GLBA).</a:t>
+            </a:r>
+          </a:p>
+          <a:p>
+            <a:pPr lvl="0"/>
+            <a:r>
+              <a:rPr lang="en-US" sz="1200" kern="1200" dirty="0">
+                <a:solidFill>
+                  <a:schemeClr val="tx1"/>
+                </a:solidFill>
+                <a:effectLst/>
+                <a:latin typeface="+mn-lt"/>
+                <a:ea typeface="+mn-ea"/>
+                <a:cs typeface="+mn-cs"/>
+              </a:rPr>
+              <a:t>Continuous Improvement: Establish ongoing monitoring to adapt to new threats, regulations, and business needs.</a:t>
+            </a:r>
+          </a:p>
+          <a:p>
+            <a:r>
+              <a:rPr lang="en-US" sz="1200" kern="1200" dirty="0">
+                <a:solidFill>
+                  <a:schemeClr val="tx1"/>
+                </a:solidFill>
+                <a:effectLst/>
+                <a:latin typeface="+mn-lt"/>
+                <a:ea typeface="+mn-ea"/>
+                <a:cs typeface="+mn-cs"/>
+              </a:rPr>
+              <a:t> </a:t>
+            </a:r>
+          </a:p>
+          <a:p>
+            <a:endParaRPr lang="en-US" dirty="0"/>
+          </a:p>
+        </p:txBody>
+      </p:sp>
+      <p:sp>
+        <p:nvSpPr>
+          <p:cNvPr id="4" name="Slide Number Placeholder 3"/>
+          <p:cNvSpPr>
+            <a:spLocks noGrp="1"/>
+          </p:cNvSpPr>
+          <p:nvPr>
+            <p:ph type="sldNum" sz="quarter" idx="5"/>
+          </p:nvPr>
+        </p:nvSpPr>
+        <p:spPr/>
+        <p:txBody>
+          <a:bodyPr/>
+          <a:lstStyle/>
+          <a:p>
+            <a:fld id="{DECDE012-9E2E-4477-8B5C-4E7D4E9BCBA6}" type="slidenum">
+              <a:rPr lang="en-US" noProof="0" smtClean="0"/>
+              <a:t>17</a:t>
+            </a:fld>
+            <a:endParaRPr lang="en-US" noProof="0" dirty="0"/>
+          </a:p>
+        </p:txBody>
+      </p:sp>
+    </p:spTree>
+    <p:extLst>
+      <p:ext uri="{BB962C8B-B14F-4D97-AF65-F5344CB8AC3E}">
+        <p14:creationId xmlns:p14="http://schemas.microsoft.com/office/powerpoint/2010/main" val="3076716846"/>
+      </p:ext>
+    </p:extLst>
+  </p:cSld>
+  <p:clrMapOvr>
+    <a:masterClrMapping/>
+  </p:clrMapOvr>
+</p:notes>
+</file>
+
+<file path=ppt/notesSlides/notesSlide18.xml><?xml version="1.0" encoding="utf-8"?>
+<p:notes xmlns:a="http://schemas.openxmlformats.org/drawingml/2006/main" xmlns:r="http://schemas.openxmlformats.org/officeDocument/2006/relationships" xmlns:p="http://schemas.openxmlformats.org/presentationml/2006/main">
+  <p:cSld>
+    <p:spTree>
+      <p:nvGrpSpPr>
+        <p:cNvPr id="1" name=""/>
+        <p:cNvGrpSpPr/>
+        <p:nvPr/>
+      </p:nvGrpSpPr>
+      <p:grpSpPr>
+        <a:xfrm>
+          <a:off x="0" y="0"/>
+          <a:ext cx="0" cy="0"/>
+          <a:chOff x="0" y="0"/>
+          <a:chExt cx="0" cy="0"/>
+        </a:xfrm>
+      </p:grpSpPr>
+      <p:sp>
+        <p:nvSpPr>
+          <p:cNvPr id="2" name="Slide Image Placeholder 1"/>
+          <p:cNvSpPr>
+            <a:spLocks noGrp="1" noRot="1" noChangeAspect="1"/>
+          </p:cNvSpPr>
+          <p:nvPr>
+            <p:ph type="sldImg"/>
+          </p:nvPr>
+        </p:nvSpPr>
+        <p:spPr/>
+      </p:sp>
+      <p:sp>
+        <p:nvSpPr>
+          <p:cNvPr id="3" name="Notes Placeholder 2"/>
+          <p:cNvSpPr>
+            <a:spLocks noGrp="1"/>
+          </p:cNvSpPr>
+          <p:nvPr>
+            <p:ph type="body" idx="1"/>
+          </p:nvPr>
+        </p:nvSpPr>
+        <p:spPr/>
+        <p:txBody>
+          <a:bodyPr/>
+          <a:lstStyle/>
+          <a:p>
+            <a:pPr lvl="0"/>
+            <a:r>
+              <a:rPr lang="en-US" sz="1200" kern="1200" dirty="0">
+                <a:solidFill>
+                  <a:schemeClr val="tx1"/>
+                </a:solidFill>
+                <a:effectLst/>
+                <a:latin typeface="+mn-lt"/>
+                <a:ea typeface="+mn-ea"/>
+                <a:cs typeface="+mn-cs"/>
+              </a:rPr>
+              <a:t>Organized Structure: These practices are neatly categorized into five major business functions:</a:t>
+            </a:r>
+          </a:p>
+          <a:p>
+            <a:pPr lvl="1"/>
+            <a:r>
+              <a:rPr lang="en-US" sz="1200" kern="1200" dirty="0">
+                <a:solidFill>
+                  <a:schemeClr val="tx1"/>
+                </a:solidFill>
+                <a:effectLst/>
+                <a:latin typeface="+mn-lt"/>
+                <a:ea typeface="+mn-ea"/>
+                <a:cs typeface="+mn-cs"/>
+              </a:rPr>
+              <a:t>Governance: This area focuses on setting the direction and oversight for security. Key elements include defining Key Performance Indicators (KPIs) to measure effectiveness, establishing clear project policies, ensuring compliance with relevant standards and regulations, and managing security risks associated with third-party suppliers.</a:t>
+            </a:r>
+          </a:p>
+          <a:p>
+            <a:pPr lvl="1"/>
+            <a:r>
+              <a:rPr lang="en-US" sz="1200" kern="1200" dirty="0">
+                <a:solidFill>
+                  <a:schemeClr val="tx1"/>
+                </a:solidFill>
+                <a:effectLst/>
+                <a:latin typeface="+mn-lt"/>
+                <a:ea typeface="+mn-ea"/>
+                <a:cs typeface="+mn-cs"/>
+              </a:rPr>
+              <a:t>Design: In this phase, we proactively build security into the application. This involves defining security requirements from the outset, creating a secure security architecture, and performing threat modeling. </a:t>
+            </a:r>
+          </a:p>
+          <a:p>
+            <a:pPr lvl="1"/>
+            <a:r>
+              <a:rPr lang="en-US" sz="1200" kern="1200" dirty="0">
+                <a:solidFill>
+                  <a:schemeClr val="tx1"/>
+                </a:solidFill>
+                <a:effectLst/>
+                <a:latin typeface="+mn-lt"/>
+                <a:ea typeface="+mn-ea"/>
+                <a:cs typeface="+mn-cs"/>
+              </a:rPr>
+              <a:t>Threat modeling is particularly important as it helps us identify and address potential application dangers and vulnerabilities </a:t>
+            </a:r>
+            <a:r>
+              <a:rPr lang="en-US" sz="1200" i="1" kern="1200" dirty="0">
+                <a:solidFill>
+                  <a:schemeClr val="tx1"/>
+                </a:solidFill>
+                <a:effectLst/>
+                <a:latin typeface="+mn-lt"/>
+                <a:ea typeface="+mn-ea"/>
+                <a:cs typeface="+mn-cs"/>
+              </a:rPr>
+              <a:t>before</a:t>
+            </a:r>
+            <a:r>
+              <a:rPr lang="en-US" sz="1200" kern="1200" dirty="0">
+                <a:solidFill>
+                  <a:schemeClr val="tx1"/>
+                </a:solidFill>
+                <a:effectLst/>
+                <a:latin typeface="+mn-lt"/>
+                <a:ea typeface="+mn-ea"/>
+                <a:cs typeface="+mn-cs"/>
+              </a:rPr>
+              <a:t> they can be exploited.</a:t>
+            </a:r>
+          </a:p>
+          <a:p>
+            <a:pPr lvl="0"/>
+            <a:r>
+              <a:rPr lang="en-US" sz="1200" kern="1200" dirty="0">
+                <a:solidFill>
+                  <a:schemeClr val="tx1"/>
+                </a:solidFill>
+                <a:effectLst/>
+                <a:latin typeface="+mn-lt"/>
+                <a:ea typeface="+mn-ea"/>
+                <a:cs typeface="+mn-cs"/>
+              </a:rPr>
+              <a:t>Overall Goal: This structured approach ensures a comprehensive and systematic way to mature our software assurance capabilities.</a:t>
+            </a:r>
+          </a:p>
+          <a:p>
+            <a:endParaRPr lang="en-US" dirty="0"/>
+          </a:p>
+        </p:txBody>
+      </p:sp>
+      <p:sp>
+        <p:nvSpPr>
+          <p:cNvPr id="4" name="Slide Number Placeholder 3"/>
+          <p:cNvSpPr>
+            <a:spLocks noGrp="1"/>
+          </p:cNvSpPr>
+          <p:nvPr>
+            <p:ph type="sldNum" sz="quarter" idx="5"/>
+          </p:nvPr>
+        </p:nvSpPr>
+        <p:spPr/>
+        <p:txBody>
+          <a:bodyPr/>
+          <a:lstStyle/>
+          <a:p>
+            <a:fld id="{DECDE012-9E2E-4477-8B5C-4E7D4E9BCBA6}" type="slidenum">
+              <a:rPr lang="en-US" noProof="0" smtClean="0"/>
+              <a:t>18</a:t>
+            </a:fld>
+            <a:endParaRPr lang="en-US" noProof="0" dirty="0"/>
+          </a:p>
+        </p:txBody>
+      </p:sp>
+    </p:spTree>
+    <p:extLst>
+      <p:ext uri="{BB962C8B-B14F-4D97-AF65-F5344CB8AC3E}">
+        <p14:creationId xmlns:p14="http://schemas.microsoft.com/office/powerpoint/2010/main" val="3285826553"/>
+      </p:ext>
+    </p:extLst>
+  </p:cSld>
+  <p:clrMapOvr>
+    <a:masterClrMapping/>
+  </p:clrMapOvr>
+</p:notes>
+</file>
+
+<file path=ppt/notesSlides/notesSlide19.xml><?xml version="1.0" encoding="utf-8"?>
+<p:notes xmlns:a="http://schemas.openxmlformats.org/drawingml/2006/main" xmlns:r="http://schemas.openxmlformats.org/officeDocument/2006/relationships" xmlns:p="http://schemas.openxmlformats.org/presentationml/2006/main">
+  <p:cSld>
+    <p:spTree>
+      <p:nvGrpSpPr>
+        <p:cNvPr id="1" name=""/>
+        <p:cNvGrpSpPr/>
+        <p:nvPr/>
+      </p:nvGrpSpPr>
+      <p:grpSpPr>
+        <a:xfrm>
+          <a:off x="0" y="0"/>
+          <a:ext cx="0" cy="0"/>
+          <a:chOff x="0" y="0"/>
+          <a:chExt cx="0" cy="0"/>
+        </a:xfrm>
+      </p:grpSpPr>
+      <p:sp>
+        <p:nvSpPr>
+          <p:cNvPr id="2" name="Slide Image Placeholder 1"/>
+          <p:cNvSpPr>
+            <a:spLocks noGrp="1" noRot="1" noChangeAspect="1"/>
+          </p:cNvSpPr>
+          <p:nvPr>
+            <p:ph type="sldImg"/>
+          </p:nvPr>
+        </p:nvSpPr>
+        <p:spPr/>
+      </p:sp>
+      <p:sp>
+        <p:nvSpPr>
+          <p:cNvPr id="3" name="Notes Placeholder 2"/>
+          <p:cNvSpPr>
+            <a:spLocks noGrp="1"/>
+          </p:cNvSpPr>
+          <p:nvPr>
+            <p:ph type="body" idx="1"/>
+          </p:nvPr>
+        </p:nvSpPr>
+        <p:spPr/>
+        <p:txBody>
+          <a:bodyPr/>
+          <a:lstStyle/>
+          <a:p>
+            <a:pPr lvl="0"/>
+            <a:r>
+              <a:rPr lang="en-US" sz="1200" kern="1200" dirty="0">
+                <a:solidFill>
+                  <a:schemeClr val="tx1"/>
+                </a:solidFill>
+                <a:effectLst/>
+                <a:latin typeface="+mn-lt"/>
+                <a:ea typeface="+mn-ea"/>
+                <a:cs typeface="+mn-cs"/>
+              </a:rPr>
+              <a:t>Implementation Function: This is where the rubber meets the road – building the software securely.</a:t>
+            </a:r>
+          </a:p>
+          <a:p>
+            <a:pPr lvl="1"/>
+            <a:r>
+              <a:rPr lang="en-US" sz="1200" kern="1200" dirty="0">
+                <a:solidFill>
+                  <a:schemeClr val="tx1"/>
+                </a:solidFill>
+                <a:effectLst/>
+                <a:latin typeface="+mn-lt"/>
+                <a:ea typeface="+mn-ea"/>
+                <a:cs typeface="+mn-cs"/>
+              </a:rPr>
+              <a:t>Secure Coding: Writing code that avoids common vulnerabilities.</a:t>
+            </a:r>
+          </a:p>
+          <a:p>
+            <a:pPr lvl="1"/>
+            <a:r>
+              <a:rPr lang="en-US" sz="1200" kern="1200" dirty="0">
+                <a:solidFill>
+                  <a:schemeClr val="tx1"/>
+                </a:solidFill>
+                <a:effectLst/>
+                <a:latin typeface="+mn-lt"/>
+                <a:ea typeface="+mn-ea"/>
+                <a:cs typeface="+mn-cs"/>
+              </a:rPr>
+              <a:t>Vulnerability Management: Identifying and fixing weaknesses in the code.</a:t>
+            </a:r>
+          </a:p>
+          <a:p>
+            <a:pPr lvl="1"/>
+            <a:r>
+              <a:rPr lang="en-US" sz="1200" kern="1200" dirty="0">
+                <a:solidFill>
+                  <a:schemeClr val="tx1"/>
+                </a:solidFill>
+                <a:effectLst/>
+                <a:latin typeface="+mn-lt"/>
+                <a:ea typeface="+mn-ea"/>
+                <a:cs typeface="+mn-cs"/>
+              </a:rPr>
+              <a:t>Environment Management: Ensuring the development and testing environments are secure.</a:t>
+            </a:r>
+          </a:p>
+          <a:p>
+            <a:pPr lvl="0"/>
+            <a:r>
+              <a:rPr lang="en-US" sz="1200" kern="1200" dirty="0">
+                <a:solidFill>
+                  <a:schemeClr val="tx1"/>
+                </a:solidFill>
+                <a:effectLst/>
+                <a:latin typeface="+mn-lt"/>
+                <a:ea typeface="+mn-ea"/>
+                <a:cs typeface="+mn-cs"/>
+              </a:rPr>
+              <a:t>Verification Function: This is our quality assurance for security. Are our security measures actually working?</a:t>
+            </a:r>
+          </a:p>
+          <a:p>
+            <a:pPr lvl="1"/>
+            <a:r>
+              <a:rPr lang="en-US" sz="1200" kern="1200" dirty="0">
+                <a:solidFill>
+                  <a:schemeClr val="tx1"/>
+                </a:solidFill>
+                <a:effectLst/>
+                <a:latin typeface="+mn-lt"/>
+                <a:ea typeface="+mn-ea"/>
+                <a:cs typeface="+mn-cs"/>
+              </a:rPr>
+              <a:t>Security Testing: Performing various tests (like penetration testing) to find flaws.</a:t>
+            </a:r>
+          </a:p>
+          <a:p>
+            <a:pPr lvl="1"/>
+            <a:r>
+              <a:rPr lang="en-US" sz="1200" kern="1200" dirty="0">
+                <a:solidFill>
+                  <a:schemeClr val="tx1"/>
+                </a:solidFill>
+                <a:effectLst/>
+                <a:latin typeface="+mn-lt"/>
+                <a:ea typeface="+mn-ea"/>
+                <a:cs typeface="+mn-cs"/>
+              </a:rPr>
+              <a:t>Code Review: Having peers check the code for security issues.</a:t>
+            </a:r>
+          </a:p>
+          <a:p>
+            <a:pPr lvl="1"/>
+            <a:r>
+              <a:rPr lang="en-US" sz="1200" kern="1200" dirty="0">
+                <a:solidFill>
+                  <a:schemeClr val="tx1"/>
+                </a:solidFill>
+                <a:effectLst/>
+                <a:latin typeface="+mn-lt"/>
+                <a:ea typeface="+mn-ea"/>
+                <a:cs typeface="+mn-cs"/>
+              </a:rPr>
+              <a:t>Architecture Analysis: Reviewing the design to ensure it's secure.</a:t>
+            </a:r>
+          </a:p>
+          <a:p>
+            <a:pPr lvl="0"/>
+            <a:r>
+              <a:rPr lang="en-US" sz="1200" kern="1200" dirty="0">
+                <a:solidFill>
+                  <a:schemeClr val="tx1"/>
+                </a:solidFill>
+                <a:effectLst/>
+                <a:latin typeface="+mn-lt"/>
+                <a:ea typeface="+mn-ea"/>
+                <a:cs typeface="+mn-cs"/>
+              </a:rPr>
+              <a:t>Operations Function: Keeping things secure </a:t>
+            </a:r>
+            <a:r>
+              <a:rPr lang="en-US" sz="1200" i="1" kern="1200" dirty="0">
+                <a:solidFill>
+                  <a:schemeClr val="tx1"/>
+                </a:solidFill>
+                <a:effectLst/>
+                <a:latin typeface="+mn-lt"/>
+                <a:ea typeface="+mn-ea"/>
+                <a:cs typeface="+mn-cs"/>
+              </a:rPr>
+              <a:t>after</a:t>
+            </a:r>
+            <a:r>
+              <a:rPr lang="en-US" sz="1200" kern="1200" dirty="0">
+                <a:solidFill>
+                  <a:schemeClr val="tx1"/>
+                </a:solidFill>
+                <a:effectLst/>
+                <a:latin typeface="+mn-lt"/>
+                <a:ea typeface="+mn-ea"/>
+                <a:cs typeface="+mn-cs"/>
+              </a:rPr>
+              <a:t> the software is deployed.</a:t>
+            </a:r>
+          </a:p>
+          <a:p>
+            <a:pPr lvl="1"/>
+            <a:r>
+              <a:rPr lang="en-US" sz="1200" kern="1200" dirty="0">
+                <a:solidFill>
+                  <a:schemeClr val="tx1"/>
+                </a:solidFill>
+                <a:effectLst/>
+                <a:latin typeface="+mn-lt"/>
+                <a:ea typeface="+mn-ea"/>
+                <a:cs typeface="+mn-cs"/>
+              </a:rPr>
+              <a:t>Incident Management: How we handle security breaches or incidents.</a:t>
+            </a:r>
+          </a:p>
+          <a:p>
+            <a:pPr lvl="1"/>
+            <a:r>
+              <a:rPr lang="en-US" sz="1200" kern="1200" dirty="0">
+                <a:solidFill>
+                  <a:schemeClr val="tx1"/>
+                </a:solidFill>
+                <a:effectLst/>
+                <a:latin typeface="+mn-lt"/>
+                <a:ea typeface="+mn-ea"/>
+                <a:cs typeface="+mn-cs"/>
+              </a:rPr>
+              <a:t>Monitoring: Continuously watching for suspicious activity.</a:t>
+            </a:r>
+          </a:p>
+          <a:p>
+            <a:pPr lvl="1"/>
+            <a:r>
+              <a:rPr lang="en-US" sz="1200" kern="1200" dirty="0">
+                <a:solidFill>
+                  <a:schemeClr val="tx1"/>
+                </a:solidFill>
+                <a:effectLst/>
+                <a:latin typeface="+mn-lt"/>
+                <a:ea typeface="+mn-ea"/>
+                <a:cs typeface="+mn-cs"/>
+              </a:rPr>
+              <a:t>Secure Deployment: Making sure the software is deployed safely.</a:t>
+            </a:r>
+          </a:p>
+          <a:p>
+            <a:r>
+              <a:rPr lang="en-US" sz="1200" kern="1200" dirty="0">
+                <a:solidFill>
+                  <a:schemeClr val="tx1"/>
+                </a:solidFill>
+                <a:effectLst/>
+                <a:latin typeface="+mn-lt"/>
+                <a:ea typeface="+mn-ea"/>
+                <a:cs typeface="+mn-cs"/>
+              </a:rPr>
+              <a:t>These functions, alongside Governance and Design, form the complete picture of our software assurance maturity.</a:t>
+            </a:r>
+          </a:p>
+          <a:p>
+            <a:r>
+              <a:rPr lang="en-US" sz="1200" kern="1200" dirty="0">
+                <a:solidFill>
+                  <a:schemeClr val="tx1"/>
+                </a:solidFill>
+                <a:effectLst/>
+                <a:latin typeface="+mn-lt"/>
+                <a:ea typeface="+mn-ea"/>
+                <a:cs typeface="+mn-cs"/>
+              </a:rPr>
+              <a:t> </a:t>
+            </a:r>
+          </a:p>
+          <a:p>
+            <a:endParaRPr lang="en-US" dirty="0"/>
+          </a:p>
+        </p:txBody>
+      </p:sp>
+      <p:sp>
+        <p:nvSpPr>
+          <p:cNvPr id="4" name="Slide Number Placeholder 3"/>
+          <p:cNvSpPr>
+            <a:spLocks noGrp="1"/>
+          </p:cNvSpPr>
+          <p:nvPr>
+            <p:ph type="sldNum" sz="quarter" idx="5"/>
+          </p:nvPr>
+        </p:nvSpPr>
+        <p:spPr/>
+        <p:txBody>
+          <a:bodyPr/>
+          <a:lstStyle/>
+          <a:p>
+            <a:fld id="{DECDE012-9E2E-4477-8B5C-4E7D4E9BCBA6}" type="slidenum">
+              <a:rPr lang="en-US" noProof="0" smtClean="0"/>
+              <a:t>19</a:t>
+            </a:fld>
+            <a:endParaRPr lang="en-US" noProof="0" dirty="0"/>
+          </a:p>
+        </p:txBody>
+      </p:sp>
+    </p:spTree>
+    <p:extLst>
+      <p:ext uri="{BB962C8B-B14F-4D97-AF65-F5344CB8AC3E}">
+        <p14:creationId xmlns:p14="http://schemas.microsoft.com/office/powerpoint/2010/main" val="3313490083"/>
+      </p:ext>
+    </p:extLst>
+  </p:cSld>
+  <p:clrMapOvr>
+    <a:masterClrMapping/>
+  </p:clrMapOvr>
+</p:notes>
+</file>
+
 <file path=ppt/notesSlides/notesSlide2.xml><?xml version="1.0" encoding="utf-8"?>
 <p:notes xmlns:a="http://schemas.openxmlformats.org/drawingml/2006/main" xmlns:r="http://schemas.openxmlformats.org/officeDocument/2006/relationships" xmlns:p="http://schemas.openxmlformats.org/presentationml/2006/main">
   <p:cSld>
@@ -10738,7 +12621,89 @@
           <a:bodyPr/>
           <a:lstStyle/>
           <a:p>
-            <a:endParaRPr lang="en-US"/>
+            <a:r>
+              <a:rPr lang="en-US" sz="1200" kern="1200" dirty="0">
+                <a:solidFill>
+                  <a:schemeClr val="tx1"/>
+                </a:solidFill>
+                <a:effectLst/>
+                <a:latin typeface="+mn-lt"/>
+                <a:ea typeface="+mn-ea"/>
+                <a:cs typeface="+mn-cs"/>
+              </a:rPr>
+              <a:t>Development Processes &amp; Paradigms</a:t>
+            </a:r>
+          </a:p>
+          <a:p>
+            <a:pPr lvl="0"/>
+            <a:r>
+              <a:rPr lang="en-US" sz="1200" kern="1200" dirty="0" err="1">
+                <a:solidFill>
+                  <a:schemeClr val="tx1"/>
+                </a:solidFill>
+                <a:effectLst/>
+                <a:latin typeface="+mn-lt"/>
+                <a:ea typeface="+mn-ea"/>
+                <a:cs typeface="+mn-cs"/>
+              </a:rPr>
+              <a:t>DevSecOps</a:t>
+            </a:r>
+            <a:r>
+              <a:rPr lang="en-US" sz="1200" kern="1200" dirty="0">
+                <a:solidFill>
+                  <a:schemeClr val="tx1"/>
+                </a:solidFill>
+                <a:effectLst/>
+                <a:latin typeface="+mn-lt"/>
+                <a:ea typeface="+mn-ea"/>
+                <a:cs typeface="+mn-cs"/>
+              </a:rPr>
+              <a:t> Approach: RC Cybersecurity integrates security throughout the entire Software Development Lifecycle (SDLC).</a:t>
+            </a:r>
+          </a:p>
+          <a:p>
+            <a:pPr lvl="0"/>
+            <a:r>
+              <a:rPr lang="en-US" sz="1200" kern="1200" dirty="0">
+                <a:solidFill>
+                  <a:schemeClr val="tx1"/>
+                </a:solidFill>
+                <a:effectLst/>
+                <a:latin typeface="+mn-lt"/>
+                <a:ea typeface="+mn-ea"/>
+                <a:cs typeface="+mn-cs"/>
+              </a:rPr>
+              <a:t>Agile &amp; Iterative: Development is agile, with security measures (SAST, DAST, IAST) automated into CI/CD pipelines.</a:t>
+            </a:r>
+          </a:p>
+          <a:p>
+            <a:pPr lvl="0"/>
+            <a:r>
+              <a:rPr lang="en-US" sz="1200" kern="1200" dirty="0">
+                <a:solidFill>
+                  <a:schemeClr val="tx1"/>
+                </a:solidFill>
+                <a:effectLst/>
+                <a:latin typeface="+mn-lt"/>
+                <a:ea typeface="+mn-ea"/>
+                <a:cs typeface="+mn-cs"/>
+              </a:rPr>
+              <a:t>Risk-Based Strategy: Our core strategy prioritizes efforts on threats and vulnerabilities that pose the greatest risk to essential services.</a:t>
+            </a:r>
+          </a:p>
+          <a:p>
+            <a:r>
+              <a:rPr lang="en-US" sz="1200" kern="1200" dirty="0">
+                <a:solidFill>
+                  <a:schemeClr val="tx1"/>
+                </a:solidFill>
+                <a:effectLst/>
+                <a:latin typeface="+mn-lt"/>
+                <a:ea typeface="+mn-ea"/>
+                <a:cs typeface="+mn-cs"/>
+              </a:rPr>
+              <a:t> </a:t>
+            </a:r>
           </a:p>
         </p:txBody>
       </p:sp>
@@ -10846,7 +12811,78 @@
           <a:bodyPr/>
           <a:lstStyle/>
           <a:p>
-            <a:endParaRPr lang="en-US"/>
+            <a:r>
+              <a:rPr lang="en-US" sz="1200" kern="1200" dirty="0">
+                <a:solidFill>
+                  <a:schemeClr val="tx1"/>
+                </a:solidFill>
+                <a:effectLst/>
+                <a:latin typeface="+mn-lt"/>
+                <a:ea typeface="+mn-ea"/>
+                <a:cs typeface="+mn-cs"/>
+              </a:rPr>
+              <a:t>Critical Systems and Data</a:t>
+            </a:r>
+          </a:p>
+          <a:p>
+            <a:pPr lvl="0"/>
+            <a:r>
+              <a:rPr lang="en-US" sz="1200" kern="1200" dirty="0">
+                <a:solidFill>
+                  <a:schemeClr val="tx1"/>
+                </a:solidFill>
+                <a:effectLst/>
+                <a:latin typeface="+mn-lt"/>
+                <a:ea typeface="+mn-ea"/>
+                <a:cs typeface="+mn-cs"/>
+              </a:rPr>
+              <a:t>Service Delivery: Our operations rely on interconnected systems that deliver essential services.</a:t>
+            </a:r>
+          </a:p>
+          <a:p>
+            <a:pPr lvl="0"/>
+            <a:r>
+              <a:rPr lang="en-US" sz="1200" kern="1200" dirty="0">
+                <a:solidFill>
+                  <a:schemeClr val="tx1"/>
+                </a:solidFill>
+                <a:effectLst/>
+                <a:latin typeface="+mn-lt"/>
+                <a:ea typeface="+mn-ea"/>
+                <a:cs typeface="+mn-cs"/>
+              </a:rPr>
+              <a:t>Data Sensitivity: We handle sensitive data, including customer PII and proprietary information.</a:t>
+            </a:r>
+          </a:p>
+          <a:p>
+            <a:pPr lvl="0"/>
+            <a:r>
+              <a:rPr lang="en-US" sz="1200" kern="1200" dirty="0">
+                <a:solidFill>
+                  <a:schemeClr val="tx1"/>
+                </a:solidFill>
+                <a:effectLst/>
+                <a:latin typeface="+mn-lt"/>
+                <a:ea typeface="+mn-ea"/>
+                <a:cs typeface="+mn-cs"/>
+              </a:rPr>
+              <a:t>Threat Landscape: We face evolving threats, including ransomware, phishing, and supply chain attacks.</a:t>
+            </a:r>
+          </a:p>
+          <a:p>
+            <a:pPr lvl="0"/>
+            <a:r>
+              <a:rPr lang="en-US" sz="1200" kern="1200" dirty="0">
+                <a:solidFill>
+                  <a:schemeClr val="tx1"/>
+                </a:solidFill>
+                <a:effectLst/>
+                <a:latin typeface="+mn-lt"/>
+                <a:ea typeface="+mn-ea"/>
+                <a:cs typeface="+mn-cs"/>
+              </a:rPr>
+              <a:t>Our Goal: Protect these critical systems and sensitive data through robust security measures.</a:t>
+            </a:r>
           </a:p>
         </p:txBody>
       </p:sp>
@@ -10954,7 +12990,141 @@
           <a:bodyPr/>
           <a:lstStyle/>
           <a:p>
-            <a:endParaRPr lang="en-US"/>
+            <a:r>
+              <a:rPr lang="en-US" sz="1200" kern="1200" dirty="0">
+                <a:solidFill>
+                  <a:schemeClr val="tx1"/>
+                </a:solidFill>
+                <a:effectLst/>
+                <a:latin typeface="+mn-lt"/>
+                <a:ea typeface="+mn-ea"/>
+                <a:cs typeface="+mn-cs"/>
+              </a:rPr>
+              <a:t>Configuration Management</a:t>
+            </a:r>
+          </a:p>
+          <a:p>
+            <a:pPr lvl="0"/>
+            <a:r>
+              <a:rPr lang="en-US" sz="1200" kern="1200" dirty="0">
+                <a:solidFill>
+                  <a:schemeClr val="tx1"/>
+                </a:solidFill>
+                <a:effectLst/>
+                <a:latin typeface="+mn-lt"/>
+                <a:ea typeface="+mn-ea"/>
+                <a:cs typeface="+mn-cs"/>
+              </a:rPr>
+              <a:t>Why it matters: Essential for keeping our systems secure and intact.</a:t>
+            </a:r>
+          </a:p>
+          <a:p>
+            <a:pPr lvl="0"/>
+            <a:r>
+              <a:rPr lang="en-US" sz="1200" kern="1200" dirty="0">
+                <a:solidFill>
+                  <a:schemeClr val="tx1"/>
+                </a:solidFill>
+                <a:effectLst/>
+                <a:latin typeface="+mn-lt"/>
+                <a:ea typeface="+mn-ea"/>
+                <a:cs typeface="+mn-cs"/>
+              </a:rPr>
+              <a:t>What we do:</a:t>
+            </a:r>
+          </a:p>
+          <a:p>
+            <a:pPr lvl="1"/>
+            <a:r>
+              <a:rPr lang="en-US" sz="1200" kern="1200" dirty="0">
+                <a:solidFill>
+                  <a:schemeClr val="tx1"/>
+                </a:solidFill>
+                <a:effectLst/>
+                <a:latin typeface="+mn-lt"/>
+                <a:ea typeface="+mn-ea"/>
+                <a:cs typeface="+mn-cs"/>
+              </a:rPr>
+              <a:t>Set and maintain secure baselines for all hardware and software.</a:t>
+            </a:r>
+          </a:p>
+          <a:p>
+            <a:pPr lvl="1"/>
+            <a:r>
+              <a:rPr lang="en-US" sz="1200" kern="1200" dirty="0">
+                <a:solidFill>
+                  <a:schemeClr val="tx1"/>
+                </a:solidFill>
+                <a:effectLst/>
+                <a:latin typeface="+mn-lt"/>
+                <a:ea typeface="+mn-ea"/>
+                <a:cs typeface="+mn-cs"/>
+              </a:rPr>
+              <a:t>Use automated tools to monitor configurations and detect changes.</a:t>
+            </a:r>
+          </a:p>
+          <a:p>
+            <a:pPr lvl="1"/>
+            <a:r>
+              <a:rPr lang="en-US" sz="1200" kern="1200" dirty="0">
+                <a:solidFill>
+                  <a:schemeClr val="tx1"/>
+                </a:solidFill>
+                <a:effectLst/>
+                <a:latin typeface="+mn-lt"/>
+                <a:ea typeface="+mn-ea"/>
+                <a:cs typeface="+mn-cs"/>
+              </a:rPr>
+              <a:t>Enforce strict change control.</a:t>
+            </a:r>
+          </a:p>
+          <a:p>
+            <a:pPr lvl="0"/>
+            <a:r>
+              <a:rPr lang="en-US" sz="1200" kern="1200" dirty="0">
+                <a:solidFill>
+                  <a:schemeClr val="tx1"/>
+                </a:solidFill>
+                <a:effectLst/>
+                <a:latin typeface="+mn-lt"/>
+                <a:ea typeface="+mn-ea"/>
+                <a:cs typeface="+mn-cs"/>
+              </a:rPr>
+              <a:t>Guided by CSF 2.0's Protect function:</a:t>
+            </a:r>
+          </a:p>
+          <a:p>
+            <a:pPr lvl="1"/>
+            <a:r>
+              <a:rPr lang="en-US" sz="1200" kern="1200" dirty="0">
+                <a:solidFill>
+                  <a:schemeClr val="tx1"/>
+                </a:solidFill>
+                <a:effectLst/>
+                <a:latin typeface="+mn-lt"/>
+                <a:ea typeface="+mn-ea"/>
+                <a:cs typeface="+mn-cs"/>
+              </a:rPr>
+              <a:t>Ensures confidentiality, integrity, and availability.</a:t>
+            </a:r>
+          </a:p>
+          <a:p>
+            <a:pPr lvl="1"/>
+            <a:r>
+              <a:rPr lang="en-US" sz="1200" kern="1200" dirty="0">
+                <a:solidFill>
+                  <a:schemeClr val="tx1"/>
+                </a:solidFill>
+                <a:effectLst/>
+                <a:latin typeface="+mn-lt"/>
+                <a:ea typeface="+mn-ea"/>
+                <a:cs typeface="+mn-cs"/>
+              </a:rPr>
+              <a:t>Includes vulnerability management, access control, and endpoint security.</a:t>
+            </a:r>
+          </a:p>
+          <a:p>
+            <a:endParaRPr lang="en-US" dirty="0"/>
           </a:p>
         </p:txBody>
       </p:sp>
@@ -11062,7 +13232,126 @@
           <a:bodyPr/>
           <a:lstStyle/>
           <a:p>
-            <a:endParaRPr lang="en-US"/>
+            <a:r>
+              <a:rPr lang="en-US" sz="1200" kern="1200" dirty="0">
+                <a:solidFill>
+                  <a:schemeClr val="tx1"/>
+                </a:solidFill>
+                <a:effectLst/>
+                <a:latin typeface="+mn-lt"/>
+                <a:ea typeface="+mn-ea"/>
+                <a:cs typeface="+mn-cs"/>
+              </a:rPr>
+              <a:t>Systems Involved in Service Delivery</a:t>
+            </a:r>
+          </a:p>
+          <a:p>
+            <a:pPr lvl="0"/>
+            <a:r>
+              <a:rPr lang="en-US" sz="1200" kern="1200" dirty="0">
+                <a:solidFill>
+                  <a:schemeClr val="tx1"/>
+                </a:solidFill>
+                <a:effectLst/>
+                <a:latin typeface="+mn-lt"/>
+                <a:ea typeface="+mn-ea"/>
+                <a:cs typeface="+mn-cs"/>
+              </a:rPr>
+              <a:t>Diverse &amp; Interconnected Systems: Our service delivery relies on many different systems.</a:t>
+            </a:r>
+          </a:p>
+          <a:p>
+            <a:pPr lvl="0"/>
+            <a:r>
+              <a:rPr lang="en-US" sz="1200" kern="1200" dirty="0">
+                <a:solidFill>
+                  <a:schemeClr val="tx1"/>
+                </a:solidFill>
+                <a:effectLst/>
+                <a:latin typeface="+mn-lt"/>
+                <a:ea typeface="+mn-ea"/>
+                <a:cs typeface="+mn-cs"/>
+              </a:rPr>
+              <a:t>Key System Categories:</a:t>
+            </a:r>
+          </a:p>
+          <a:p>
+            <a:pPr lvl="1"/>
+            <a:r>
+              <a:rPr lang="en-US" sz="1200" kern="1200" dirty="0">
+                <a:solidFill>
+                  <a:schemeClr val="tx1"/>
+                </a:solidFill>
+                <a:effectLst/>
+                <a:latin typeface="+mn-lt"/>
+                <a:ea typeface="+mn-ea"/>
+                <a:cs typeface="+mn-cs"/>
+              </a:rPr>
+              <a:t>Cloud Infrastructure: Needs strong identity, network segmentation, and cloud security.</a:t>
+            </a:r>
+          </a:p>
+          <a:p>
+            <a:pPr lvl="1"/>
+            <a:r>
+              <a:rPr lang="en-US" sz="1200" kern="1200" dirty="0">
+                <a:solidFill>
+                  <a:schemeClr val="tx1"/>
+                </a:solidFill>
+                <a:effectLst/>
+                <a:latin typeface="+mn-lt"/>
+                <a:ea typeface="+mn-ea"/>
+                <a:cs typeface="+mn-cs"/>
+              </a:rPr>
+              <a:t>Customer-Facing Apps: Requires secure coding, vulnerability scans, and protection from web threats (like OWASP Top 10).</a:t>
+            </a:r>
+          </a:p>
+          <a:p>
+            <a:pPr lvl="1"/>
+            <a:r>
+              <a:rPr lang="en-US" sz="1200" kern="1200" dirty="0">
+                <a:solidFill>
+                  <a:schemeClr val="tx1"/>
+                </a:solidFill>
+                <a:effectLst/>
+                <a:latin typeface="+mn-lt"/>
+                <a:ea typeface="+mn-ea"/>
+                <a:cs typeface="+mn-cs"/>
+              </a:rPr>
+              <a:t>Internal Operations: Critical for service, needs robust access controls and data protection.</a:t>
+            </a:r>
+          </a:p>
+          <a:p>
+            <a:pPr lvl="1"/>
+            <a:r>
+              <a:rPr lang="en-US" sz="1200" kern="1200" dirty="0">
+                <a:solidFill>
+                  <a:schemeClr val="tx1"/>
+                </a:solidFill>
+                <a:effectLst/>
+                <a:latin typeface="+mn-lt"/>
+                <a:ea typeface="+mn-ea"/>
+                <a:cs typeface="+mn-cs"/>
+              </a:rPr>
+              <a:t>Network Infrastructure: Firewalls, routers, VPNs – must be secured, monitored, and updated.</a:t>
+            </a:r>
+          </a:p>
+          <a:p>
+            <a:pPr lvl="1"/>
+            <a:r>
+              <a:rPr lang="en-US" sz="1200" kern="1200" dirty="0">
+                <a:solidFill>
+                  <a:schemeClr val="tx1"/>
+                </a:solidFill>
+                <a:effectLst/>
+                <a:latin typeface="+mn-lt"/>
+                <a:ea typeface="+mn-ea"/>
+                <a:cs typeface="+mn-cs"/>
+              </a:rPr>
+              <a:t>IAM Systems: Central for controlling access, vital for identifying and protecting assets.</a:t>
+            </a:r>
+          </a:p>
+          <a:p>
+            <a:endParaRPr lang="en-US" dirty="0"/>
           </a:p>
         </p:txBody>
       </p:sp>
@@ -11099,6 +13388,307 @@
     <p:extLst>
       <p:ext uri="{BB962C8B-B14F-4D97-AF65-F5344CB8AC3E}">
         <p14:creationId xmlns:p14="http://schemas.microsoft.com/office/powerpoint/2010/main" val="2165599641"/>
+      </p:ext>
+    </p:extLst>
+  </p:cSld>
+  <p:clrMapOvr>
+    <a:masterClrMapping/>
+  </p:clrMapOvr>
+</p:notes>
+</file>
+
+<file path=ppt/notesSlides/notesSlide8.xml><?xml version="1.0" encoding="utf-8"?>
+<p:notes xmlns:a="http://schemas.openxmlformats.org/drawingml/2006/main" xmlns:r="http://schemas.openxmlformats.org/officeDocument/2006/relationships" xmlns:p="http://schemas.openxmlformats.org/presentationml/2006/main">
+  <p:cSld>
+    <p:spTree>
+      <p:nvGrpSpPr>
+        <p:cNvPr id="1" name=""/>
+        <p:cNvGrpSpPr/>
+        <p:nvPr/>
+      </p:nvGrpSpPr>
+      <p:grpSpPr>
+        <a:xfrm>
+          <a:off x="0" y="0"/>
+          <a:ext cx="0" cy="0"/>
+          <a:chOff x="0" y="0"/>
+          <a:chExt cx="0" cy="0"/>
+        </a:xfrm>
+      </p:grpSpPr>
+      <p:sp>
+        <p:nvSpPr>
+          <p:cNvPr id="2" name="Slide Image Placeholder 1"/>
+          <p:cNvSpPr>
+            <a:spLocks noGrp="1" noRot="1" noChangeAspect="1"/>
+          </p:cNvSpPr>
+          <p:nvPr>
+            <p:ph type="sldImg"/>
+          </p:nvPr>
+        </p:nvSpPr>
+        <p:spPr/>
+      </p:sp>
+      <p:sp>
+        <p:nvSpPr>
+          <p:cNvPr id="3" name="Notes Placeholder 2"/>
+          <p:cNvSpPr>
+            <a:spLocks noGrp="1"/>
+          </p:cNvSpPr>
+          <p:nvPr>
+            <p:ph type="body" idx="1"/>
+          </p:nvPr>
+        </p:nvSpPr>
+        <p:spPr/>
+        <p:txBody>
+          <a:bodyPr/>
+          <a:lstStyle/>
+          <a:p>
+            <a:r>
+              <a:rPr lang="en-US" sz="1200" kern="1200" dirty="0">
+                <a:solidFill>
+                  <a:schemeClr val="tx1"/>
+                </a:solidFill>
+                <a:effectLst/>
+                <a:latin typeface="+mn-lt"/>
+                <a:ea typeface="+mn-ea"/>
+                <a:cs typeface="+mn-cs"/>
+              </a:rPr>
+              <a:t>NIST CSF 2.0 as Core Guide</a:t>
+            </a:r>
+          </a:p>
+          <a:p>
+            <a:pPr lvl="0"/>
+            <a:r>
+              <a:rPr lang="en-US" sz="1200" kern="1200" dirty="0">
+                <a:solidFill>
+                  <a:schemeClr val="tx1"/>
+                </a:solidFill>
+                <a:effectLst/>
+                <a:latin typeface="+mn-lt"/>
+                <a:ea typeface="+mn-ea"/>
+                <a:cs typeface="+mn-cs"/>
+              </a:rPr>
+              <a:t>RC Cybersecurity's Foundation: NIST CSF 2.0 is our primary guide for risk management.</a:t>
+            </a:r>
+          </a:p>
+          <a:p>
+            <a:pPr lvl="0"/>
+            <a:r>
+              <a:rPr lang="en-US" sz="1200" kern="1200" dirty="0">
+                <a:solidFill>
+                  <a:schemeClr val="tx1"/>
+                </a:solidFill>
+                <a:effectLst/>
+                <a:latin typeface="+mn-lt"/>
+                <a:ea typeface="+mn-ea"/>
+                <a:cs typeface="+mn-cs"/>
+              </a:rPr>
+              <a:t>Strategic Alignment: It ensures all cybersecurity efforts and investments directly support business objectives.</a:t>
+            </a:r>
+          </a:p>
+          <a:p>
+            <a:pPr lvl="0"/>
+            <a:r>
+              <a:rPr lang="en-US" sz="1200" kern="1200" dirty="0">
+                <a:solidFill>
+                  <a:schemeClr val="tx1"/>
+                </a:solidFill>
+                <a:effectLst/>
+                <a:latin typeface="+mn-lt"/>
+                <a:ea typeface="+mn-ea"/>
+                <a:cs typeface="+mn-cs"/>
+              </a:rPr>
+              <a:t>Holistic Approach: Aligns security with service delivery and overall company strategy.</a:t>
+            </a:r>
+          </a:p>
+          <a:p>
+            <a:endParaRPr lang="en-US" dirty="0"/>
+          </a:p>
+        </p:txBody>
+      </p:sp>
+      <p:sp>
+        <p:nvSpPr>
+          <p:cNvPr id="4" name="Slide Number Placeholder 3"/>
+          <p:cNvSpPr>
+            <a:spLocks noGrp="1"/>
+          </p:cNvSpPr>
+          <p:nvPr>
+            <p:ph type="sldNum" sz="quarter" idx="5"/>
+          </p:nvPr>
+        </p:nvSpPr>
+        <p:spPr/>
+        <p:txBody>
+          <a:bodyPr/>
+          <a:lstStyle/>
+          <a:p>
+            <a:fld id="{DECDE012-9E2E-4477-8B5C-4E7D4E9BCBA6}" type="slidenum">
+              <a:rPr lang="en-US" noProof="0" smtClean="0"/>
+              <a:t>8</a:t>
+            </a:fld>
+            <a:endParaRPr lang="en-US" noProof="0" dirty="0"/>
+          </a:p>
+        </p:txBody>
+      </p:sp>
+    </p:spTree>
+    <p:extLst>
+      <p:ext uri="{BB962C8B-B14F-4D97-AF65-F5344CB8AC3E}">
+        <p14:creationId xmlns:p14="http://schemas.microsoft.com/office/powerpoint/2010/main" val="4099282816"/>
+      </p:ext>
+    </p:extLst>
+  </p:cSld>
+  <p:clrMapOvr>
+    <a:masterClrMapping/>
+  </p:clrMapOvr>
+</p:notes>
+</file>
+
+<file path=ppt/notesSlides/notesSlide9.xml><?xml version="1.0" encoding="utf-8"?>
+<p:notes xmlns:a="http://schemas.openxmlformats.org/drawingml/2006/main" xmlns:r="http://schemas.openxmlformats.org/officeDocument/2006/relationships" xmlns:p="http://schemas.openxmlformats.org/presentationml/2006/main">
+  <p:cSld>
+    <p:spTree>
+      <p:nvGrpSpPr>
+        <p:cNvPr id="1" name=""/>
+        <p:cNvGrpSpPr/>
+        <p:nvPr/>
+      </p:nvGrpSpPr>
+      <p:grpSpPr>
+        <a:xfrm>
+          <a:off x="0" y="0"/>
+          <a:ext cx="0" cy="0"/>
+          <a:chOff x="0" y="0"/>
+          <a:chExt cx="0" cy="0"/>
+        </a:xfrm>
+      </p:grpSpPr>
+      <p:sp>
+        <p:nvSpPr>
+          <p:cNvPr id="2" name="Slide Image Placeholder 1"/>
+          <p:cNvSpPr>
+            <a:spLocks noGrp="1" noRot="1" noChangeAspect="1"/>
+          </p:cNvSpPr>
+          <p:nvPr>
+            <p:ph type="sldImg"/>
+          </p:nvPr>
+        </p:nvSpPr>
+        <p:spPr/>
+      </p:sp>
+      <p:sp>
+        <p:nvSpPr>
+          <p:cNvPr id="3" name="Notes Placeholder 2"/>
+          <p:cNvSpPr>
+            <a:spLocks noGrp="1"/>
+          </p:cNvSpPr>
+          <p:nvPr>
+            <p:ph type="body" idx="1"/>
+          </p:nvPr>
+        </p:nvSpPr>
+        <p:spPr/>
+        <p:txBody>
+          <a:bodyPr/>
+          <a:lstStyle/>
+          <a:p>
+            <a:r>
+              <a:rPr lang="en-US" sz="1200" kern="1200" dirty="0">
+                <a:solidFill>
+                  <a:schemeClr val="tx1"/>
+                </a:solidFill>
+                <a:effectLst/>
+                <a:latin typeface="+mn-lt"/>
+                <a:ea typeface="+mn-ea"/>
+                <a:cs typeface="+mn-cs"/>
+              </a:rPr>
+              <a:t> CSF 2.0 for Risk &amp; Development</a:t>
+            </a:r>
+          </a:p>
+          <a:p>
+            <a:pPr lvl="0"/>
+            <a:r>
+              <a:rPr lang="en-US" sz="1200" kern="1200" dirty="0">
+                <a:solidFill>
+                  <a:schemeClr val="tx1"/>
+                </a:solidFill>
+                <a:effectLst/>
+                <a:latin typeface="+mn-lt"/>
+                <a:ea typeface="+mn-ea"/>
+                <a:cs typeface="+mn-cs"/>
+              </a:rPr>
+              <a:t>Core Functions: RC Cybersecurity uses CSF 2.0's Identify, Protect, Detect, Respond, Recover.</a:t>
+            </a:r>
+          </a:p>
+          <a:p>
+            <a:pPr lvl="0"/>
+            <a:r>
+              <a:rPr lang="en-US" sz="1200" kern="1200" dirty="0">
+                <a:solidFill>
+                  <a:schemeClr val="tx1"/>
+                </a:solidFill>
+                <a:effectLst/>
+                <a:latin typeface="+mn-lt"/>
+                <a:ea typeface="+mn-ea"/>
+                <a:cs typeface="+mn-cs"/>
+              </a:rPr>
+              <a:t>Purpose: For continuous risk management, adapting to evolving threats.</a:t>
+            </a:r>
+          </a:p>
+          <a:p>
+            <a:pPr lvl="0"/>
+            <a:r>
+              <a:rPr lang="en-US" sz="1200" kern="1200" dirty="0">
+                <a:solidFill>
+                  <a:schemeClr val="tx1"/>
+                </a:solidFill>
+                <a:effectLst/>
+                <a:latin typeface="+mn-lt"/>
+                <a:ea typeface="+mn-ea"/>
+                <a:cs typeface="+mn-cs"/>
+              </a:rPr>
+              <a:t>Development Focus: Guides secure software development and supply chain risk management.</a:t>
+            </a:r>
+          </a:p>
+          <a:p>
+            <a:pPr lvl="0"/>
+            <a:r>
+              <a:rPr lang="en-US" sz="1200" kern="1200" dirty="0">
+                <a:solidFill>
+                  <a:schemeClr val="tx1"/>
+                </a:solidFill>
+                <a:effectLst/>
+                <a:latin typeface="+mn-lt"/>
+                <a:ea typeface="+mn-ea"/>
+                <a:cs typeface="+mn-cs"/>
+              </a:rPr>
+              <a:t>Integration: Embeds security throughout the SDLC to mitigate vulnerabilities and third-party risks.</a:t>
+            </a:r>
+          </a:p>
+          <a:p>
+            <a:endParaRPr lang="en-US" dirty="0"/>
+          </a:p>
+        </p:txBody>
+      </p:sp>
+      <p:sp>
+        <p:nvSpPr>
+          <p:cNvPr id="4" name="Slide Number Placeholder 3"/>
+          <p:cNvSpPr>
+            <a:spLocks noGrp="1"/>
+          </p:cNvSpPr>
+          <p:nvPr>
+            <p:ph type="sldNum" sz="quarter" idx="5"/>
+          </p:nvPr>
+        </p:nvSpPr>
+        <p:spPr/>
+        <p:txBody>
+          <a:bodyPr/>
+          <a:lstStyle/>
+          <a:p>
+            <a:fld id="{DECDE012-9E2E-4477-8B5C-4E7D4E9BCBA6}" type="slidenum">
+              <a:rPr lang="en-US" noProof="0" smtClean="0"/>
+              <a:t>9</a:t>
+            </a:fld>
+            <a:endParaRPr lang="en-US" noProof="0" dirty="0"/>
+          </a:p>
+        </p:txBody>
+      </p:sp>
+    </p:spTree>
+    <p:extLst>
+      <p:ext uri="{BB962C8B-B14F-4D97-AF65-F5344CB8AC3E}">
+        <p14:creationId xmlns:p14="http://schemas.microsoft.com/office/powerpoint/2010/main" val="4024552541"/>
       </p:ext>
     </p:extLst>
   </p:cSld>
@@ -19965,7 +22555,7 @@
         </p:nvSpPr>
         <p:spPr>
           <a:xfrm>
-            <a:off x="5513832" y="188391"/>
+            <a:off x="5513832" y="1522413"/>
             <a:ext cx="6573784" cy="4652417"/>
           </a:xfrm>
         </p:spPr>
@@ -19978,22 +22568,7 @@
             </a:pPr>
             <a:r>
               <a:rPr lang="en-US" dirty="0"/>
-              <a:t>Legal and regulatory requirements are a critical input into the risk management process. RC Cybersecurity must ensure its practices comply with relevant laws and industry-specific regulations like data privacy laws, sector-specific compliance mandates. CSF 2.0's flexibility allows organizations to map its controls and practices to these external requirements, ensuring a compliant yet effective security posture.</a:t>
-            </a:r>
-          </a:p>
-          <a:p>
-            <a:pPr marL="0" indent="0">
-              <a:buNone/>
-            </a:pPr>
-            <a:endParaRPr lang="en-US" dirty="0"/>
-          </a:p>
-          <a:p>
-            <a:pPr marL="0" indent="0">
-              <a:buNone/>
-            </a:pPr>
-            <a:r>
-              <a:rPr lang="en-US" dirty="0"/>
-              <a:t>Organizational constraints are also a key consideration. These can include budget limitations, available personnel expertise, existing technological infrastructure, and the overall organizational culture. CSF 2.0 acknowledges these constraints by being a flexible, customizable framework. RC Cybersecurity can tailor its implementation of the framework to fit its specific operational realities, prioritizing the most impactful controls based on its unique risk profile and available resources. The framework's tiered approach (Implementation Tiers) also helps organizations understand their current cybersecurity maturity and plan for incremental improvements, respecting these constraints.</a:t>
+              <a:t>RC Cybersecurity's risk management must integrate legal and regulatory compliance (e.g., data privacy), using CSF 2.0 to map controls. It also accounts for organizational constraints like budget, expertise, and existing technology. CSF 2.0's flexibility allows tailoring its implementation to RC Cybersecurity's specific operational realities, prioritizing controls based on risk and resources, and guiding maturity improvements through its tiered approach.</a:t>
             </a:r>
           </a:p>
         </p:txBody>
@@ -20255,62 +22830,8 @@
               <a:buNone/>
             </a:pPr>
             <a:r>
-              <a:rPr lang="en-US" sz="1100" dirty="0"/>
-              <a:t>Leveraging Frameworks for Program Development:</a:t>
-            </a:r>
-          </a:p>
-          <a:p>
-            <a:pPr marL="0" indent="0">
-              <a:buNone/>
-            </a:pPr>
-            <a:r>
-              <a:rPr lang="en-US" sz="1100" dirty="0"/>
-              <a:t>Foundation and Structure - Frameworks like NIST CSF 2.0 provide a common language and a set of core functions and categories. This offers a clear roadmap for organizing and prioritizing cybersecurity activities, ensuring all critical areas are addressed.</a:t>
-            </a:r>
-          </a:p>
-          <a:p>
-            <a:pPr marL="0" indent="0">
-              <a:buNone/>
-            </a:pPr>
-            <a:r>
-              <a:rPr lang="en-US" sz="1100" dirty="0"/>
-              <a:t>Risk-Based Approach - These frameworks promote a risk-based methodology. RC Cybersecurity can use them to identify its most critical assets, potential threats, and vulnerabilities, then tailor its security controls and investments to address the highest risks first. This ensures resources are allocated efficiently.</a:t>
-            </a:r>
-          </a:p>
-          <a:p>
-            <a:pPr marL="0" indent="0">
-              <a:buNone/>
-            </a:pPr>
-            <a:r>
-              <a:rPr lang="en-US" sz="1100" dirty="0"/>
-              <a:t>Best Practice Integration - Frameworks are essentially curated collections of industry best practices. By adhering to them, RC Cybersecurity automatically incorporates proven methods for areas like access control, data protection, incident response planning, and continuous monitoring.</a:t>
-            </a:r>
-          </a:p>
-          <a:p>
-            <a:pPr marL="0" indent="0">
-              <a:buNone/>
-            </a:pPr>
-            <a:r>
-              <a:rPr lang="en-US" sz="1100" dirty="0"/>
-              <a:t>Scalability and Adaptability - Recognized frameworks are designed to be adaptable to organizations of all sizes and complexities. RC Cybersecurity can implement the framework at a maturity level that suits its current capabilities and scale its program as it grows and its threat landscape evolves.</a:t>
-            </a:r>
-          </a:p>
-          <a:p>
-            <a:pPr marL="0" indent="0">
-              <a:buNone/>
-            </a:pPr>
-            <a:r>
-              <a:rPr lang="en-US" sz="1100" dirty="0"/>
-              <a:t>Compliance and Assurance - Frameworks often align with various legal and regulatory requirements. Using a framework like NIST CSF 2.0 can help RC Cybersecurity demonstrate compliance and provide assurance to stakeholders that its cybersecurity program is robust and well-managed.</a:t>
-            </a:r>
-          </a:p>
-          <a:p>
-            <a:pPr marL="0" indent="0">
-              <a:buNone/>
-            </a:pPr>
-            <a:r>
-              <a:rPr lang="en-US" sz="1100" dirty="0"/>
-              <a:t>Workforce Development - Frameworks like the NICE Workforce Framework for Cybersecurity can guide RC Cybersecurity in identifying necessary skills, roles, and training for its cybersecurity team, ensuring it has the right talent to execute the program.</a:t>
+              <a:rPr lang="en-US" dirty="0"/>
+              <a:t>Leveraging frameworks like NIST CSF 2.0 provides RC Cybersecurity with a structured, risk-based approach to cybersecurity. They offer a common language, integrate best practices, and help prioritize security investments based on critical assets and threats. These frameworks are scalable, adaptable to organizational maturity, aid in regulatory compliance, and guide workforce development, ensuring a robust and well-managed security program.</a:t>
             </a:r>
           </a:p>
         </p:txBody>
@@ -20689,7 +23210,7 @@
           <p:nvPr/>
         </p:nvPicPr>
         <p:blipFill>
-          <a:blip r:embed="rId2"/>
+          <a:blip r:embed="rId3"/>
           <a:stretch>
             <a:fillRect/>
           </a:stretch>
@@ -20846,7 +23367,7 @@
         </p:xfrm>
         <a:graphic>
           <a:graphicData uri="http://schemas.openxmlformats.org/drawingml/2006/diagram">
-            <dgm:relIds xmlns:dgm="http://schemas.openxmlformats.org/drawingml/2006/diagram" xmlns:r="http://schemas.openxmlformats.org/officeDocument/2006/relationships" r:dm="rId2" r:lo="rId3" r:qs="rId4" r:cs="rId5"/>
+            <dgm:relIds xmlns:dgm="http://schemas.openxmlformats.org/drawingml/2006/diagram" xmlns:r="http://schemas.openxmlformats.org/officeDocument/2006/relationships" r:dm="rId3" r:lo="rId4" r:qs="rId5" r:cs="rId6"/>
           </a:graphicData>
         </a:graphic>
       </p:graphicFrame>
@@ -20998,7 +23519,7 @@
         </p:xfrm>
         <a:graphic>
           <a:graphicData uri="http://schemas.openxmlformats.org/drawingml/2006/diagram">
-            <dgm:relIds xmlns:dgm="http://schemas.openxmlformats.org/drawingml/2006/diagram" xmlns:r="http://schemas.openxmlformats.org/officeDocument/2006/relationships" r:dm="rId2" r:lo="rId3" r:qs="rId4" r:cs="rId5"/>
+            <dgm:relIds xmlns:dgm="http://schemas.openxmlformats.org/drawingml/2006/diagram" xmlns:r="http://schemas.openxmlformats.org/officeDocument/2006/relationships" r:dm="rId3" r:lo="rId4" r:qs="rId5" r:cs="rId6"/>
           </a:graphicData>
         </a:graphic>
       </p:graphicFrame>
@@ -21150,7 +23671,7 @@
         </p:xfrm>
         <a:graphic>
           <a:graphicData uri="http://schemas.openxmlformats.org/drawingml/2006/diagram">
-            <dgm:relIds xmlns:dgm="http://schemas.openxmlformats.org/drawingml/2006/diagram" xmlns:r="http://schemas.openxmlformats.org/officeDocument/2006/relationships" r:dm="rId2" r:lo="rId3" r:qs="rId4" r:cs="rId5"/>
+            <dgm:relIds xmlns:dgm="http://schemas.openxmlformats.org/drawingml/2006/diagram" xmlns:r="http://schemas.openxmlformats.org/officeDocument/2006/relationships" r:dm="rId3" r:lo="rId4" r:qs="rId5" r:cs="rId6"/>
           </a:graphicData>
         </a:graphic>
       </p:graphicFrame>
@@ -21307,7 +23828,7 @@
               <a:buNone/>
             </a:pPr>
             <a:r>
-              <a:rPr lang="en-US" sz="1500" kern="1200"/>
+              <a:rPr lang="en-US" sz="1500" kern="1200" dirty="0"/>
               <a:t>The current model is based on a collection of 15 security practices organized into five major business functions. Governance, design, implementation, verification, and operations are all part of the process.</a:t>
             </a:r>
           </a:p>
@@ -21315,25 +23836,42 @@
             <a:pPr marL="0" indent="0">
               <a:buNone/>
             </a:pPr>
-            <a:endParaRPr lang="en-US" sz="1500" kern="1200"/>
+            <a:endParaRPr lang="en-US" sz="1500" kern="1200" dirty="0"/>
+          </a:p>
+          <a:p>
+            <a:r>
+              <a:rPr lang="en-US" sz="1500" kern="1200" dirty="0"/>
+              <a:t>Governance - </a:t>
+            </a:r>
+            <a:r>
+              <a:rPr lang="en-US" sz="1500" dirty="0"/>
+              <a:t>focuses on using Key Performance Indicators (KPIs) to track progress and identify intervention needs, while also managing project policies, compliance, and third-party suppliers.</a:t>
+            </a:r>
+          </a:p>
+          <a:p>
+            <a:pPr marL="0" indent="0">
+              <a:buNone/>
+            </a:pPr>
+            <a:endParaRPr lang="en-US" sz="1500" kern="1200" dirty="0"/>
           </a:p>
           <a:p>
             <a:pPr marL="0"/>
             <a:r>
-              <a:rPr lang="en-US" sz="1500" kern="1200"/>
-              <a:t>Governance - The governance chapter focuses on key performance indicators (KPIs), which allow teams to see if they have made the desired progress and where intervention is necessary. It also addresses project policy and compliance, as well as third-party component suppliers.</a:t>
+              <a:rPr lang="en-US" sz="1500" kern="1200" dirty="0"/>
+              <a:t>Design- </a:t>
+            </a:r>
+            <a:r>
+              <a:rPr lang="en-US" dirty="0"/>
+              <a:t> </a:t>
+            </a:r>
+            <a:r>
+              <a:rPr lang="en-US" sz="1500" dirty="0"/>
+              <a:t>security efforts involve setting requirements, creating a security architecture, and conducting threat modeling to identify and effectively address potential application dangers.</a:t>
             </a:r>
           </a:p>
           <a:p>
             <a:pPr marL="0"/>
-            <a:endParaRPr lang="en-US" sz="1500" kern="1200"/>
-          </a:p>
-          <a:p>
-            <a:pPr marL="0"/>
-            <a:r>
-              <a:rPr lang="en-US" sz="1500" kern="1200"/>
-              <a:t>Design- In the design phase, security activities include establishing security requirements, developing a security architecture, and undertaking threat modeling. The purpose is to determine which dangers are influencing the application under development and whether they are being dealt with effectively.</a:t>
-            </a:r>
+            <a:endParaRPr lang="en-US" sz="1500" kern="1200" dirty="0"/>
           </a:p>
         </p:txBody>
       </p:sp>
@@ -21352,7 +23890,7 @@
           <p:nvPr/>
         </p:nvPicPr>
         <p:blipFill>
-          <a:blip r:embed="rId2">
+          <a:blip r:embed="rId3">
             <a:extLst>
               <a:ext uri="{28A0092B-C50C-407E-A947-70E740481C1C}">
                 <a14:useLocalDpi xmlns:a14="http://schemas.microsoft.com/office/drawing/2010/main" val="0"/>
@@ -21375,15 +23913,6 @@
           <a:solidFill>
             <a:srgbClr val="FFFFFF"/>
           </a:solidFill>
-          <a:extLst>
-            <a:ext uri="{909E8E84-426E-40DD-AFC4-6F175D3DCCD1}">
-              <a14:hiddenFill xmlns:a14="http://schemas.microsoft.com/office/drawing/2010/main">
-                <a:solidFill>
-                  <a:srgbClr val="FFFFFF"/>
-                </a:solidFill>
-              </a14:hiddenFill>
-            </a:ext>
-          </a:extLst>
         </p:spPr>
       </p:pic>
     </p:spTree>
@@ -21476,7 +24005,7 @@
           <p:nvPr/>
         </p:nvPicPr>
         <p:blipFill>
-          <a:blip r:embed="rId2">
+          <a:blip r:embed="rId3">
             <a:extLst>
               <a:ext uri="{28A0092B-C50C-407E-A947-70E740481C1C}">
                 <a14:useLocalDpi xmlns:a14="http://schemas.microsoft.com/office/drawing/2010/main" val="0"/>
@@ -21498,15 +24027,6 @@
           <a:solidFill>
             <a:srgbClr val="FFFFFF"/>
           </a:solidFill>
-          <a:extLst>
-            <a:ext uri="{909E8E84-426E-40DD-AFC4-6F175D3DCCD1}">
-              <a14:hiddenFill xmlns:a14="http://schemas.microsoft.com/office/drawing/2010/main">
-                <a:solidFill>
-                  <a:srgbClr val="FFFFFF"/>
-                </a:solidFill>
-              </a14:hiddenFill>
-            </a:ext>
-          </a:extLst>
         </p:spPr>
       </p:pic>
       <p:sp>
@@ -21533,31 +24053,28 @@
         </p:spPr>
         <p:txBody>
           <a:bodyPr>
-            <a:normAutofit/>
+            <a:normAutofit fontScale="92500" lnSpcReduction="10000"/>
           </a:bodyPr>
           <a:lstStyle/>
           <a:p>
             <a:r>
-              <a:rPr lang="en-US" sz="900"/>
-              <a:t>Implementation - SAMM focuses on the tools for integrating security into the build and deployment processes in this chapter. Issues concern the secure processing of credentials to reduce human participation during initial setup and future secret renewal. While critical throughout the development lifecycle, defect control is also addressed in implementation concerns. </a:t>
-            </a:r>
-          </a:p>
-          <a:p>
-            <a:endParaRPr lang="en-US" sz="900"/>
-          </a:p>
-          <a:p>
-            <a:r>
-              <a:rPr lang="en-US" sz="900"/>
-              <a:t>Verification - In many sectors, releasing software into production without first ensuring its quality has become inconceivable. This is especially true for security checks. The chapter proposes security checks based on concrete security requirements, while generic tests are still justified. SAMM prioritizes denial of service benchmarks, fuzzing, regression testing for resolved vulnerabilities, and test automation during the build and deployment process. </a:t>
-            </a:r>
-          </a:p>
-          <a:p>
-            <a:endParaRPr lang="en-US" sz="900"/>
-          </a:p>
-          <a:p>
-            <a:r>
-              <a:rPr lang="en-US" sz="900"/>
-              <a:t>Operation - With DevOps, the boundaries of the software development process are increasingly beginning to blur. The maturity model adds a separate section for operation. The specifications tolerate manual log analysis, ad hoc responses to incidents, and best efforts to detect attacks at a low maturity level. Improved maturity requires a dedicated incident response team and defined processes for the detection and remediation of incidents.</a:t>
+              <a:rPr lang="en-US" sz="1400" dirty="0"/>
+              <a:t>Implementation -  focuses on integrating security tools into build and deployment processes, emphasizing secure credential management (reducing manual handling and renewal) and defect control.</a:t>
+            </a:r>
+          </a:p>
+          <a:p>
+            <a:endParaRPr lang="en-US" sz="900" dirty="0"/>
+          </a:p>
+          <a:p>
+            <a:r>
+              <a:rPr lang="en-US" sz="1400" dirty="0"/>
+              <a:t>Verification - proposes security tests based on specific requirements, complementing generic ones. SAMM prioritizes denial of service benchmarks, fuzzing, regression testing for fixed vulnerabilities, and automated testing during build and deployment.</a:t>
+            </a:r>
+          </a:p>
+          <a:p>
+            <a:r>
+              <a:rPr lang="en-US" sz="1500" dirty="0"/>
+              <a:t>Operation - DevOps blurs development boundaries, so the maturity model now includes operations. Low maturity allows manual log analysis and ad-hoc incident response, but higher maturity requires a dedicated team and defined processes for incident detection and remediation.</a:t>
             </a:r>
           </a:p>
         </p:txBody>
@@ -22826,7 +25343,7 @@
         </p:spPr>
         <p:txBody>
           <a:bodyPr vert="horz" lIns="91440" tIns="45720" rIns="91440" bIns="45720" rtlCol="0">
-            <a:normAutofit/>
+            <a:normAutofit lnSpcReduction="10000"/>
           </a:bodyPr>
           <a:lstStyle/>
           <a:p>
@@ -22841,7 +25358,7 @@
           <a:p>
             <a:r>
               <a:rPr lang="en-US" dirty="0"/>
-              <a:t>RC Cybersecurity employs </a:t>
+              <a:t>RC Cybersecurity champions a </a:t>
             </a:r>
             <a:r>
               <a:rPr lang="en-US" dirty="0" err="1"/>
@@ -22849,7 +25366,25 @@
             </a:r>
             <a:r>
               <a:rPr lang="en-US" dirty="0"/>
-              <a:t> principles, integrating security practices throughout the entire software development lifecycle (SDLC). This paradigm shift moves security from a late-stage gatekeeper to an embedded, continuous concern. Development processes are iterative and agile, with security checks and automated testing like SAST, DAST, IAST, incorporated into CI/CD pipelines. The overarching paradigm is one of risk-based security, where resources and efforts are prioritized based on identified threats and vulnerabilities impacting critical services.</a:t>
+              <a:t> approach, embedding security throughout the entire software development lifecycle (SDLC).</a:t>
+            </a:r>
+          </a:p>
+          <a:p>
+            <a:endParaRPr lang="en-US" dirty="0"/>
+          </a:p>
+          <a:p>
+            <a:r>
+              <a:rPr lang="en-US" dirty="0"/>
+              <a:t>Development is agile and iterative, with security measures like Static Application Security Testing (SAST), Dynamic Application Security Testing (DAST), and Interactive Application Security Testing (IAST) automated and built directly into Continuous Integration/Continuous Deployment (CI/CD) pipelines.</a:t>
+            </a:r>
+          </a:p>
+          <a:p>
+            <a:endParaRPr lang="en-US" dirty="0"/>
+          </a:p>
+          <a:p>
+            <a:r>
+              <a:rPr lang="en-US" dirty="0"/>
+              <a:t>The core strategy is risk-based security, focusing efforts on the threats and vulnerabilities that pose the greatest risk to essential services.</a:t>
             </a:r>
           </a:p>
         </p:txBody>
@@ -23009,7 +25544,16 @@
           <a:p>
             <a:r>
               <a:rPr lang="en-US" dirty="0"/>
-              <a:t>Information management at RC Cybersecurity is crucial for understanding and protecting its assets. This involves robust data classification, inventorying of all digital assets (hardware, software, data), and implementing controls for data access, transmission, and storage. The CSF 2.0's Govern function is paramount here, ensuring policies and procedures are in place for information handling, privacy, and regulatory compliance. This includes managing sensitive customer data, intellectual property, and operational information</a:t>
+              <a:t>At RC Cybersecurity, effective information management is vital for safeguarding assets. This involves thoroughly classifying data, cataloging all digital assets (hardware, software, and data), and establishing strict controls over how data is accessed, transmitted, and stored. </a:t>
+            </a:r>
+          </a:p>
+          <a:p>
+            <a:endParaRPr lang="en-US" dirty="0"/>
+          </a:p>
+          <a:p>
+            <a:r>
+              <a:rPr lang="en-US" dirty="0"/>
+              <a:t>The CSF 2.0's Govern function is key, ensuring that policies and procedures for information handling, privacy, and regulatory compliance are rigorously applied, especially for sensitive customer data, intellectual property, and operational information.</a:t>
             </a:r>
           </a:p>
         </p:txBody>
@@ -23169,7 +25713,16 @@
           <a:p>
             <a:r>
               <a:rPr lang="en-US" dirty="0"/>
-              <a:t>Effective configuration management is vital for maintaining the integrity and security posture of RC Cybersecurity's systems. This entails establishing and maintaining secure baseline configurations for all hardware and software, employing automated tools for configuration monitoring and drift detection, and implementing strict change control processes. The CSF 2.0's Protect function directly addresses this, focusing on safeguards to ensure the confidentiality, integrity, and availability of information and systems. This includes vulnerability management, access control, and endpoint security.</a:t>
+              <a:t>RC Cybersecurity relies on effective configuration management to keep its systems secure and intact. This means setting and maintaining secure baselines for all hardware and software, using automated tools to monitor configurations and detect changes, and enforcing strict change control. </a:t>
+            </a:r>
+          </a:p>
+          <a:p>
+            <a:endParaRPr lang="en-US" dirty="0"/>
+          </a:p>
+          <a:p>
+            <a:r>
+              <a:rPr lang="en-US" dirty="0"/>
+              <a:t>The CSF 2.0's Protect function guides these efforts, ensuring confidentiality, integrity, and availability through measures like vulnerability management, access control, and endpoint security.</a:t>
             </a:r>
           </a:p>
         </p:txBody>
@@ -23314,7 +25867,7 @@
         </p:spPr>
         <p:txBody>
           <a:bodyPr vert="horz" lIns="91440" tIns="45720" rIns="91440" bIns="45720" rtlCol="0">
-            <a:normAutofit fontScale="85000" lnSpcReduction="20000"/>
+            <a:normAutofit lnSpcReduction="10000"/>
           </a:bodyPr>
           <a:lstStyle/>
           <a:p>
@@ -23329,11 +25882,15 @@
           <a:p>
             <a:r>
               <a:rPr lang="en-US" dirty="0"/>
-              <a:t>The systems directly involved in RC Cybersecurity's service delivery are diverse and interconnected. These typically include:</a:t>
-            </a:r>
-          </a:p>
-          <a:p>
-            <a:endParaRPr lang="en-US" dirty="0"/>
+              <a:t>RC Cybersecurity's service delivery relies on a diverse, interconnected set of systems. These include:</a:t>
+            </a:r>
+          </a:p>
+          <a:p>
+            <a:pPr lvl="0"/>
+            <a:r>
+              <a:rPr lang="en-US" dirty="0"/>
+              <a:t>Cloud Infrastructure: </a:t>
+            </a:r>
           </a:p>
           <a:p>
             <a:pPr marL="285750" lvl="0" indent="-285750">
@@ -23342,7 +25899,7 @@
             </a:pPr>
             <a:r>
               <a:rPr lang="en-US" dirty="0"/>
-              <a:t>Cloud Infrastructure - For hosting applications and data, requiring robust identity and access management (IAM), network segmentation, and cloud security posture management (CSPM).</a:t>
+              <a:t>Hosts applications and data, requiring strong identity management, network segmentation, and cloud security.</a:t>
             </a:r>
           </a:p>
           <a:p>
@@ -23350,7 +25907,10 @@
               <a:buFont typeface="Arial" panose="020B0604020202020204" pitchFamily="34" charset="0"/>
               <a:buChar char="•"/>
             </a:pPr>
-            <a:endParaRPr lang="en-US" dirty="0"/>
+            <a:r>
+              <a:rPr lang="en-US" dirty="0"/>
+              <a:t>Customer-Facing Applications - Web portals and APIs, needing secure coding, regular vulnerability scans, and protection against common web threats (like OWASP Top 10).</a:t>
+            </a:r>
           </a:p>
           <a:p>
             <a:pPr marL="285750" lvl="0" indent="-285750">
@@ -23359,7 +25919,7 @@
             </a:pPr>
             <a:r>
               <a:rPr lang="en-US" dirty="0"/>
-              <a:t>Customer-Facing Applications - Web portals, APIs, and client software that require secure coding practices, regular vulnerability scanning, and protection against common web attacks as noted on the OWASP Top 10.</a:t>
+              <a:t>Internal Operations Systems - Tools like CRM and ticketing, critical for operations and requiring robust access controls and data protection.</a:t>
             </a:r>
           </a:p>
           <a:p>
@@ -23367,7 +25927,10 @@
               <a:buFont typeface="Arial" panose="020B0604020202020204" pitchFamily="34" charset="0"/>
               <a:buChar char="•"/>
             </a:pPr>
-            <a:endParaRPr lang="en-US" dirty="0"/>
+            <a:r>
+              <a:rPr lang="en-US" dirty="0"/>
+              <a:t>Network Infrastructure - Firewalls, routers, and VPNs, which must be secured, monitored, and updated.</a:t>
+            </a:r>
           </a:p>
           <a:p>
             <a:pPr marL="285750" lvl="0" indent="-285750">
@@ -23376,41 +25939,7 @@
             </a:pPr>
             <a:r>
               <a:rPr lang="en-US" dirty="0"/>
-              <a:t>Internal Operations Systems - CRM, ticketing systems, collaboration tools, and monitoring platforms that, while internal, are critical for service operations and require strong access controls and data protection.</a:t>
-            </a:r>
-          </a:p>
-          <a:p>
-            <a:pPr marL="285750" lvl="0" indent="-285750">
-              <a:buFont typeface="Arial" panose="020B0604020202020204" pitchFamily="34" charset="0"/>
-              <a:buChar char="•"/>
-            </a:pPr>
-            <a:endParaRPr lang="en-US" dirty="0"/>
-          </a:p>
-          <a:p>
-            <a:pPr marL="285750" lvl="0" indent="-285750">
-              <a:buFont typeface="Arial" panose="020B0604020202020204" pitchFamily="34" charset="0"/>
-              <a:buChar char="•"/>
-            </a:pPr>
-            <a:r>
-              <a:rPr lang="en-US" dirty="0"/>
-              <a:t>Network Infrastructure - Firewalls, routers, switches, and VPNs that form the backbone of service delivery and must be secured, monitored, and patched.</a:t>
-            </a:r>
-          </a:p>
-          <a:p>
-            <a:pPr marL="285750" lvl="0" indent="-285750">
-              <a:buFont typeface="Arial" panose="020B0604020202020204" pitchFamily="34" charset="0"/>
-              <a:buChar char="•"/>
-            </a:pPr>
-            <a:endParaRPr lang="en-US" dirty="0"/>
-          </a:p>
-          <a:p>
-            <a:pPr marL="285750" lvl="0" indent="-285750">
-              <a:buFont typeface="Arial" panose="020B0604020202020204" pitchFamily="34" charset="0"/>
-              <a:buChar char="•"/>
-            </a:pPr>
-            <a:r>
-              <a:rPr lang="en-US" dirty="0"/>
-              <a:t>Identity and Access Management (IAM) Systems - Central to controlling who can access what, these systems are critical for the Identify and Protect functions of the CSF.</a:t>
+              <a:t>Identity and Access Management (IAM) Systems - Central to controlling access, vital for both identifying and protecting assets.</a:t>
             </a:r>
           </a:p>
           <a:p>
@@ -23565,7 +26094,7 @@
             </a:pPr>
             <a:r>
               <a:rPr lang="en-US" dirty="0"/>
-              <a:t>The NIST Cybersecurity Framework (CSF) 2.0 serves as a pivotal guide for RC Cybersecurity's risk management practices. This framework emphasizes a holistic approach, starting with business/mission objectives to ensure cybersecurity efforts directly support the company's core goals. For RC Cybersecurity, this means aligning security investments and strategies with the delivery of its services and overall business strategy.</a:t>
+              <a:t>RC Cybersecurity uses the NIST CSF 2.0 as its core guide for risk management. This framework helps them align all cybersecurity efforts and investments directly with their business objectives, service delivery, and overall company strategy.</a:t>
             </a:r>
           </a:p>
         </p:txBody>
@@ -23691,7 +26220,7 @@
         </p:nvSpPr>
         <p:spPr>
           <a:xfrm>
-            <a:off x="5513832" y="438912"/>
+            <a:off x="5673664" y="1766671"/>
             <a:ext cx="6122096" cy="4652417"/>
           </a:xfrm>
         </p:spPr>
@@ -23704,22 +26233,7 @@
             </a:pPr>
             <a:r>
               <a:rPr lang="en-US" dirty="0"/>
-              <a:t>Risk Management Practices under CSF 2.0 are structured around five core functions: Identify, Protect, Detect, Respond, and Recover. RC Cybersecurity would leverage these to understand its assets, implement safeguards, detect malicious activity, and effectively respond to and recover from incidents. This framework encourages a continuous cycle of improvement, adapting to the evolving threat landscape.</a:t>
-            </a:r>
-          </a:p>
-          <a:p>
-            <a:pPr marL="0" indent="0">
-              <a:buNone/>
-            </a:pPr>
-            <a:endParaRPr lang="en-US" dirty="0"/>
-          </a:p>
-          <a:p>
-            <a:pPr marL="0" indent="0">
-              <a:buNone/>
-            </a:pPr>
-            <a:r>
-              <a:rPr lang="en-US" dirty="0"/>
-              <a:t>Regarding development threats, CSF 2.0 places a new emphasis on supply chain risk management and secure software development. RC Cybersecurity would need to integrate security considerations throughout its Software Development Lifecycle (SDLC), addressing threats such as code vulnerabilities, compromised third-party components, and insecure deployment practices. The framework provides guidance on how to identify and mitigate these risks.</a:t>
+              <a:t>RC Cybersecurity uses CSF 2.0's Identify, Protect, Detect, Respond, and Recover functions for continuous risk management, adapting to evolving threats. The framework also guides them in managing development threats, emphasizing secure software development and supply chain risk management by integrating security throughout the SDLC to mitigate code vulnerabilities, third-party risks, and insecure deployments.</a:t>
             </a:r>
           </a:p>
         </p:txBody>
@@ -24559,6 +27073,26 @@
 </file>
 
 <file path=customXml/item1.xml><?xml version="1.0" encoding="utf-8"?>
+<p:properties xmlns:p="http://schemas.microsoft.com/office/2006/metadata/properties" xmlns:xsi="http://www.w3.org/2001/XMLSchema-instance" xmlns:pc="http://schemas.microsoft.com/office/infopath/2007/PartnerControls">
+  <documentManagement>
+    <_ip_UnifiedCompliancePolicyUIAction xmlns="http://schemas.microsoft.com/sharepoint/v3" xsi:nil="true"/>
+    <Image xmlns="71af3243-3dd4-4a8d-8c0d-dd76da1f02a5">
+      <Url xsi:nil="true"/>
+      <Description xsi:nil="true"/>
+    </Image>
+    <Status xmlns="71af3243-3dd4-4a8d-8c0d-dd76da1f02a5">Not started</Status>
+    <Background xmlns="71af3243-3dd4-4a8d-8c0d-dd76da1f02a5">false</Background>
+    <_ip_UnifiedCompliancePolicyProperties xmlns="http://schemas.microsoft.com/sharepoint/v3" xsi:nil="true"/>
+    <ImageTagsTaxHTField xmlns="71af3243-3dd4-4a8d-8c0d-dd76da1f02a5">
+      <Terms xmlns="http://schemas.microsoft.com/office/infopath/2007/PartnerControls"/>
+    </ImageTagsTaxHTField>
+    <TaxCatchAll xmlns="230e9df3-be65-4c73-a93b-d1236ebd677e" xsi:nil="true"/>
+    <MediaServiceKeyPoints xmlns="71af3243-3dd4-4a8d-8c0d-dd76da1f02a5" xsi:nil="true"/>
+  </documentManagement>
+</p:properties>
+</file>
+
+<file path=customXml/item2.xml><?xml version="1.0" encoding="utf-8"?>
 <ct:contentTypeSchema xmlns:ct="http://schemas.microsoft.com/office/2006/metadata/contentType" xmlns:ma="http://schemas.microsoft.com/office/2006/metadata/properties/metaAttributes" ct:_="" ma:_="" ma:contentTypeName="Document" ma:contentTypeID="0x01010079F111ED35F8CC479449609E8A0923A6" ma:contentTypeVersion="24" ma:contentTypeDescription="Create a new document." ma:contentTypeScope="" ma:versionID="2d714a3296df14eba7a100bb665443ca">
   <xsd:schema xmlns:xsd="http://www.w3.org/2001/XMLSchema" xmlns:xs="http://www.w3.org/2001/XMLSchema" xmlns:p="http://schemas.microsoft.com/office/2006/metadata/properties" xmlns:ns1="http://schemas.microsoft.com/sharepoint/v3" xmlns:ns2="71af3243-3dd4-4a8d-8c0d-dd76da1f02a5" xmlns:ns3="16c05727-aa75-4e4a-9b5f-8a80a1165891" xmlns:ns4="230e9df3-be65-4c73-a93b-d1236ebd677e" targetNamespace="http://schemas.microsoft.com/office/2006/metadata/properties" ma:root="true" ma:fieldsID="49549bf45bfbbfb6cffed527380e77e1" ns1:_="" ns2:_="" ns3:_="" ns4:_="">
     <xsd:import namespace="http://schemas.microsoft.com/sharepoint/v3"/>
@@ -24846,26 +27380,6 @@
 </ct:contentTypeSchema>
 </file>
 
-<file path=customXml/item2.xml><?xml version="1.0" encoding="utf-8"?>
-<p:properties xmlns:p="http://schemas.microsoft.com/office/2006/metadata/properties" xmlns:xsi="http://www.w3.org/2001/XMLSchema-instance" xmlns:pc="http://schemas.microsoft.com/office/infopath/2007/PartnerControls">
-  <documentManagement>
-    <_ip_UnifiedCompliancePolicyUIAction xmlns="http://schemas.microsoft.com/sharepoint/v3" xsi:nil="true"/>
-    <Image xmlns="71af3243-3dd4-4a8d-8c0d-dd76da1f02a5">
-      <Url xsi:nil="true"/>
-      <Description xsi:nil="true"/>
-    </Image>
-    <Status xmlns="71af3243-3dd4-4a8d-8c0d-dd76da1f02a5">Not started</Status>
-    <Background xmlns="71af3243-3dd4-4a8d-8c0d-dd76da1f02a5">false</Background>
-    <_ip_UnifiedCompliancePolicyProperties xmlns="http://schemas.microsoft.com/sharepoint/v3" xsi:nil="true"/>
-    <ImageTagsTaxHTField xmlns="71af3243-3dd4-4a8d-8c0d-dd76da1f02a5">
-      <Terms xmlns="http://schemas.microsoft.com/office/infopath/2007/PartnerControls"/>
-    </ImageTagsTaxHTField>
-    <TaxCatchAll xmlns="230e9df3-be65-4c73-a93b-d1236ebd677e" xsi:nil="true"/>
-    <MediaServiceKeyPoints xmlns="71af3243-3dd4-4a8d-8c0d-dd76da1f02a5" xsi:nil="true"/>
-  </documentManagement>
-</p:properties>
-</file>
-
 <file path=customXml/item3.xml><?xml version="1.0" encoding="utf-8"?>
 <?mso-contentType ?>
 <FormTemplates xmlns="http://schemas.microsoft.com/sharepoint/v3/contenttype/forms">
@@ -24876,6 +27390,18 @@
 </file>
 
 <file path=customXml/itemProps1.xml><?xml version="1.0" encoding="utf-8"?>
+<ds:datastoreItem xmlns:ds="http://schemas.openxmlformats.org/officeDocument/2006/customXml" ds:itemID="{411F98F7-6576-47F1-AD63-56E26C339747}">
+  <ds:schemaRefs>
+    <ds:schemaRef ds:uri="http://schemas.microsoft.com/office/2006/metadata/properties"/>
+    <ds:schemaRef ds:uri="http://schemas.microsoft.com/office/infopath/2007/PartnerControls"/>
+    <ds:schemaRef ds:uri="http://schemas.microsoft.com/sharepoint/v3"/>
+    <ds:schemaRef ds:uri="71af3243-3dd4-4a8d-8c0d-dd76da1f02a5"/>
+    <ds:schemaRef ds:uri="230e9df3-be65-4c73-a93b-d1236ebd677e"/>
+  </ds:schemaRefs>
+</ds:datastoreItem>
+</file>
+
+<file path=customXml/itemProps2.xml><?xml version="1.0" encoding="utf-8"?>
 <ds:datastoreItem xmlns:ds="http://schemas.openxmlformats.org/officeDocument/2006/customXml" ds:itemID="{5783CE7D-BFC6-4030-A335-E7F88DB66414}">
   <ds:schemaRefs>
     <ds:schemaRef ds:uri="http://schemas.microsoft.com/office/2006/metadata/contentType"/>
@@ -24896,18 +27422,6 @@
 </ds:datastoreItem>
 </file>
 
-<file path=customXml/itemProps2.xml><?xml version="1.0" encoding="utf-8"?>
-<ds:datastoreItem xmlns:ds="http://schemas.openxmlformats.org/officeDocument/2006/customXml" ds:itemID="{411F98F7-6576-47F1-AD63-56E26C339747}">
-  <ds:schemaRefs>
-    <ds:schemaRef ds:uri="http://schemas.microsoft.com/office/2006/metadata/properties"/>
-    <ds:schemaRef ds:uri="http://schemas.microsoft.com/office/infopath/2007/PartnerControls"/>
-    <ds:schemaRef ds:uri="http://schemas.microsoft.com/sharepoint/v3"/>
-    <ds:schemaRef ds:uri="71af3243-3dd4-4a8d-8c0d-dd76da1f02a5"/>
-    <ds:schemaRef ds:uri="230e9df3-be65-4c73-a93b-d1236ebd677e"/>
-  </ds:schemaRefs>
-</ds:datastoreItem>
-</file>
-
 <file path=customXml/itemProps3.xml><?xml version="1.0" encoding="utf-8"?>
 <ds:datastoreItem xmlns:ds="http://schemas.openxmlformats.org/officeDocument/2006/customXml" ds:itemID="{25B4CAA5-BE7A-46AB-97ED-63B24C46A3A8}">
   <ds:schemaRefs>
